--- a/PRS Final Report.pptx
+++ b/PRS Final Report.pptx
@@ -1,40 +1,40 @@
 
 <file path=ppt/presentation.xml><?xml version="1.0" encoding="utf-8"?>
-<p:presentation xmlns:a="http://schemas.openxmlformats.org/drawingml/2006/main" xmlns:r="http://schemas.openxmlformats.org/officeDocument/2006/relationships" xmlns:mc="http://schemas.openxmlformats.org/markup-compatibility/2006" xmlns:mv="urn:schemas-microsoft-com:mac:vml" xmlns:p="http://schemas.openxmlformats.org/presentationml/2006/main" xmlns:c="http://schemas.openxmlformats.org/drawingml/2006/chart" xmlns:dgm="http://schemas.openxmlformats.org/drawingml/2006/diagram" xmlns:o="urn:schemas-microsoft-com:office:office" xmlns:v="urn:schemas-microsoft-com:vml" xmlns:pvml="urn:schemas-microsoft-com:office:powerpoint" xmlns:com="http://schemas.openxmlformats.org/drawingml/2006/compatibility" xmlns:p14="http://schemas.microsoft.com/office/powerpoint/2010/main" xmlns:p15="http://schemas.microsoft.com/office/powerpoint/2012/main" autoCompressPictures="0" embedTrueTypeFonts="1" strictFirstAndLastChars="0" saveSubsetFonts="1">
+<p:presentation xmlns:a="http://schemas.openxmlformats.org/drawingml/2006/main" xmlns:r="http://schemas.openxmlformats.org/officeDocument/2006/relationships" xmlns:p="http://schemas.openxmlformats.org/presentationml/2006/main" strictFirstAndLastChars="0" embedTrueTypeFonts="1" saveSubsetFonts="1" autoCompressPictures="0">
   <p:sldMasterIdLst>
-    <p:sldMasterId id="2147483659" r:id="rId4"/>
+    <p:sldMasterId id="2147483659" r:id="rId1"/>
   </p:sldMasterIdLst>
   <p:notesMasterIdLst>
-    <p:notesMasterId r:id="rId5"/>
+    <p:notesMasterId r:id="rId15"/>
   </p:notesMasterIdLst>
   <p:sldIdLst>
-    <p:sldId id="256" r:id="rId6"/>
-    <p:sldId id="257" r:id="rId7"/>
-    <p:sldId id="258" r:id="rId8"/>
-    <p:sldId id="259" r:id="rId9"/>
-    <p:sldId id="260" r:id="rId10"/>
-    <p:sldId id="261" r:id="rId11"/>
-    <p:sldId id="262" r:id="rId12"/>
-    <p:sldId id="263" r:id="rId13"/>
-    <p:sldId id="264" r:id="rId14"/>
-    <p:sldId id="265" r:id="rId15"/>
-    <p:sldId id="266" r:id="rId16"/>
-    <p:sldId id="267" r:id="rId17"/>
-    <p:sldId id="268" r:id="rId18"/>
+    <p:sldId id="256" r:id="rId2"/>
+    <p:sldId id="257" r:id="rId3"/>
+    <p:sldId id="258" r:id="rId4"/>
+    <p:sldId id="259" r:id="rId5"/>
+    <p:sldId id="260" r:id="rId6"/>
+    <p:sldId id="261" r:id="rId7"/>
+    <p:sldId id="262" r:id="rId8"/>
+    <p:sldId id="263" r:id="rId9"/>
+    <p:sldId id="264" r:id="rId10"/>
+    <p:sldId id="265" r:id="rId11"/>
+    <p:sldId id="266" r:id="rId12"/>
+    <p:sldId id="267" r:id="rId13"/>
+    <p:sldId id="268" r:id="rId14"/>
   </p:sldIdLst>
-  <p:sldSz cy="5143500" cx="9144000"/>
+  <p:sldSz cx="9144000" cy="5143500" type="screen16x9"/>
   <p:notesSz cx="6858000" cy="9144000"/>
   <p:embeddedFontLst>
     <p:embeddedFont>
-      <p:font typeface="Roboto"/>
-      <p:regular r:id="rId19"/>
-      <p:bold r:id="rId20"/>
-      <p:italic r:id="rId21"/>
-      <p:boldItalic r:id="rId22"/>
+      <p:font typeface="Roboto" panose="020B0604020202020204" charset="0"/>
+      <p:regular r:id="rId16"/>
+      <p:bold r:id="rId17"/>
+      <p:italic r:id="rId18"/>
+      <p:boldItalic r:id="rId19"/>
     </p:embeddedFont>
   </p:embeddedFontLst>
   <p:defaultTextStyle>
-    <a:defPPr lvl="0" marR="0" rtl="0" algn="l">
+    <a:defPPr marR="0" lvl="0" algn="l" rtl="0">
       <a:lnSpc>
         <a:spcPct val="100000"/>
       </a:lnSpc>
@@ -45,7 +45,7 @@
         <a:spcPts val="0"/>
       </a:spcAft>
     </a:defPPr>
-    <a:lvl1pPr lvl="0" marR="0" rtl="0" algn="l">
+    <a:lvl1pPr marR="0" lvl="0" algn="l" rtl="0">
       <a:lnSpc>
         <a:spcPct val="100000"/>
       </a:lnSpc>
@@ -59,7 +59,7 @@
         <a:srgbClr val="000000"/>
       </a:buClr>
       <a:buFont typeface="Arial"/>
-      <a:defRPr b="0" i="0" sz="1400" u="none" cap="none" strike="noStrike">
+      <a:defRPr sz="1400" b="0" i="0" u="none" strike="noStrike" cap="none">
         <a:solidFill>
           <a:srgbClr val="000000"/>
         </a:solidFill>
@@ -69,7 +69,7 @@
         <a:sym typeface="Arial"/>
       </a:defRPr>
     </a:lvl1pPr>
-    <a:lvl2pPr lvl="1" marR="0" rtl="0" algn="l">
+    <a:lvl2pPr marR="0" lvl="1" algn="l" rtl="0">
       <a:lnSpc>
         <a:spcPct val="100000"/>
       </a:lnSpc>
@@ -83,7 +83,7 @@
         <a:srgbClr val="000000"/>
       </a:buClr>
       <a:buFont typeface="Arial"/>
-      <a:defRPr b="0" i="0" sz="1400" u="none" cap="none" strike="noStrike">
+      <a:defRPr sz="1400" b="0" i="0" u="none" strike="noStrike" cap="none">
         <a:solidFill>
           <a:srgbClr val="000000"/>
         </a:solidFill>
@@ -93,7 +93,7 @@
         <a:sym typeface="Arial"/>
       </a:defRPr>
     </a:lvl2pPr>
-    <a:lvl3pPr lvl="2" marR="0" rtl="0" algn="l">
+    <a:lvl3pPr marR="0" lvl="2" algn="l" rtl="0">
       <a:lnSpc>
         <a:spcPct val="100000"/>
       </a:lnSpc>
@@ -107,7 +107,7 @@
         <a:srgbClr val="000000"/>
       </a:buClr>
       <a:buFont typeface="Arial"/>
-      <a:defRPr b="0" i="0" sz="1400" u="none" cap="none" strike="noStrike">
+      <a:defRPr sz="1400" b="0" i="0" u="none" strike="noStrike" cap="none">
         <a:solidFill>
           <a:srgbClr val="000000"/>
         </a:solidFill>
@@ -117,7 +117,7 @@
         <a:sym typeface="Arial"/>
       </a:defRPr>
     </a:lvl3pPr>
-    <a:lvl4pPr lvl="3" marR="0" rtl="0" algn="l">
+    <a:lvl4pPr marR="0" lvl="3" algn="l" rtl="0">
       <a:lnSpc>
         <a:spcPct val="100000"/>
       </a:lnSpc>
@@ -131,7 +131,7 @@
         <a:srgbClr val="000000"/>
       </a:buClr>
       <a:buFont typeface="Arial"/>
-      <a:defRPr b="0" i="0" sz="1400" u="none" cap="none" strike="noStrike">
+      <a:defRPr sz="1400" b="0" i="0" u="none" strike="noStrike" cap="none">
         <a:solidFill>
           <a:srgbClr val="000000"/>
         </a:solidFill>
@@ -141,7 +141,7 @@
         <a:sym typeface="Arial"/>
       </a:defRPr>
     </a:lvl4pPr>
-    <a:lvl5pPr lvl="4" marR="0" rtl="0" algn="l">
+    <a:lvl5pPr marR="0" lvl="4" algn="l" rtl="0">
       <a:lnSpc>
         <a:spcPct val="100000"/>
       </a:lnSpc>
@@ -155,7 +155,7 @@
         <a:srgbClr val="000000"/>
       </a:buClr>
       <a:buFont typeface="Arial"/>
-      <a:defRPr b="0" i="0" sz="1400" u="none" cap="none" strike="noStrike">
+      <a:defRPr sz="1400" b="0" i="0" u="none" strike="noStrike" cap="none">
         <a:solidFill>
           <a:srgbClr val="000000"/>
         </a:solidFill>
@@ -165,7 +165,7 @@
         <a:sym typeface="Arial"/>
       </a:defRPr>
     </a:lvl5pPr>
-    <a:lvl6pPr lvl="5" marR="0" rtl="0" algn="l">
+    <a:lvl6pPr marR="0" lvl="5" algn="l" rtl="0">
       <a:lnSpc>
         <a:spcPct val="100000"/>
       </a:lnSpc>
@@ -179,7 +179,7 @@
         <a:srgbClr val="000000"/>
       </a:buClr>
       <a:buFont typeface="Arial"/>
-      <a:defRPr b="0" i="0" sz="1400" u="none" cap="none" strike="noStrike">
+      <a:defRPr sz="1400" b="0" i="0" u="none" strike="noStrike" cap="none">
         <a:solidFill>
           <a:srgbClr val="000000"/>
         </a:solidFill>
@@ -189,7 +189,7 @@
         <a:sym typeface="Arial"/>
       </a:defRPr>
     </a:lvl6pPr>
-    <a:lvl7pPr lvl="6" marR="0" rtl="0" algn="l">
+    <a:lvl7pPr marR="0" lvl="6" algn="l" rtl="0">
       <a:lnSpc>
         <a:spcPct val="100000"/>
       </a:lnSpc>
@@ -203,7 +203,7 @@
         <a:srgbClr val="000000"/>
       </a:buClr>
       <a:buFont typeface="Arial"/>
-      <a:defRPr b="0" i="0" sz="1400" u="none" cap="none" strike="noStrike">
+      <a:defRPr sz="1400" b="0" i="0" u="none" strike="noStrike" cap="none">
         <a:solidFill>
           <a:srgbClr val="000000"/>
         </a:solidFill>
@@ -213,7 +213,7 @@
         <a:sym typeface="Arial"/>
       </a:defRPr>
     </a:lvl7pPr>
-    <a:lvl8pPr lvl="7" marR="0" rtl="0" algn="l">
+    <a:lvl8pPr marR="0" lvl="7" algn="l" rtl="0">
       <a:lnSpc>
         <a:spcPct val="100000"/>
       </a:lnSpc>
@@ -227,7 +227,7 @@
         <a:srgbClr val="000000"/>
       </a:buClr>
       <a:buFont typeface="Arial"/>
-      <a:defRPr b="0" i="0" sz="1400" u="none" cap="none" strike="noStrike">
+      <a:defRPr sz="1400" b="0" i="0" u="none" strike="noStrike" cap="none">
         <a:solidFill>
           <a:srgbClr val="000000"/>
         </a:solidFill>
@@ -237,7 +237,7 @@
         <a:sym typeface="Arial"/>
       </a:defRPr>
     </a:lvl8pPr>
-    <a:lvl9pPr lvl="8" marR="0" rtl="0" algn="l">
+    <a:lvl9pPr marR="0" lvl="8" algn="l" rtl="0">
       <a:lnSpc>
         <a:spcPct val="100000"/>
       </a:lnSpc>
@@ -251,7 +251,7 @@
         <a:srgbClr val="000000"/>
       </a:buClr>
       <a:buFont typeface="Arial"/>
-      <a:defRPr b="0" i="0" sz="1400" u="none" cap="none" strike="noStrike">
+      <a:defRPr sz="1400" b="0" i="0" u="none" strike="noStrike" cap="none">
         <a:solidFill>
           <a:srgbClr val="000000"/>
         </a:solidFill>
@@ -264,7 +264,7 @@
   </p:defaultTextStyle>
   <p:extLst>
     <p:ext uri="{EFAFB233-063F-42B5-8137-9DF3F51BA10A}">
-      <p15:sldGuideLst>
+      <p15:sldGuideLst xmlns:p15="http://schemas.microsoft.com/office/powerpoint/2012/main">
         <p15:guide id="1" orient="horz" pos="1620">
           <p15:clr>
             <a:srgbClr val="A4A3A4"/>
@@ -282,11 +282,16 @@
 </file>
 
 <file path=ppt/notesMasters/notesMaster1.xml><?xml version="1.0" encoding="utf-8"?>
-<p:notesMaster xmlns:a="http://schemas.openxmlformats.org/drawingml/2006/main" xmlns:r="http://schemas.openxmlformats.org/officeDocument/2006/relationships" xmlns:mc="http://schemas.openxmlformats.org/markup-compatibility/2006" xmlns:mv="urn:schemas-microsoft-com:mac:vml" xmlns:p="http://schemas.openxmlformats.org/presentationml/2006/main" xmlns:c="http://schemas.openxmlformats.org/drawingml/2006/chart" xmlns:dgm="http://schemas.openxmlformats.org/drawingml/2006/diagram" xmlns:o="urn:schemas-microsoft-com:office:office" xmlns:v="urn:schemas-microsoft-com:vml" xmlns:pvml="urn:schemas-microsoft-com:office:powerpoint" xmlns:com="http://schemas.openxmlformats.org/drawingml/2006/compatibility" xmlns:p14="http://schemas.microsoft.com/office/powerpoint/2010/main" xmlns:p15="http://schemas.microsoft.com/office/powerpoint/2012/main">
+<p:notesMaster xmlns:a="http://schemas.openxmlformats.org/drawingml/2006/main" xmlns:r="http://schemas.openxmlformats.org/officeDocument/2006/relationships" xmlns:p="http://schemas.openxmlformats.org/presentationml/2006/main">
   <p:cSld>
+    <p:bg>
+      <p:bgRef idx="1001">
+        <a:schemeClr val="bg1"/>
+      </p:bgRef>
+    </p:bg>
     <p:spTree>
       <p:nvGrpSpPr>
-        <p:cNvPr id="2" name="Shape 2"/>
+        <p:cNvPr id="1" name="Shape 2"/>
         <p:cNvGrpSpPr/>
         <p:nvPr/>
       </p:nvGrpSpPr>
@@ -301,9 +306,11 @@
       <p:sp>
         <p:nvSpPr>
           <p:cNvPr id="3" name="Google Shape;3;n"/>
-          <p:cNvSpPr/>
+          <p:cNvSpPr>
+            <a:spLocks noGrp="1" noRot="1" noChangeAspect="1"/>
+          </p:cNvSpPr>
           <p:nvPr>
-            <p:ph idx="2" type="sldImg"/>
+            <p:ph type="sldImg" idx="2"/>
           </p:nvPr>
         </p:nvSpPr>
         <p:spPr>
@@ -312,9 +319,13 @@
             <a:ext cx="6096075" cy="3429000"/>
           </a:xfrm>
           <a:custGeom>
-            <a:rect b="b" l="l" r="r" t="t"/>
+            <a:avLst/>
+            <a:gdLst/>
+            <a:ahLst/>
+            <a:cxnLst/>
+            <a:rect l="l" t="t" r="r" b="b"/>
             <a:pathLst>
-              <a:path extrusionOk="0" h="120000" w="120000">
+              <a:path w="120000" h="120000" extrusionOk="0">
                 <a:moveTo>
                   <a:pt x="0" y="0"/>
                 </a:moveTo>
@@ -332,23 +343,25 @@
             </a:pathLst>
           </a:custGeom>
           <a:noFill/>
-          <a:ln cap="flat" cmpd="sng" w="9525">
+          <a:ln w="9525" cap="flat" cmpd="sng">
             <a:solidFill>
               <a:srgbClr val="000000"/>
             </a:solidFill>
             <a:prstDash val="solid"/>
             <a:round/>
-            <a:headEnd len="sm" w="sm" type="none"/>
-            <a:tailEnd len="sm" w="sm" type="none"/>
+            <a:headEnd type="none" w="sm" len="sm"/>
+            <a:tailEnd type="none" w="sm" len="sm"/>
           </a:ln>
         </p:spPr>
       </p:sp>
       <p:sp>
         <p:nvSpPr>
           <p:cNvPr id="4" name="Google Shape;4;n"/>
-          <p:cNvSpPr txBox="1"/>
+          <p:cNvSpPr txBox="1">
+            <a:spLocks noGrp="1"/>
+          </p:cNvSpPr>
           <p:nvPr>
-            <p:ph idx="1" type="body"/>
+            <p:ph type="body" idx="1"/>
           </p:nvPr>
         </p:nvSpPr>
         <p:spPr>
@@ -365,9 +378,9 @@
           </a:ln>
         </p:spPr>
         <p:txBody>
-          <a:bodyPr anchorCtr="0" anchor="t" bIns="91425" lIns="91425" spcFirstLastPara="1" rIns="91425" wrap="square" tIns="91425"/>
+          <a:bodyPr spcFirstLastPara="1" wrap="square" lIns="91425" tIns="91425" rIns="91425" bIns="91425" anchor="t" anchorCtr="0"/>
           <a:lstStyle>
-            <a:lvl1pPr indent="-298450" lvl="0" marL="457200">
+            <a:lvl1pPr marL="457200" lvl="0" indent="-298450">
               <a:spcBef>
                 <a:spcPts val="0"/>
               </a:spcBef>
@@ -378,7 +391,7 @@
               <a:buChar char="●"/>
               <a:defRPr sz="1100"/>
             </a:lvl1pPr>
-            <a:lvl2pPr indent="-298450" lvl="1" marL="914400">
+            <a:lvl2pPr marL="914400" lvl="1" indent="-298450">
               <a:spcBef>
                 <a:spcPts val="0"/>
               </a:spcBef>
@@ -389,7 +402,7 @@
               <a:buChar char="○"/>
               <a:defRPr sz="1100"/>
             </a:lvl2pPr>
-            <a:lvl3pPr indent="-298450" lvl="2" marL="1371600">
+            <a:lvl3pPr marL="1371600" lvl="2" indent="-298450">
               <a:spcBef>
                 <a:spcPts val="0"/>
               </a:spcBef>
@@ -400,7 +413,7 @@
               <a:buChar char="■"/>
               <a:defRPr sz="1100"/>
             </a:lvl3pPr>
-            <a:lvl4pPr indent="-298450" lvl="3" marL="1828800">
+            <a:lvl4pPr marL="1828800" lvl="3" indent="-298450">
               <a:spcBef>
                 <a:spcPts val="0"/>
               </a:spcBef>
@@ -411,7 +424,7 @@
               <a:buChar char="●"/>
               <a:defRPr sz="1100"/>
             </a:lvl4pPr>
-            <a:lvl5pPr indent="-298450" lvl="4" marL="2286000">
+            <a:lvl5pPr marL="2286000" lvl="4" indent="-298450">
               <a:spcBef>
                 <a:spcPts val="0"/>
               </a:spcBef>
@@ -422,7 +435,7 @@
               <a:buChar char="○"/>
               <a:defRPr sz="1100"/>
             </a:lvl5pPr>
-            <a:lvl6pPr indent="-298450" lvl="5" marL="2743200">
+            <a:lvl6pPr marL="2743200" lvl="5" indent="-298450">
               <a:spcBef>
                 <a:spcPts val="0"/>
               </a:spcBef>
@@ -433,7 +446,7 @@
               <a:buChar char="■"/>
               <a:defRPr sz="1100"/>
             </a:lvl6pPr>
-            <a:lvl7pPr indent="-298450" lvl="6" marL="3200400">
+            <a:lvl7pPr marL="3200400" lvl="6" indent="-298450">
               <a:spcBef>
                 <a:spcPts val="0"/>
               </a:spcBef>
@@ -444,7 +457,7 @@
               <a:buChar char="●"/>
               <a:defRPr sz="1100"/>
             </a:lvl7pPr>
-            <a:lvl8pPr indent="-298450" lvl="7" marL="3657600">
+            <a:lvl8pPr marL="3657600" lvl="7" indent="-298450">
               <a:spcBef>
                 <a:spcPts val="0"/>
               </a:spcBef>
@@ -455,7 +468,7 @@
               <a:buChar char="○"/>
               <a:defRPr sz="1100"/>
             </a:lvl8pPr>
-            <a:lvl9pPr indent="-298450" lvl="8" marL="4114800">
+            <a:lvl9pPr marL="4114800" lvl="8" indent="-298450">
               <a:spcBef>
                 <a:spcPts val="0"/>
               </a:spcBef>
@@ -467,14 +480,16 @@
               <a:defRPr sz="1100"/>
             </a:lvl9pPr>
           </a:lstStyle>
-          <a:p/>
+          <a:p>
+            <a:endParaRPr/>
+          </a:p>
         </p:txBody>
       </p:sp>
     </p:spTree>
   </p:cSld>
-  <p:clrMap accent1="accent1" accent2="accent2" accent3="accent3" accent4="accent4" accent5="accent5" accent6="accent6" bg1="lt1" bg2="dk2" tx1="dk1" tx2="lt2" folHlink="folHlink" hlink="hlink"/>
+  <p:clrMap bg1="lt1" tx1="dk1" bg2="dk2" tx2="lt2" accent1="accent1" accent2="accent2" accent3="accent3" accent4="accent4" accent5="accent5" accent6="accent6" hlink="hlink" folHlink="folHlink"/>
   <p:notesStyle>
-    <a:defPPr lvl="0" marR="0" rtl="0" algn="l">
+    <a:defPPr marR="0" lvl="0" algn="l" rtl="0">
       <a:lnSpc>
         <a:spcPct val="100000"/>
       </a:lnSpc>
@@ -485,7 +500,7 @@
         <a:spcPts val="0"/>
       </a:spcAft>
     </a:defPPr>
-    <a:lvl1pPr lvl="0" marR="0" rtl="0" algn="l">
+    <a:lvl1pPr marR="0" lvl="0" algn="l" rtl="0">
       <a:lnSpc>
         <a:spcPct val="100000"/>
       </a:lnSpc>
@@ -499,7 +514,7 @@
         <a:srgbClr val="000000"/>
       </a:buClr>
       <a:buFont typeface="Arial"/>
-      <a:defRPr b="0" i="0" sz="1400" u="none" cap="none" strike="noStrike">
+      <a:defRPr sz="1400" b="0" i="0" u="none" strike="noStrike" cap="none">
         <a:solidFill>
           <a:srgbClr val="000000"/>
         </a:solidFill>
@@ -509,7 +524,7 @@
         <a:sym typeface="Arial"/>
       </a:defRPr>
     </a:lvl1pPr>
-    <a:lvl2pPr lvl="1" marR="0" rtl="0" algn="l">
+    <a:lvl2pPr marR="0" lvl="1" algn="l" rtl="0">
       <a:lnSpc>
         <a:spcPct val="100000"/>
       </a:lnSpc>
@@ -523,7 +538,7 @@
         <a:srgbClr val="000000"/>
       </a:buClr>
       <a:buFont typeface="Arial"/>
-      <a:defRPr b="0" i="0" sz="1400" u="none" cap="none" strike="noStrike">
+      <a:defRPr sz="1400" b="0" i="0" u="none" strike="noStrike" cap="none">
         <a:solidFill>
           <a:srgbClr val="000000"/>
         </a:solidFill>
@@ -533,7 +548,7 @@
         <a:sym typeface="Arial"/>
       </a:defRPr>
     </a:lvl2pPr>
-    <a:lvl3pPr lvl="2" marR="0" rtl="0" algn="l">
+    <a:lvl3pPr marR="0" lvl="2" algn="l" rtl="0">
       <a:lnSpc>
         <a:spcPct val="100000"/>
       </a:lnSpc>
@@ -547,7 +562,7 @@
         <a:srgbClr val="000000"/>
       </a:buClr>
       <a:buFont typeface="Arial"/>
-      <a:defRPr b="0" i="0" sz="1400" u="none" cap="none" strike="noStrike">
+      <a:defRPr sz="1400" b="0" i="0" u="none" strike="noStrike" cap="none">
         <a:solidFill>
           <a:srgbClr val="000000"/>
         </a:solidFill>
@@ -557,7 +572,7 @@
         <a:sym typeface="Arial"/>
       </a:defRPr>
     </a:lvl3pPr>
-    <a:lvl4pPr lvl="3" marR="0" rtl="0" algn="l">
+    <a:lvl4pPr marR="0" lvl="3" algn="l" rtl="0">
       <a:lnSpc>
         <a:spcPct val="100000"/>
       </a:lnSpc>
@@ -571,7 +586,7 @@
         <a:srgbClr val="000000"/>
       </a:buClr>
       <a:buFont typeface="Arial"/>
-      <a:defRPr b="0" i="0" sz="1400" u="none" cap="none" strike="noStrike">
+      <a:defRPr sz="1400" b="0" i="0" u="none" strike="noStrike" cap="none">
         <a:solidFill>
           <a:srgbClr val="000000"/>
         </a:solidFill>
@@ -581,7 +596,7 @@
         <a:sym typeface="Arial"/>
       </a:defRPr>
     </a:lvl4pPr>
-    <a:lvl5pPr lvl="4" marR="0" rtl="0" algn="l">
+    <a:lvl5pPr marR="0" lvl="4" algn="l" rtl="0">
       <a:lnSpc>
         <a:spcPct val="100000"/>
       </a:lnSpc>
@@ -595,7 +610,7 @@
         <a:srgbClr val="000000"/>
       </a:buClr>
       <a:buFont typeface="Arial"/>
-      <a:defRPr b="0" i="0" sz="1400" u="none" cap="none" strike="noStrike">
+      <a:defRPr sz="1400" b="0" i="0" u="none" strike="noStrike" cap="none">
         <a:solidFill>
           <a:srgbClr val="000000"/>
         </a:solidFill>
@@ -605,7 +620,7 @@
         <a:sym typeface="Arial"/>
       </a:defRPr>
     </a:lvl5pPr>
-    <a:lvl6pPr lvl="5" marR="0" rtl="0" algn="l">
+    <a:lvl6pPr marR="0" lvl="5" algn="l" rtl="0">
       <a:lnSpc>
         <a:spcPct val="100000"/>
       </a:lnSpc>
@@ -619,7 +634,7 @@
         <a:srgbClr val="000000"/>
       </a:buClr>
       <a:buFont typeface="Arial"/>
-      <a:defRPr b="0" i="0" sz="1400" u="none" cap="none" strike="noStrike">
+      <a:defRPr sz="1400" b="0" i="0" u="none" strike="noStrike" cap="none">
         <a:solidFill>
           <a:srgbClr val="000000"/>
         </a:solidFill>
@@ -629,7 +644,7 @@
         <a:sym typeface="Arial"/>
       </a:defRPr>
     </a:lvl6pPr>
-    <a:lvl7pPr lvl="6" marR="0" rtl="0" algn="l">
+    <a:lvl7pPr marR="0" lvl="6" algn="l" rtl="0">
       <a:lnSpc>
         <a:spcPct val="100000"/>
       </a:lnSpc>
@@ -643,7 +658,7 @@
         <a:srgbClr val="000000"/>
       </a:buClr>
       <a:buFont typeface="Arial"/>
-      <a:defRPr b="0" i="0" sz="1400" u="none" cap="none" strike="noStrike">
+      <a:defRPr sz="1400" b="0" i="0" u="none" strike="noStrike" cap="none">
         <a:solidFill>
           <a:srgbClr val="000000"/>
         </a:solidFill>
@@ -653,7 +668,7 @@
         <a:sym typeface="Arial"/>
       </a:defRPr>
     </a:lvl7pPr>
-    <a:lvl8pPr lvl="7" marR="0" rtl="0" algn="l">
+    <a:lvl8pPr marR="0" lvl="7" algn="l" rtl="0">
       <a:lnSpc>
         <a:spcPct val="100000"/>
       </a:lnSpc>
@@ -667,7 +682,7 @@
         <a:srgbClr val="000000"/>
       </a:buClr>
       <a:buFont typeface="Arial"/>
-      <a:defRPr b="0" i="0" sz="1400" u="none" cap="none" strike="noStrike">
+      <a:defRPr sz="1400" b="0" i="0" u="none" strike="noStrike" cap="none">
         <a:solidFill>
           <a:srgbClr val="000000"/>
         </a:solidFill>
@@ -677,7 +692,7 @@
         <a:sym typeface="Arial"/>
       </a:defRPr>
     </a:lvl8pPr>
-    <a:lvl9pPr lvl="8" marR="0" rtl="0" algn="l">
+    <a:lvl9pPr marR="0" lvl="8" algn="l" rtl="0">
       <a:lnSpc>
         <a:spcPct val="100000"/>
       </a:lnSpc>
@@ -691,7 +706,7 @@
         <a:srgbClr val="000000"/>
       </a:buClr>
       <a:buFont typeface="Arial"/>
-      <a:defRPr b="0" i="0" sz="1400" u="none" cap="none" strike="noStrike">
+      <a:defRPr sz="1400" b="0" i="0" u="none" strike="noStrike" cap="none">
         <a:solidFill>
           <a:srgbClr val="000000"/>
         </a:solidFill>
@@ -706,11 +721,11 @@
 </file>
 
 <file path=ppt/notesSlides/notesSlide1.xml><?xml version="1.0" encoding="utf-8"?>
-<p:notes xmlns:a="http://schemas.openxmlformats.org/drawingml/2006/main" xmlns:r="http://schemas.openxmlformats.org/officeDocument/2006/relationships" xmlns:mc="http://schemas.openxmlformats.org/markup-compatibility/2006" xmlns:mv="urn:schemas-microsoft-com:mac:vml" xmlns:p="http://schemas.openxmlformats.org/presentationml/2006/main" xmlns:c="http://schemas.openxmlformats.org/drawingml/2006/chart" xmlns:dgm="http://schemas.openxmlformats.org/drawingml/2006/diagram" xmlns:o="urn:schemas-microsoft-com:office:office" xmlns:v="urn:schemas-microsoft-com:vml" xmlns:pvml="urn:schemas-microsoft-com:office:powerpoint" xmlns:com="http://schemas.openxmlformats.org/drawingml/2006/compatibility" xmlns:p14="http://schemas.microsoft.com/office/powerpoint/2010/main" xmlns:p15="http://schemas.microsoft.com/office/powerpoint/2012/main" showMasterPhAnim="0" showMasterSp="0">
+<p:notes xmlns:a="http://schemas.openxmlformats.org/drawingml/2006/main" xmlns:r="http://schemas.openxmlformats.org/officeDocument/2006/relationships" xmlns:p="http://schemas.openxmlformats.org/presentationml/2006/main" showMasterSp="0" showMasterPhAnim="0">
   <p:cSld>
     <p:spTree>
       <p:nvGrpSpPr>
-        <p:cNvPr id="81" name="Shape 81"/>
+        <p:cNvPr id="1" name="Shape 81"/>
         <p:cNvGrpSpPr/>
         <p:nvPr/>
       </p:nvGrpSpPr>
@@ -725,9 +740,11 @@
       <p:sp>
         <p:nvSpPr>
           <p:cNvPr id="82" name="Google Shape;82;p:notes"/>
-          <p:cNvSpPr/>
+          <p:cNvSpPr>
+            <a:spLocks noGrp="1" noRot="1" noChangeAspect="1"/>
+          </p:cNvSpPr>
           <p:nvPr>
-            <p:ph idx="2" type="sldImg"/>
+            <p:ph type="sldImg" idx="2"/>
           </p:nvPr>
         </p:nvSpPr>
         <p:spPr>
@@ -736,9 +753,13 @@
             <a:ext cx="6096075" cy="3429000"/>
           </a:xfrm>
           <a:custGeom>
-            <a:rect b="b" l="l" r="r" t="t"/>
+            <a:avLst/>
+            <a:gdLst/>
+            <a:ahLst/>
+            <a:cxnLst/>
+            <a:rect l="l" t="t" r="r" b="b"/>
             <a:pathLst>
-              <a:path extrusionOk="0" h="120000" w="120000">
+              <a:path w="120000" h="120000" extrusionOk="0">
                 <a:moveTo>
                   <a:pt x="0" y="0"/>
                 </a:moveTo>
@@ -760,9 +781,11 @@
       <p:sp>
         <p:nvSpPr>
           <p:cNvPr id="83" name="Google Shape;83;p:notes"/>
-          <p:cNvSpPr txBox="1"/>
+          <p:cNvSpPr txBox="1">
+            <a:spLocks noGrp="1"/>
+          </p:cNvSpPr>
           <p:nvPr>
-            <p:ph idx="1" type="body"/>
+            <p:ph type="body" idx="1"/>
           </p:nvPr>
         </p:nvSpPr>
         <p:spPr>
@@ -775,12 +798,12 @@
           </a:prstGeom>
         </p:spPr>
         <p:txBody>
-          <a:bodyPr anchorCtr="0" anchor="t" bIns="91425" lIns="91425" spcFirstLastPara="1" rIns="91425" wrap="square" tIns="91425">
+          <a:bodyPr spcFirstLastPara="1" wrap="square" lIns="91425" tIns="91425" rIns="91425" bIns="91425" anchor="t" anchorCtr="0">
             <a:noAutofit/>
           </a:bodyPr>
           <a:lstStyle/>
           <a:p>
-            <a:pPr indent="0" lvl="0" marL="0" rtl="0" algn="l">
+            <a:pPr marL="0" lvl="0" indent="0" algn="l" rtl="0">
               <a:spcBef>
                 <a:spcPts val="0"/>
               </a:spcBef>
@@ -789,9 +812,6 @@
               </a:spcAft>
               <a:buNone/>
             </a:pPr>
-            <a:r>
-              <a:t/>
-            </a:r>
             <a:endParaRPr/>
           </a:p>
         </p:txBody>
@@ -805,11 +825,11 @@
 </file>
 
 <file path=ppt/notesSlides/notesSlide10.xml><?xml version="1.0" encoding="utf-8"?>
-<p:notes xmlns:a="http://schemas.openxmlformats.org/drawingml/2006/main" xmlns:r="http://schemas.openxmlformats.org/officeDocument/2006/relationships" xmlns:mc="http://schemas.openxmlformats.org/markup-compatibility/2006" xmlns:mv="urn:schemas-microsoft-com:mac:vml" xmlns:p="http://schemas.openxmlformats.org/presentationml/2006/main" xmlns:c="http://schemas.openxmlformats.org/drawingml/2006/chart" xmlns:dgm="http://schemas.openxmlformats.org/drawingml/2006/diagram" xmlns:o="urn:schemas-microsoft-com:office:office" xmlns:v="urn:schemas-microsoft-com:vml" xmlns:pvml="urn:schemas-microsoft-com:office:powerpoint" xmlns:com="http://schemas.openxmlformats.org/drawingml/2006/compatibility" xmlns:p14="http://schemas.microsoft.com/office/powerpoint/2010/main" xmlns:p15="http://schemas.microsoft.com/office/powerpoint/2012/main" showMasterPhAnim="0" showMasterSp="0">
+<p:notes xmlns:a="http://schemas.openxmlformats.org/drawingml/2006/main" xmlns:r="http://schemas.openxmlformats.org/officeDocument/2006/relationships" xmlns:p="http://schemas.openxmlformats.org/presentationml/2006/main" showMasterSp="0" showMasterPhAnim="0">
   <p:cSld>
     <p:spTree>
       <p:nvGrpSpPr>
-        <p:cNvPr id="138" name="Shape 138"/>
+        <p:cNvPr id="1" name="Shape 138"/>
         <p:cNvGrpSpPr/>
         <p:nvPr/>
       </p:nvGrpSpPr>
@@ -824,9 +844,11 @@
       <p:sp>
         <p:nvSpPr>
           <p:cNvPr id="139" name="Google Shape;139;g4ca7419858_0_19:notes"/>
-          <p:cNvSpPr/>
+          <p:cNvSpPr>
+            <a:spLocks noGrp="1" noRot="1" noChangeAspect="1"/>
+          </p:cNvSpPr>
           <p:nvPr>
-            <p:ph idx="2" type="sldImg"/>
+            <p:ph type="sldImg" idx="2"/>
           </p:nvPr>
         </p:nvSpPr>
         <p:spPr>
@@ -835,9 +857,13 @@
             <a:ext cx="6096000" cy="3429000"/>
           </a:xfrm>
           <a:custGeom>
-            <a:rect b="b" l="l" r="r" t="t"/>
+            <a:avLst/>
+            <a:gdLst/>
+            <a:ahLst/>
+            <a:cxnLst/>
+            <a:rect l="l" t="t" r="r" b="b"/>
             <a:pathLst>
-              <a:path extrusionOk="0" h="120000" w="120000">
+              <a:path w="120000" h="120000" extrusionOk="0">
                 <a:moveTo>
                   <a:pt x="0" y="0"/>
                 </a:moveTo>
@@ -859,9 +885,11 @@
       <p:sp>
         <p:nvSpPr>
           <p:cNvPr id="140" name="Google Shape;140;g4ca7419858_0_19:notes"/>
-          <p:cNvSpPr txBox="1"/>
+          <p:cNvSpPr txBox="1">
+            <a:spLocks noGrp="1"/>
+          </p:cNvSpPr>
           <p:nvPr>
-            <p:ph idx="1" type="body"/>
+            <p:ph type="body" idx="1"/>
           </p:nvPr>
         </p:nvSpPr>
         <p:spPr>
@@ -874,12 +902,12 @@
           </a:prstGeom>
         </p:spPr>
         <p:txBody>
-          <a:bodyPr anchorCtr="0" anchor="t" bIns="91425" lIns="91425" spcFirstLastPara="1" rIns="91425" wrap="square" tIns="91425">
+          <a:bodyPr spcFirstLastPara="1" wrap="square" lIns="91425" tIns="91425" rIns="91425" bIns="91425" anchor="t" anchorCtr="0">
             <a:noAutofit/>
           </a:bodyPr>
           <a:lstStyle/>
           <a:p>
-            <a:pPr indent="0" lvl="0" marL="0" rtl="0" algn="l">
+            <a:pPr marL="0" lvl="0" indent="0" algn="l" rtl="0">
               <a:spcBef>
                 <a:spcPts val="0"/>
               </a:spcBef>
@@ -888,9 +916,6 @@
               </a:spcAft>
               <a:buNone/>
             </a:pPr>
-            <a:r>
-              <a:t/>
-            </a:r>
             <a:endParaRPr/>
           </a:p>
         </p:txBody>
@@ -904,11 +929,11 @@
 </file>
 
 <file path=ppt/notesSlides/notesSlide11.xml><?xml version="1.0" encoding="utf-8"?>
-<p:notes xmlns:a="http://schemas.openxmlformats.org/drawingml/2006/main" xmlns:r="http://schemas.openxmlformats.org/officeDocument/2006/relationships" xmlns:mc="http://schemas.openxmlformats.org/markup-compatibility/2006" xmlns:mv="urn:schemas-microsoft-com:mac:vml" xmlns:p="http://schemas.openxmlformats.org/presentationml/2006/main" xmlns:c="http://schemas.openxmlformats.org/drawingml/2006/chart" xmlns:dgm="http://schemas.openxmlformats.org/drawingml/2006/diagram" xmlns:o="urn:schemas-microsoft-com:office:office" xmlns:v="urn:schemas-microsoft-com:vml" xmlns:pvml="urn:schemas-microsoft-com:office:powerpoint" xmlns:com="http://schemas.openxmlformats.org/drawingml/2006/compatibility" xmlns:p14="http://schemas.microsoft.com/office/powerpoint/2010/main" xmlns:p15="http://schemas.microsoft.com/office/powerpoint/2012/main" showMasterPhAnim="0" showMasterSp="0">
+<p:notes xmlns:a="http://schemas.openxmlformats.org/drawingml/2006/main" xmlns:r="http://schemas.openxmlformats.org/officeDocument/2006/relationships" xmlns:p="http://schemas.openxmlformats.org/presentationml/2006/main" showMasterSp="0" showMasterPhAnim="0">
   <p:cSld>
     <p:spTree>
       <p:nvGrpSpPr>
-        <p:cNvPr id="145" name="Shape 145"/>
+        <p:cNvPr id="1" name="Shape 145"/>
         <p:cNvGrpSpPr/>
         <p:nvPr/>
       </p:nvGrpSpPr>
@@ -923,9 +948,11 @@
       <p:sp>
         <p:nvSpPr>
           <p:cNvPr id="146" name="Google Shape;146;g4ca7419858_0_25:notes"/>
-          <p:cNvSpPr/>
+          <p:cNvSpPr>
+            <a:spLocks noGrp="1" noRot="1" noChangeAspect="1"/>
+          </p:cNvSpPr>
           <p:nvPr>
-            <p:ph idx="2" type="sldImg"/>
+            <p:ph type="sldImg" idx="2"/>
           </p:nvPr>
         </p:nvSpPr>
         <p:spPr>
@@ -934,9 +961,13 @@
             <a:ext cx="6096000" cy="3429000"/>
           </a:xfrm>
           <a:custGeom>
-            <a:rect b="b" l="l" r="r" t="t"/>
+            <a:avLst/>
+            <a:gdLst/>
+            <a:ahLst/>
+            <a:cxnLst/>
+            <a:rect l="l" t="t" r="r" b="b"/>
             <a:pathLst>
-              <a:path extrusionOk="0" h="120000" w="120000">
+              <a:path w="120000" h="120000" extrusionOk="0">
                 <a:moveTo>
                   <a:pt x="0" y="0"/>
                 </a:moveTo>
@@ -958,9 +989,11 @@
       <p:sp>
         <p:nvSpPr>
           <p:cNvPr id="147" name="Google Shape;147;g4ca7419858_0_25:notes"/>
-          <p:cNvSpPr txBox="1"/>
+          <p:cNvSpPr txBox="1">
+            <a:spLocks noGrp="1"/>
+          </p:cNvSpPr>
           <p:nvPr>
-            <p:ph idx="1" type="body"/>
+            <p:ph type="body" idx="1"/>
           </p:nvPr>
         </p:nvSpPr>
         <p:spPr>
@@ -973,12 +1006,12 @@
           </a:prstGeom>
         </p:spPr>
         <p:txBody>
-          <a:bodyPr anchorCtr="0" anchor="t" bIns="91425" lIns="91425" spcFirstLastPara="1" rIns="91425" wrap="square" tIns="91425">
+          <a:bodyPr spcFirstLastPara="1" wrap="square" lIns="91425" tIns="91425" rIns="91425" bIns="91425" anchor="t" anchorCtr="0">
             <a:noAutofit/>
           </a:bodyPr>
           <a:lstStyle/>
           <a:p>
-            <a:pPr indent="0" lvl="0" marL="0" rtl="0" algn="l">
+            <a:pPr marL="0" lvl="0" indent="0" algn="l" rtl="0">
               <a:spcBef>
                 <a:spcPts val="0"/>
               </a:spcBef>
@@ -987,9 +1020,6 @@
               </a:spcAft>
               <a:buNone/>
             </a:pPr>
-            <a:r>
-              <a:t/>
-            </a:r>
             <a:endParaRPr/>
           </a:p>
         </p:txBody>
@@ -1003,11 +1033,11 @@
 </file>
 
 <file path=ppt/notesSlides/notesSlide12.xml><?xml version="1.0" encoding="utf-8"?>
-<p:notes xmlns:a="http://schemas.openxmlformats.org/drawingml/2006/main" xmlns:r="http://schemas.openxmlformats.org/officeDocument/2006/relationships" xmlns:mc="http://schemas.openxmlformats.org/markup-compatibility/2006" xmlns:mv="urn:schemas-microsoft-com:mac:vml" xmlns:p="http://schemas.openxmlformats.org/presentationml/2006/main" xmlns:c="http://schemas.openxmlformats.org/drawingml/2006/chart" xmlns:dgm="http://schemas.openxmlformats.org/drawingml/2006/diagram" xmlns:o="urn:schemas-microsoft-com:office:office" xmlns:v="urn:schemas-microsoft-com:vml" xmlns:pvml="urn:schemas-microsoft-com:office:powerpoint" xmlns:com="http://schemas.openxmlformats.org/drawingml/2006/compatibility" xmlns:p14="http://schemas.microsoft.com/office/powerpoint/2010/main" xmlns:p15="http://schemas.microsoft.com/office/powerpoint/2012/main" showMasterPhAnim="0" showMasterSp="0">
+<p:notes xmlns:a="http://schemas.openxmlformats.org/drawingml/2006/main" xmlns:r="http://schemas.openxmlformats.org/officeDocument/2006/relationships" xmlns:p="http://schemas.openxmlformats.org/presentationml/2006/main" showMasterSp="0" showMasterPhAnim="0">
   <p:cSld>
     <p:spTree>
       <p:nvGrpSpPr>
-        <p:cNvPr id="151" name="Shape 151"/>
+        <p:cNvPr id="1" name="Shape 151"/>
         <p:cNvGrpSpPr/>
         <p:nvPr/>
       </p:nvGrpSpPr>
@@ -1022,9 +1052,11 @@
       <p:sp>
         <p:nvSpPr>
           <p:cNvPr id="152" name="Google Shape;152;g4ca7419858_0_30:notes"/>
-          <p:cNvSpPr/>
+          <p:cNvSpPr>
+            <a:spLocks noGrp="1" noRot="1" noChangeAspect="1"/>
+          </p:cNvSpPr>
           <p:nvPr>
-            <p:ph idx="2" type="sldImg"/>
+            <p:ph type="sldImg" idx="2"/>
           </p:nvPr>
         </p:nvSpPr>
         <p:spPr>
@@ -1033,9 +1065,13 @@
             <a:ext cx="6096000" cy="3429000"/>
           </a:xfrm>
           <a:custGeom>
-            <a:rect b="b" l="l" r="r" t="t"/>
+            <a:avLst/>
+            <a:gdLst/>
+            <a:ahLst/>
+            <a:cxnLst/>
+            <a:rect l="l" t="t" r="r" b="b"/>
             <a:pathLst>
-              <a:path extrusionOk="0" h="120000" w="120000">
+              <a:path w="120000" h="120000" extrusionOk="0">
                 <a:moveTo>
                   <a:pt x="0" y="0"/>
                 </a:moveTo>
@@ -1057,9 +1093,11 @@
       <p:sp>
         <p:nvSpPr>
           <p:cNvPr id="153" name="Google Shape;153;g4ca7419858_0_30:notes"/>
-          <p:cNvSpPr txBox="1"/>
+          <p:cNvSpPr txBox="1">
+            <a:spLocks noGrp="1"/>
+          </p:cNvSpPr>
           <p:nvPr>
-            <p:ph idx="1" type="body"/>
+            <p:ph type="body" idx="1"/>
           </p:nvPr>
         </p:nvSpPr>
         <p:spPr>
@@ -1072,12 +1110,12 @@
           </a:prstGeom>
         </p:spPr>
         <p:txBody>
-          <a:bodyPr anchorCtr="0" anchor="t" bIns="91425" lIns="91425" spcFirstLastPara="1" rIns="91425" wrap="square" tIns="91425">
+          <a:bodyPr spcFirstLastPara="1" wrap="square" lIns="91425" tIns="91425" rIns="91425" bIns="91425" anchor="t" anchorCtr="0">
             <a:noAutofit/>
           </a:bodyPr>
           <a:lstStyle/>
           <a:p>
-            <a:pPr indent="0" lvl="0" marL="0" rtl="0" algn="l">
+            <a:pPr marL="0" lvl="0" indent="0" algn="l" rtl="0">
               <a:spcBef>
                 <a:spcPts val="0"/>
               </a:spcBef>
@@ -1086,9 +1124,6 @@
               </a:spcAft>
               <a:buNone/>
             </a:pPr>
-            <a:r>
-              <a:t/>
-            </a:r>
             <a:endParaRPr/>
           </a:p>
         </p:txBody>
@@ -1102,11 +1137,11 @@
 </file>
 
 <file path=ppt/notesSlides/notesSlide13.xml><?xml version="1.0" encoding="utf-8"?>
-<p:notes xmlns:a="http://schemas.openxmlformats.org/drawingml/2006/main" xmlns:r="http://schemas.openxmlformats.org/officeDocument/2006/relationships" xmlns:mc="http://schemas.openxmlformats.org/markup-compatibility/2006" xmlns:mv="urn:schemas-microsoft-com:mac:vml" xmlns:p="http://schemas.openxmlformats.org/presentationml/2006/main" xmlns:c="http://schemas.openxmlformats.org/drawingml/2006/chart" xmlns:dgm="http://schemas.openxmlformats.org/drawingml/2006/diagram" xmlns:o="urn:schemas-microsoft-com:office:office" xmlns:v="urn:schemas-microsoft-com:vml" xmlns:pvml="urn:schemas-microsoft-com:office:powerpoint" xmlns:com="http://schemas.openxmlformats.org/drawingml/2006/compatibility" xmlns:p14="http://schemas.microsoft.com/office/powerpoint/2010/main" xmlns:p15="http://schemas.microsoft.com/office/powerpoint/2012/main" showMasterPhAnim="0" showMasterSp="0">
+<p:notes xmlns:a="http://schemas.openxmlformats.org/drawingml/2006/main" xmlns:r="http://schemas.openxmlformats.org/officeDocument/2006/relationships" xmlns:p="http://schemas.openxmlformats.org/presentationml/2006/main" showMasterSp="0" showMasterPhAnim="0">
   <p:cSld>
     <p:spTree>
       <p:nvGrpSpPr>
-        <p:cNvPr id="157" name="Shape 157"/>
+        <p:cNvPr id="1" name="Shape 157"/>
         <p:cNvGrpSpPr/>
         <p:nvPr/>
       </p:nvGrpSpPr>
@@ -1121,9 +1156,11 @@
       <p:sp>
         <p:nvSpPr>
           <p:cNvPr id="158" name="Google Shape;158;g46f08cedea_2_0:notes"/>
-          <p:cNvSpPr/>
+          <p:cNvSpPr>
+            <a:spLocks noGrp="1" noRot="1" noChangeAspect="1"/>
+          </p:cNvSpPr>
           <p:nvPr>
-            <p:ph idx="2" type="sldImg"/>
+            <p:ph type="sldImg" idx="2"/>
           </p:nvPr>
         </p:nvSpPr>
         <p:spPr>
@@ -1132,9 +1169,13 @@
             <a:ext cx="6096000" cy="3429000"/>
           </a:xfrm>
           <a:custGeom>
-            <a:rect b="b" l="l" r="r" t="t"/>
+            <a:avLst/>
+            <a:gdLst/>
+            <a:ahLst/>
+            <a:cxnLst/>
+            <a:rect l="l" t="t" r="r" b="b"/>
             <a:pathLst>
-              <a:path extrusionOk="0" h="120000" w="120000">
+              <a:path w="120000" h="120000" extrusionOk="0">
                 <a:moveTo>
                   <a:pt x="0" y="0"/>
                 </a:moveTo>
@@ -1156,9 +1197,11 @@
       <p:sp>
         <p:nvSpPr>
           <p:cNvPr id="159" name="Google Shape;159;g46f08cedea_2_0:notes"/>
-          <p:cNvSpPr txBox="1"/>
+          <p:cNvSpPr txBox="1">
+            <a:spLocks noGrp="1"/>
+          </p:cNvSpPr>
           <p:nvPr>
-            <p:ph idx="1" type="body"/>
+            <p:ph type="body" idx="1"/>
           </p:nvPr>
         </p:nvSpPr>
         <p:spPr>
@@ -1171,12 +1214,12 @@
           </a:prstGeom>
         </p:spPr>
         <p:txBody>
-          <a:bodyPr anchorCtr="0" anchor="t" bIns="91425" lIns="91425" spcFirstLastPara="1" rIns="91425" wrap="square" tIns="91425">
+          <a:bodyPr spcFirstLastPara="1" wrap="square" lIns="91425" tIns="91425" rIns="91425" bIns="91425" anchor="t" anchorCtr="0">
             <a:noAutofit/>
           </a:bodyPr>
           <a:lstStyle/>
           <a:p>
-            <a:pPr indent="0" lvl="0" marL="0" rtl="0" algn="l">
+            <a:pPr marL="0" lvl="0" indent="0" algn="l" rtl="0">
               <a:spcBef>
                 <a:spcPts val="0"/>
               </a:spcBef>
@@ -1185,9 +1228,6 @@
               </a:spcAft>
               <a:buNone/>
             </a:pPr>
-            <a:r>
-              <a:t/>
-            </a:r>
             <a:endParaRPr/>
           </a:p>
         </p:txBody>
@@ -1201,11 +1241,11 @@
 </file>
 
 <file path=ppt/notesSlides/notesSlide2.xml><?xml version="1.0" encoding="utf-8"?>
-<p:notes xmlns:a="http://schemas.openxmlformats.org/drawingml/2006/main" xmlns:r="http://schemas.openxmlformats.org/officeDocument/2006/relationships" xmlns:mc="http://schemas.openxmlformats.org/markup-compatibility/2006" xmlns:mv="urn:schemas-microsoft-com:mac:vml" xmlns:p="http://schemas.openxmlformats.org/presentationml/2006/main" xmlns:c="http://schemas.openxmlformats.org/drawingml/2006/chart" xmlns:dgm="http://schemas.openxmlformats.org/drawingml/2006/diagram" xmlns:o="urn:schemas-microsoft-com:office:office" xmlns:v="urn:schemas-microsoft-com:vml" xmlns:pvml="urn:schemas-microsoft-com:office:powerpoint" xmlns:com="http://schemas.openxmlformats.org/drawingml/2006/compatibility" xmlns:p14="http://schemas.microsoft.com/office/powerpoint/2010/main" xmlns:p15="http://schemas.microsoft.com/office/powerpoint/2012/main" showMasterPhAnim="0" showMasterSp="0">
+<p:notes xmlns:a="http://schemas.openxmlformats.org/drawingml/2006/main" xmlns:r="http://schemas.openxmlformats.org/officeDocument/2006/relationships" xmlns:p="http://schemas.openxmlformats.org/presentationml/2006/main" showMasterSp="0" showMasterPhAnim="0">
   <p:cSld>
     <p:spTree>
       <p:nvGrpSpPr>
-        <p:cNvPr id="88" name="Shape 88"/>
+        <p:cNvPr id="1" name="Shape 88"/>
         <p:cNvGrpSpPr/>
         <p:nvPr/>
       </p:nvGrpSpPr>
@@ -1220,9 +1260,11 @@
       <p:sp>
         <p:nvSpPr>
           <p:cNvPr id="89" name="Google Shape;89;g47e64a679c_0_77:notes"/>
-          <p:cNvSpPr/>
+          <p:cNvSpPr>
+            <a:spLocks noGrp="1" noRot="1" noChangeAspect="1"/>
+          </p:cNvSpPr>
           <p:nvPr>
-            <p:ph idx="2" type="sldImg"/>
+            <p:ph type="sldImg" idx="2"/>
           </p:nvPr>
         </p:nvSpPr>
         <p:spPr>
@@ -1231,9 +1273,13 @@
             <a:ext cx="6096000" cy="3429000"/>
           </a:xfrm>
           <a:custGeom>
-            <a:rect b="b" l="l" r="r" t="t"/>
+            <a:avLst/>
+            <a:gdLst/>
+            <a:ahLst/>
+            <a:cxnLst/>
+            <a:rect l="l" t="t" r="r" b="b"/>
             <a:pathLst>
-              <a:path extrusionOk="0" h="120000" w="120000">
+              <a:path w="120000" h="120000" extrusionOk="0">
                 <a:moveTo>
                   <a:pt x="0" y="0"/>
                 </a:moveTo>
@@ -1255,9 +1301,11 @@
       <p:sp>
         <p:nvSpPr>
           <p:cNvPr id="90" name="Google Shape;90;g47e64a679c_0_77:notes"/>
-          <p:cNvSpPr txBox="1"/>
+          <p:cNvSpPr txBox="1">
+            <a:spLocks noGrp="1"/>
+          </p:cNvSpPr>
           <p:nvPr>
-            <p:ph idx="1" type="body"/>
+            <p:ph type="body" idx="1"/>
           </p:nvPr>
         </p:nvSpPr>
         <p:spPr>
@@ -1270,12 +1318,12 @@
           </a:prstGeom>
         </p:spPr>
         <p:txBody>
-          <a:bodyPr anchorCtr="0" anchor="t" bIns="91425" lIns="91425" spcFirstLastPara="1" rIns="91425" wrap="square" tIns="91425">
+          <a:bodyPr spcFirstLastPara="1" wrap="square" lIns="91425" tIns="91425" rIns="91425" bIns="91425" anchor="t" anchorCtr="0">
             <a:noAutofit/>
           </a:bodyPr>
           <a:lstStyle/>
           <a:p>
-            <a:pPr indent="0" lvl="0" marL="0" rtl="0" algn="l">
+            <a:pPr marL="0" lvl="0" indent="0" algn="l" rtl="0">
               <a:spcBef>
                 <a:spcPts val="0"/>
               </a:spcBef>
@@ -1284,9 +1332,6 @@
               </a:spcAft>
               <a:buNone/>
             </a:pPr>
-            <a:r>
-              <a:t/>
-            </a:r>
             <a:endParaRPr/>
           </a:p>
         </p:txBody>
@@ -1300,11 +1345,11 @@
 </file>
 
 <file path=ppt/notesSlides/notesSlide3.xml><?xml version="1.0" encoding="utf-8"?>
-<p:notes xmlns:a="http://schemas.openxmlformats.org/drawingml/2006/main" xmlns:r="http://schemas.openxmlformats.org/officeDocument/2006/relationships" xmlns:mc="http://schemas.openxmlformats.org/markup-compatibility/2006" xmlns:mv="urn:schemas-microsoft-com:mac:vml" xmlns:p="http://schemas.openxmlformats.org/presentationml/2006/main" xmlns:c="http://schemas.openxmlformats.org/drawingml/2006/chart" xmlns:dgm="http://schemas.openxmlformats.org/drawingml/2006/diagram" xmlns:o="urn:schemas-microsoft-com:office:office" xmlns:v="urn:schemas-microsoft-com:vml" xmlns:pvml="urn:schemas-microsoft-com:office:powerpoint" xmlns:com="http://schemas.openxmlformats.org/drawingml/2006/compatibility" xmlns:p14="http://schemas.microsoft.com/office/powerpoint/2010/main" xmlns:p15="http://schemas.microsoft.com/office/powerpoint/2012/main" showMasterPhAnim="0" showMasterSp="0">
+<p:notes xmlns:a="http://schemas.openxmlformats.org/drawingml/2006/main" xmlns:r="http://schemas.openxmlformats.org/officeDocument/2006/relationships" xmlns:p="http://schemas.openxmlformats.org/presentationml/2006/main" showMasterSp="0" showMasterPhAnim="0">
   <p:cSld>
     <p:spTree>
       <p:nvGrpSpPr>
-        <p:cNvPr id="94" name="Shape 94"/>
+        <p:cNvPr id="1" name="Shape 94"/>
         <p:cNvGrpSpPr/>
         <p:nvPr/>
       </p:nvGrpSpPr>
@@ -1319,9 +1364,11 @@
       <p:sp>
         <p:nvSpPr>
           <p:cNvPr id="95" name="Google Shape;95;g47e64a679c_0_85:notes"/>
-          <p:cNvSpPr/>
+          <p:cNvSpPr>
+            <a:spLocks noGrp="1" noRot="1" noChangeAspect="1"/>
+          </p:cNvSpPr>
           <p:nvPr>
-            <p:ph idx="2" type="sldImg"/>
+            <p:ph type="sldImg" idx="2"/>
           </p:nvPr>
         </p:nvSpPr>
         <p:spPr>
@@ -1330,9 +1377,13 @@
             <a:ext cx="6096000" cy="3429000"/>
           </a:xfrm>
           <a:custGeom>
-            <a:rect b="b" l="l" r="r" t="t"/>
+            <a:avLst/>
+            <a:gdLst/>
+            <a:ahLst/>
+            <a:cxnLst/>
+            <a:rect l="l" t="t" r="r" b="b"/>
             <a:pathLst>
-              <a:path extrusionOk="0" h="120000" w="120000">
+              <a:path w="120000" h="120000" extrusionOk="0">
                 <a:moveTo>
                   <a:pt x="0" y="0"/>
                 </a:moveTo>
@@ -1354,9 +1405,11 @@
       <p:sp>
         <p:nvSpPr>
           <p:cNvPr id="96" name="Google Shape;96;g47e64a679c_0_85:notes"/>
-          <p:cNvSpPr txBox="1"/>
+          <p:cNvSpPr txBox="1">
+            <a:spLocks noGrp="1"/>
+          </p:cNvSpPr>
           <p:nvPr>
-            <p:ph idx="1" type="body"/>
+            <p:ph type="body" idx="1"/>
           </p:nvPr>
         </p:nvSpPr>
         <p:spPr>
@@ -1369,12 +1422,12 @@
           </a:prstGeom>
         </p:spPr>
         <p:txBody>
-          <a:bodyPr anchorCtr="0" anchor="t" bIns="91425" lIns="91425" spcFirstLastPara="1" rIns="91425" wrap="square" tIns="91425">
+          <a:bodyPr spcFirstLastPara="1" wrap="square" lIns="91425" tIns="91425" rIns="91425" bIns="91425" anchor="t" anchorCtr="0">
             <a:noAutofit/>
           </a:bodyPr>
           <a:lstStyle/>
           <a:p>
-            <a:pPr indent="0" lvl="0" marL="0" rtl="0" algn="l">
+            <a:pPr marL="0" lvl="0" indent="0" algn="l" rtl="0">
               <a:spcBef>
                 <a:spcPts val="0"/>
               </a:spcBef>
@@ -1383,9 +1436,6 @@
               </a:spcAft>
               <a:buNone/>
             </a:pPr>
-            <a:r>
-              <a:t/>
-            </a:r>
             <a:endParaRPr/>
           </a:p>
         </p:txBody>
@@ -1399,11 +1449,11 @@
 </file>
 
 <file path=ppt/notesSlides/notesSlide4.xml><?xml version="1.0" encoding="utf-8"?>
-<p:notes xmlns:a="http://schemas.openxmlformats.org/drawingml/2006/main" xmlns:r="http://schemas.openxmlformats.org/officeDocument/2006/relationships" xmlns:mc="http://schemas.openxmlformats.org/markup-compatibility/2006" xmlns:mv="urn:schemas-microsoft-com:mac:vml" xmlns:p="http://schemas.openxmlformats.org/presentationml/2006/main" xmlns:c="http://schemas.openxmlformats.org/drawingml/2006/chart" xmlns:dgm="http://schemas.openxmlformats.org/drawingml/2006/diagram" xmlns:o="urn:schemas-microsoft-com:office:office" xmlns:v="urn:schemas-microsoft-com:vml" xmlns:pvml="urn:schemas-microsoft-com:office:powerpoint" xmlns:com="http://schemas.openxmlformats.org/drawingml/2006/compatibility" xmlns:p14="http://schemas.microsoft.com/office/powerpoint/2010/main" xmlns:p15="http://schemas.microsoft.com/office/powerpoint/2012/main" showMasterPhAnim="0" showMasterSp="0">
+<p:notes xmlns:a="http://schemas.openxmlformats.org/drawingml/2006/main" xmlns:r="http://schemas.openxmlformats.org/officeDocument/2006/relationships" xmlns:p="http://schemas.openxmlformats.org/presentationml/2006/main" showMasterSp="0" showMasterPhAnim="0">
   <p:cSld>
     <p:spTree>
       <p:nvGrpSpPr>
-        <p:cNvPr id="100" name="Shape 100"/>
+        <p:cNvPr id="1" name="Shape 100"/>
         <p:cNvGrpSpPr/>
         <p:nvPr/>
       </p:nvGrpSpPr>
@@ -1418,9 +1468,11 @@
       <p:sp>
         <p:nvSpPr>
           <p:cNvPr id="101" name="Google Shape;101;g47e64a679c_0_93:notes"/>
-          <p:cNvSpPr/>
+          <p:cNvSpPr>
+            <a:spLocks noGrp="1" noRot="1" noChangeAspect="1"/>
+          </p:cNvSpPr>
           <p:nvPr>
-            <p:ph idx="2" type="sldImg"/>
+            <p:ph type="sldImg" idx="2"/>
           </p:nvPr>
         </p:nvSpPr>
         <p:spPr>
@@ -1429,9 +1481,13 @@
             <a:ext cx="6096000" cy="3429000"/>
           </a:xfrm>
           <a:custGeom>
-            <a:rect b="b" l="l" r="r" t="t"/>
+            <a:avLst/>
+            <a:gdLst/>
+            <a:ahLst/>
+            <a:cxnLst/>
+            <a:rect l="l" t="t" r="r" b="b"/>
             <a:pathLst>
-              <a:path extrusionOk="0" h="120000" w="120000">
+              <a:path w="120000" h="120000" extrusionOk="0">
                 <a:moveTo>
                   <a:pt x="0" y="0"/>
                 </a:moveTo>
@@ -1453,9 +1509,11 @@
       <p:sp>
         <p:nvSpPr>
           <p:cNvPr id="102" name="Google Shape;102;g47e64a679c_0_93:notes"/>
-          <p:cNvSpPr txBox="1"/>
+          <p:cNvSpPr txBox="1">
+            <a:spLocks noGrp="1"/>
+          </p:cNvSpPr>
           <p:nvPr>
-            <p:ph idx="1" type="body"/>
+            <p:ph type="body" idx="1"/>
           </p:nvPr>
         </p:nvSpPr>
         <p:spPr>
@@ -1468,12 +1526,12 @@
           </a:prstGeom>
         </p:spPr>
         <p:txBody>
-          <a:bodyPr anchorCtr="0" anchor="t" bIns="91425" lIns="91425" spcFirstLastPara="1" rIns="91425" wrap="square" tIns="91425">
+          <a:bodyPr spcFirstLastPara="1" wrap="square" lIns="91425" tIns="91425" rIns="91425" bIns="91425" anchor="t" anchorCtr="0">
             <a:noAutofit/>
           </a:bodyPr>
           <a:lstStyle/>
           <a:p>
-            <a:pPr indent="0" lvl="0" marL="0" rtl="0" algn="l">
+            <a:pPr marL="0" lvl="0" indent="0" algn="l" rtl="0">
               <a:spcBef>
                 <a:spcPts val="0"/>
               </a:spcBef>
@@ -1482,9 +1540,6 @@
               </a:spcAft>
               <a:buNone/>
             </a:pPr>
-            <a:r>
-              <a:t/>
-            </a:r>
             <a:endParaRPr/>
           </a:p>
         </p:txBody>
@@ -1498,11 +1553,11 @@
 </file>
 
 <file path=ppt/notesSlides/notesSlide5.xml><?xml version="1.0" encoding="utf-8"?>
-<p:notes xmlns:a="http://schemas.openxmlformats.org/drawingml/2006/main" xmlns:r="http://schemas.openxmlformats.org/officeDocument/2006/relationships" xmlns:mc="http://schemas.openxmlformats.org/markup-compatibility/2006" xmlns:mv="urn:schemas-microsoft-com:mac:vml" xmlns:p="http://schemas.openxmlformats.org/presentationml/2006/main" xmlns:c="http://schemas.openxmlformats.org/drawingml/2006/chart" xmlns:dgm="http://schemas.openxmlformats.org/drawingml/2006/diagram" xmlns:o="urn:schemas-microsoft-com:office:office" xmlns:v="urn:schemas-microsoft-com:vml" xmlns:pvml="urn:schemas-microsoft-com:office:powerpoint" xmlns:com="http://schemas.openxmlformats.org/drawingml/2006/compatibility" xmlns:p14="http://schemas.microsoft.com/office/powerpoint/2010/main" xmlns:p15="http://schemas.microsoft.com/office/powerpoint/2012/main" showMasterPhAnim="0" showMasterSp="0">
+<p:notes xmlns:a="http://schemas.openxmlformats.org/drawingml/2006/main" xmlns:r="http://schemas.openxmlformats.org/officeDocument/2006/relationships" xmlns:p="http://schemas.openxmlformats.org/presentationml/2006/main" showMasterSp="0" showMasterPhAnim="0">
   <p:cSld>
     <p:spTree>
       <p:nvGrpSpPr>
-        <p:cNvPr id="106" name="Shape 106"/>
+        <p:cNvPr id="1" name="Shape 106"/>
         <p:cNvGrpSpPr/>
         <p:nvPr/>
       </p:nvGrpSpPr>
@@ -1517,9 +1572,11 @@
       <p:sp>
         <p:nvSpPr>
           <p:cNvPr id="107" name="Google Shape;107;g4ca7419858_0_0:notes"/>
-          <p:cNvSpPr/>
+          <p:cNvSpPr>
+            <a:spLocks noGrp="1" noRot="1" noChangeAspect="1"/>
+          </p:cNvSpPr>
           <p:nvPr>
-            <p:ph idx="2" type="sldImg"/>
+            <p:ph type="sldImg" idx="2"/>
           </p:nvPr>
         </p:nvSpPr>
         <p:spPr>
@@ -1528,9 +1585,13 @@
             <a:ext cx="6096000" cy="3429000"/>
           </a:xfrm>
           <a:custGeom>
-            <a:rect b="b" l="l" r="r" t="t"/>
+            <a:avLst/>
+            <a:gdLst/>
+            <a:ahLst/>
+            <a:cxnLst/>
+            <a:rect l="l" t="t" r="r" b="b"/>
             <a:pathLst>
-              <a:path extrusionOk="0" h="120000" w="120000">
+              <a:path w="120000" h="120000" extrusionOk="0">
                 <a:moveTo>
                   <a:pt x="0" y="0"/>
                 </a:moveTo>
@@ -1552,9 +1613,11 @@
       <p:sp>
         <p:nvSpPr>
           <p:cNvPr id="108" name="Google Shape;108;g4ca7419858_0_0:notes"/>
-          <p:cNvSpPr txBox="1"/>
+          <p:cNvSpPr txBox="1">
+            <a:spLocks noGrp="1"/>
+          </p:cNvSpPr>
           <p:nvPr>
-            <p:ph idx="1" type="body"/>
+            <p:ph type="body" idx="1"/>
           </p:nvPr>
         </p:nvSpPr>
         <p:spPr>
@@ -1567,12 +1630,12 @@
           </a:prstGeom>
         </p:spPr>
         <p:txBody>
-          <a:bodyPr anchorCtr="0" anchor="t" bIns="91425" lIns="91425" spcFirstLastPara="1" rIns="91425" wrap="square" tIns="91425">
+          <a:bodyPr spcFirstLastPara="1" wrap="square" lIns="91425" tIns="91425" rIns="91425" bIns="91425" anchor="t" anchorCtr="0">
             <a:noAutofit/>
           </a:bodyPr>
           <a:lstStyle/>
           <a:p>
-            <a:pPr indent="0" lvl="0" marL="0" rtl="0" algn="l">
+            <a:pPr marL="0" lvl="0" indent="0" algn="l" rtl="0">
               <a:spcBef>
                 <a:spcPts val="0"/>
               </a:spcBef>
@@ -1581,9 +1644,6 @@
               </a:spcAft>
               <a:buNone/>
             </a:pPr>
-            <a:r>
-              <a:t/>
-            </a:r>
             <a:endParaRPr/>
           </a:p>
         </p:txBody>
@@ -1597,11 +1657,11 @@
 </file>
 
 <file path=ppt/notesSlides/notesSlide6.xml><?xml version="1.0" encoding="utf-8"?>
-<p:notes xmlns:a="http://schemas.openxmlformats.org/drawingml/2006/main" xmlns:r="http://schemas.openxmlformats.org/officeDocument/2006/relationships" xmlns:mc="http://schemas.openxmlformats.org/markup-compatibility/2006" xmlns:mv="urn:schemas-microsoft-com:mac:vml" xmlns:p="http://schemas.openxmlformats.org/presentationml/2006/main" xmlns:c="http://schemas.openxmlformats.org/drawingml/2006/chart" xmlns:dgm="http://schemas.openxmlformats.org/drawingml/2006/diagram" xmlns:o="urn:schemas-microsoft-com:office:office" xmlns:v="urn:schemas-microsoft-com:vml" xmlns:pvml="urn:schemas-microsoft-com:office:powerpoint" xmlns:com="http://schemas.openxmlformats.org/drawingml/2006/compatibility" xmlns:p14="http://schemas.microsoft.com/office/powerpoint/2010/main" xmlns:p15="http://schemas.microsoft.com/office/powerpoint/2012/main" showMasterPhAnim="0" showMasterSp="0">
+<p:notes xmlns:a="http://schemas.openxmlformats.org/drawingml/2006/main" xmlns:r="http://schemas.openxmlformats.org/officeDocument/2006/relationships" xmlns:p="http://schemas.openxmlformats.org/presentationml/2006/main" showMasterSp="0" showMasterPhAnim="0">
   <p:cSld>
     <p:spTree>
       <p:nvGrpSpPr>
-        <p:cNvPr id="111" name="Shape 111"/>
+        <p:cNvPr id="1" name="Shape 111"/>
         <p:cNvGrpSpPr/>
         <p:nvPr/>
       </p:nvGrpSpPr>
@@ -1616,9 +1676,11 @@
       <p:sp>
         <p:nvSpPr>
           <p:cNvPr id="112" name="Google Shape;112;g47e64a679c_0_100:notes"/>
-          <p:cNvSpPr/>
+          <p:cNvSpPr>
+            <a:spLocks noGrp="1" noRot="1" noChangeAspect="1"/>
+          </p:cNvSpPr>
           <p:nvPr>
-            <p:ph idx="2" type="sldImg"/>
+            <p:ph type="sldImg" idx="2"/>
           </p:nvPr>
         </p:nvSpPr>
         <p:spPr>
@@ -1627,9 +1689,13 @@
             <a:ext cx="6096000" cy="3429000"/>
           </a:xfrm>
           <a:custGeom>
-            <a:rect b="b" l="l" r="r" t="t"/>
+            <a:avLst/>
+            <a:gdLst/>
+            <a:ahLst/>
+            <a:cxnLst/>
+            <a:rect l="l" t="t" r="r" b="b"/>
             <a:pathLst>
-              <a:path extrusionOk="0" h="120000" w="120000">
+              <a:path w="120000" h="120000" extrusionOk="0">
                 <a:moveTo>
                   <a:pt x="0" y="0"/>
                 </a:moveTo>
@@ -1651,9 +1717,11 @@
       <p:sp>
         <p:nvSpPr>
           <p:cNvPr id="113" name="Google Shape;113;g47e64a679c_0_100:notes"/>
-          <p:cNvSpPr txBox="1"/>
+          <p:cNvSpPr txBox="1">
+            <a:spLocks noGrp="1"/>
+          </p:cNvSpPr>
           <p:nvPr>
-            <p:ph idx="1" type="body"/>
+            <p:ph type="body" idx="1"/>
           </p:nvPr>
         </p:nvSpPr>
         <p:spPr>
@@ -1666,12 +1734,12 @@
           </a:prstGeom>
         </p:spPr>
         <p:txBody>
-          <a:bodyPr anchorCtr="0" anchor="t" bIns="91425" lIns="91425" spcFirstLastPara="1" rIns="91425" wrap="square" tIns="91425">
+          <a:bodyPr spcFirstLastPara="1" wrap="square" lIns="91425" tIns="91425" rIns="91425" bIns="91425" anchor="t" anchorCtr="0">
             <a:noAutofit/>
           </a:bodyPr>
           <a:lstStyle/>
           <a:p>
-            <a:pPr indent="-298450" lvl="0" marL="457200" rtl="0" algn="l">
+            <a:pPr marL="457200" lvl="0" indent="-298450" algn="l" rtl="0">
               <a:spcBef>
                 <a:spcPts val="0"/>
               </a:spcBef>
@@ -1688,7 +1756,7 @@
             <a:endParaRPr/>
           </a:p>
           <a:p>
-            <a:pPr indent="-298450" lvl="0" marL="457200" rtl="0" algn="l">
+            <a:pPr marL="457200" lvl="0" indent="-298450" algn="l" rtl="0">
               <a:spcBef>
                 <a:spcPts val="0"/>
               </a:spcBef>
@@ -1705,7 +1773,7 @@
             <a:endParaRPr/>
           </a:p>
           <a:p>
-            <a:pPr indent="-298450" lvl="0" marL="457200" rtl="0" algn="l">
+            <a:pPr marL="457200" lvl="0" indent="-298450" algn="l" rtl="0">
               <a:spcBef>
                 <a:spcPts val="0"/>
               </a:spcBef>
@@ -1730,7 +1798,7 @@
             <a:endParaRPr sz="1150"/>
           </a:p>
           <a:p>
-            <a:pPr indent="-301625" lvl="0" marL="457200" rtl="0" algn="l">
+            <a:pPr marL="457200" lvl="0" indent="-301625" algn="l" rtl="0">
               <a:spcBef>
                 <a:spcPts val="0"/>
               </a:spcBef>
@@ -1740,9 +1808,6 @@
               <a:buSzPts val="1150"/>
               <a:buAutoNum type="arabicPeriod"/>
             </a:pPr>
-            <a:r>
-              <a:t/>
-            </a:r>
             <a:endParaRPr sz="1150"/>
           </a:p>
         </p:txBody>
@@ -1756,11 +1821,11 @@
 </file>
 
 <file path=ppt/notesSlides/notesSlide7.xml><?xml version="1.0" encoding="utf-8"?>
-<p:notes xmlns:a="http://schemas.openxmlformats.org/drawingml/2006/main" xmlns:r="http://schemas.openxmlformats.org/officeDocument/2006/relationships" xmlns:mc="http://schemas.openxmlformats.org/markup-compatibility/2006" xmlns:mv="urn:schemas-microsoft-com:mac:vml" xmlns:p="http://schemas.openxmlformats.org/presentationml/2006/main" xmlns:c="http://schemas.openxmlformats.org/drawingml/2006/chart" xmlns:dgm="http://schemas.openxmlformats.org/drawingml/2006/diagram" xmlns:o="urn:schemas-microsoft-com:office:office" xmlns:v="urn:schemas-microsoft-com:vml" xmlns:pvml="urn:schemas-microsoft-com:office:powerpoint" xmlns:com="http://schemas.openxmlformats.org/drawingml/2006/compatibility" xmlns:p14="http://schemas.microsoft.com/office/powerpoint/2010/main" xmlns:p15="http://schemas.microsoft.com/office/powerpoint/2012/main" showMasterPhAnim="0" showMasterSp="0">
+<p:notes xmlns:a="http://schemas.openxmlformats.org/drawingml/2006/main" xmlns:r="http://schemas.openxmlformats.org/officeDocument/2006/relationships" xmlns:p="http://schemas.openxmlformats.org/presentationml/2006/main" showMasterSp="0" showMasterPhAnim="0">
   <p:cSld>
     <p:spTree>
       <p:nvGrpSpPr>
-        <p:cNvPr id="117" name="Shape 117"/>
+        <p:cNvPr id="1" name="Shape 117"/>
         <p:cNvGrpSpPr/>
         <p:nvPr/>
       </p:nvGrpSpPr>
@@ -1775,9 +1840,11 @@
       <p:sp>
         <p:nvSpPr>
           <p:cNvPr id="118" name="Google Shape;118;g47e64a679c_0_112:notes"/>
-          <p:cNvSpPr/>
+          <p:cNvSpPr>
+            <a:spLocks noGrp="1" noRot="1" noChangeAspect="1"/>
+          </p:cNvSpPr>
           <p:nvPr>
-            <p:ph idx="2" type="sldImg"/>
+            <p:ph type="sldImg" idx="2"/>
           </p:nvPr>
         </p:nvSpPr>
         <p:spPr>
@@ -1786,9 +1853,13 @@
             <a:ext cx="6096000" cy="3429000"/>
           </a:xfrm>
           <a:custGeom>
-            <a:rect b="b" l="l" r="r" t="t"/>
+            <a:avLst/>
+            <a:gdLst/>
+            <a:ahLst/>
+            <a:cxnLst/>
+            <a:rect l="l" t="t" r="r" b="b"/>
             <a:pathLst>
-              <a:path extrusionOk="0" h="120000" w="120000">
+              <a:path w="120000" h="120000" extrusionOk="0">
                 <a:moveTo>
                   <a:pt x="0" y="0"/>
                 </a:moveTo>
@@ -1810,9 +1881,11 @@
       <p:sp>
         <p:nvSpPr>
           <p:cNvPr id="119" name="Google Shape;119;g47e64a679c_0_112:notes"/>
-          <p:cNvSpPr txBox="1"/>
+          <p:cNvSpPr txBox="1">
+            <a:spLocks noGrp="1"/>
+          </p:cNvSpPr>
           <p:nvPr>
-            <p:ph idx="1" type="body"/>
+            <p:ph type="body" idx="1"/>
           </p:nvPr>
         </p:nvSpPr>
         <p:spPr>
@@ -1825,12 +1898,12 @@
           </a:prstGeom>
         </p:spPr>
         <p:txBody>
-          <a:bodyPr anchorCtr="0" anchor="t" bIns="91425" lIns="91425" spcFirstLastPara="1" rIns="91425" wrap="square" tIns="91425">
+          <a:bodyPr spcFirstLastPara="1" wrap="square" lIns="91425" tIns="91425" rIns="91425" bIns="91425" anchor="t" anchorCtr="0">
             <a:noAutofit/>
           </a:bodyPr>
           <a:lstStyle/>
           <a:p>
-            <a:pPr indent="0" lvl="0" marL="0" rtl="0" algn="l">
+            <a:pPr marL="0" lvl="0" indent="0" algn="l" rtl="0">
               <a:spcBef>
                 <a:spcPts val="0"/>
               </a:spcBef>
@@ -1839,9 +1912,6 @@
               </a:spcAft>
               <a:buNone/>
             </a:pPr>
-            <a:r>
-              <a:t/>
-            </a:r>
             <a:endParaRPr/>
           </a:p>
         </p:txBody>
@@ -1855,11 +1925,11 @@
 </file>
 
 <file path=ppt/notesSlides/notesSlide8.xml><?xml version="1.0" encoding="utf-8"?>
-<p:notes xmlns:a="http://schemas.openxmlformats.org/drawingml/2006/main" xmlns:r="http://schemas.openxmlformats.org/officeDocument/2006/relationships" xmlns:mc="http://schemas.openxmlformats.org/markup-compatibility/2006" xmlns:mv="urn:schemas-microsoft-com:mac:vml" xmlns:p="http://schemas.openxmlformats.org/presentationml/2006/main" xmlns:c="http://schemas.openxmlformats.org/drawingml/2006/chart" xmlns:dgm="http://schemas.openxmlformats.org/drawingml/2006/diagram" xmlns:o="urn:schemas-microsoft-com:office:office" xmlns:v="urn:schemas-microsoft-com:vml" xmlns:pvml="urn:schemas-microsoft-com:office:powerpoint" xmlns:com="http://schemas.openxmlformats.org/drawingml/2006/compatibility" xmlns:p14="http://schemas.microsoft.com/office/powerpoint/2010/main" xmlns:p15="http://schemas.microsoft.com/office/powerpoint/2012/main" showMasterPhAnim="0" showMasterSp="0">
+<p:notes xmlns:a="http://schemas.openxmlformats.org/drawingml/2006/main" xmlns:r="http://schemas.openxmlformats.org/officeDocument/2006/relationships" xmlns:p="http://schemas.openxmlformats.org/presentationml/2006/main" showMasterSp="0" showMasterPhAnim="0">
   <p:cSld>
     <p:spTree>
       <p:nvGrpSpPr>
-        <p:cNvPr id="123" name="Shape 123"/>
+        <p:cNvPr id="1" name="Shape 123"/>
         <p:cNvGrpSpPr/>
         <p:nvPr/>
       </p:nvGrpSpPr>
@@ -1874,9 +1944,11 @@
       <p:sp>
         <p:nvSpPr>
           <p:cNvPr id="124" name="Google Shape;124;g4ca7419858_0_6:notes"/>
-          <p:cNvSpPr/>
+          <p:cNvSpPr>
+            <a:spLocks noGrp="1" noRot="1" noChangeAspect="1"/>
+          </p:cNvSpPr>
           <p:nvPr>
-            <p:ph idx="2" type="sldImg"/>
+            <p:ph type="sldImg" idx="2"/>
           </p:nvPr>
         </p:nvSpPr>
         <p:spPr>
@@ -1885,9 +1957,13 @@
             <a:ext cx="6096000" cy="3429000"/>
           </a:xfrm>
           <a:custGeom>
-            <a:rect b="b" l="l" r="r" t="t"/>
+            <a:avLst/>
+            <a:gdLst/>
+            <a:ahLst/>
+            <a:cxnLst/>
+            <a:rect l="l" t="t" r="r" b="b"/>
             <a:pathLst>
-              <a:path extrusionOk="0" h="120000" w="120000">
+              <a:path w="120000" h="120000" extrusionOk="0">
                 <a:moveTo>
                   <a:pt x="0" y="0"/>
                 </a:moveTo>
@@ -1909,9 +1985,11 @@
       <p:sp>
         <p:nvSpPr>
           <p:cNvPr id="125" name="Google Shape;125;g4ca7419858_0_6:notes"/>
-          <p:cNvSpPr txBox="1"/>
+          <p:cNvSpPr txBox="1">
+            <a:spLocks noGrp="1"/>
+          </p:cNvSpPr>
           <p:nvPr>
-            <p:ph idx="1" type="body"/>
+            <p:ph type="body" idx="1"/>
           </p:nvPr>
         </p:nvSpPr>
         <p:spPr>
@@ -1924,12 +2002,12 @@
           </a:prstGeom>
         </p:spPr>
         <p:txBody>
-          <a:bodyPr anchorCtr="0" anchor="t" bIns="91425" lIns="91425" spcFirstLastPara="1" rIns="91425" wrap="square" tIns="91425">
+          <a:bodyPr spcFirstLastPara="1" wrap="square" lIns="91425" tIns="91425" rIns="91425" bIns="91425" anchor="t" anchorCtr="0">
             <a:noAutofit/>
           </a:bodyPr>
           <a:lstStyle/>
           <a:p>
-            <a:pPr indent="0" lvl="0" marL="0" rtl="0" algn="l">
+            <a:pPr marL="0" lvl="0" indent="0" algn="l" rtl="0">
               <a:spcBef>
                 <a:spcPts val="0"/>
               </a:spcBef>
@@ -1938,9 +2016,6 @@
               </a:spcAft>
               <a:buNone/>
             </a:pPr>
-            <a:r>
-              <a:t/>
-            </a:r>
             <a:endParaRPr/>
           </a:p>
         </p:txBody>
@@ -1954,11 +2029,11 @@
 </file>
 
 <file path=ppt/notesSlides/notesSlide9.xml><?xml version="1.0" encoding="utf-8"?>
-<p:notes xmlns:a="http://schemas.openxmlformats.org/drawingml/2006/main" xmlns:r="http://schemas.openxmlformats.org/officeDocument/2006/relationships" xmlns:mc="http://schemas.openxmlformats.org/markup-compatibility/2006" xmlns:mv="urn:schemas-microsoft-com:mac:vml" xmlns:p="http://schemas.openxmlformats.org/presentationml/2006/main" xmlns:c="http://schemas.openxmlformats.org/drawingml/2006/chart" xmlns:dgm="http://schemas.openxmlformats.org/drawingml/2006/diagram" xmlns:o="urn:schemas-microsoft-com:office:office" xmlns:v="urn:schemas-microsoft-com:vml" xmlns:pvml="urn:schemas-microsoft-com:office:powerpoint" xmlns:com="http://schemas.openxmlformats.org/drawingml/2006/compatibility" xmlns:p14="http://schemas.microsoft.com/office/powerpoint/2010/main" xmlns:p15="http://schemas.microsoft.com/office/powerpoint/2012/main" showMasterPhAnim="0" showMasterSp="0">
+<p:notes xmlns:a="http://schemas.openxmlformats.org/drawingml/2006/main" xmlns:r="http://schemas.openxmlformats.org/officeDocument/2006/relationships" xmlns:p="http://schemas.openxmlformats.org/presentationml/2006/main" showMasterSp="0" showMasterPhAnim="0">
   <p:cSld>
     <p:spTree>
       <p:nvGrpSpPr>
-        <p:cNvPr id="131" name="Shape 131"/>
+        <p:cNvPr id="1" name="Shape 131"/>
         <p:cNvGrpSpPr/>
         <p:nvPr/>
       </p:nvGrpSpPr>
@@ -1973,9 +2048,11 @@
       <p:sp>
         <p:nvSpPr>
           <p:cNvPr id="132" name="Google Shape;132;g4ca7419858_0_13:notes"/>
-          <p:cNvSpPr/>
+          <p:cNvSpPr>
+            <a:spLocks noGrp="1" noRot="1" noChangeAspect="1"/>
+          </p:cNvSpPr>
           <p:nvPr>
-            <p:ph idx="2" type="sldImg"/>
+            <p:ph type="sldImg" idx="2"/>
           </p:nvPr>
         </p:nvSpPr>
         <p:spPr>
@@ -1984,9 +2061,13 @@
             <a:ext cx="6096000" cy="3429000"/>
           </a:xfrm>
           <a:custGeom>
-            <a:rect b="b" l="l" r="r" t="t"/>
+            <a:avLst/>
+            <a:gdLst/>
+            <a:ahLst/>
+            <a:cxnLst/>
+            <a:rect l="l" t="t" r="r" b="b"/>
             <a:pathLst>
-              <a:path extrusionOk="0" h="120000" w="120000">
+              <a:path w="120000" h="120000" extrusionOk="0">
                 <a:moveTo>
                   <a:pt x="0" y="0"/>
                 </a:moveTo>
@@ -2008,9 +2089,11 @@
       <p:sp>
         <p:nvSpPr>
           <p:cNvPr id="133" name="Google Shape;133;g4ca7419858_0_13:notes"/>
-          <p:cNvSpPr txBox="1"/>
+          <p:cNvSpPr txBox="1">
+            <a:spLocks noGrp="1"/>
+          </p:cNvSpPr>
           <p:nvPr>
-            <p:ph idx="1" type="body"/>
+            <p:ph type="body" idx="1"/>
           </p:nvPr>
         </p:nvSpPr>
         <p:spPr>
@@ -2023,12 +2106,12 @@
           </a:prstGeom>
         </p:spPr>
         <p:txBody>
-          <a:bodyPr anchorCtr="0" anchor="t" bIns="91425" lIns="91425" spcFirstLastPara="1" rIns="91425" wrap="square" tIns="91425">
+          <a:bodyPr spcFirstLastPara="1" wrap="square" lIns="91425" tIns="91425" rIns="91425" bIns="91425" anchor="t" anchorCtr="0">
             <a:noAutofit/>
           </a:bodyPr>
           <a:lstStyle/>
           <a:p>
-            <a:pPr indent="0" lvl="0" marL="0" rtl="0" algn="l">
+            <a:pPr marL="0" lvl="0" indent="0" algn="l" rtl="0">
               <a:spcBef>
                 <a:spcPts val="0"/>
               </a:spcBef>
@@ -2037,9 +2120,6 @@
               </a:spcAft>
               <a:buNone/>
             </a:pPr>
-            <a:r>
-              <a:t/>
-            </a:r>
             <a:endParaRPr/>
           </a:p>
         </p:txBody>
@@ -2053,18 +2133,19 @@
 </file>
 
 <file path=ppt/slideLayouts/slideLayout1.xml><?xml version="1.0" encoding="utf-8"?>
-<p:sldLayout xmlns:a="http://schemas.openxmlformats.org/drawingml/2006/main" xmlns:r="http://schemas.openxmlformats.org/officeDocument/2006/relationships" xmlns:mc="http://schemas.openxmlformats.org/markup-compatibility/2006" xmlns:mv="urn:schemas-microsoft-com:mac:vml" xmlns:p="http://schemas.openxmlformats.org/presentationml/2006/main" xmlns:c="http://schemas.openxmlformats.org/drawingml/2006/chart" xmlns:dgm="http://schemas.openxmlformats.org/drawingml/2006/diagram" xmlns:o="urn:schemas-microsoft-com:office:office" xmlns:v="urn:schemas-microsoft-com:vml" xmlns:pvml="urn:schemas-microsoft-com:office:powerpoint" xmlns:com="http://schemas.openxmlformats.org/drawingml/2006/compatibility" xmlns:p14="http://schemas.microsoft.com/office/powerpoint/2010/main" xmlns:p15="http://schemas.microsoft.com/office/powerpoint/2012/main" matchingName="Title slide" type="title">
+<p:sldLayout xmlns:a="http://schemas.openxmlformats.org/drawingml/2006/main" xmlns:r="http://schemas.openxmlformats.org/officeDocument/2006/relationships" xmlns:p="http://schemas.openxmlformats.org/presentationml/2006/main" matchingName="Title slide" type="title">
   <p:cSld name="TITLE">
     <p:bg>
       <p:bgPr>
         <a:solidFill>
           <a:schemeClr val="dk1"/>
         </a:solidFill>
+        <a:effectLst/>
       </p:bgPr>
     </p:bg>
     <p:spTree>
       <p:nvGrpSpPr>
-        <p:cNvPr id="9" name="Shape 9"/>
+        <p:cNvPr id="1" name="Shape 9"/>
         <p:cNvGrpSpPr/>
         <p:nvPr/>
       </p:nvGrpSpPr>
@@ -2112,12 +2193,12 @@
             </a:ln>
           </p:spPr>
           <p:txBody>
-            <a:bodyPr anchorCtr="0" anchor="ctr" bIns="91425" lIns="91425" spcFirstLastPara="1" rIns="91425" wrap="square" tIns="91425">
+            <a:bodyPr spcFirstLastPara="1" wrap="square" lIns="91425" tIns="91425" rIns="91425" bIns="91425" anchor="ctr" anchorCtr="0">
               <a:noAutofit/>
             </a:bodyPr>
             <a:lstStyle/>
             <a:p>
-              <a:pPr indent="0" lvl="0" marL="0" rtl="0" algn="l">
+              <a:pPr marL="0" lvl="0" indent="0" algn="l" rtl="0">
                 <a:spcBef>
                   <a:spcPts val="0"/>
                 </a:spcBef>
@@ -2126,9 +2207,6 @@
                 </a:spcAft>
                 <a:buNone/>
               </a:pPr>
-              <a:r>
-                <a:t/>
-              </a:r>
               <a:endParaRPr/>
             </a:p>
           </p:txBody>
@@ -2155,12 +2233,12 @@
             </a:ln>
           </p:spPr>
           <p:txBody>
-            <a:bodyPr anchorCtr="0" anchor="ctr" bIns="91425" lIns="91425" spcFirstLastPara="1" rIns="91425" wrap="square" tIns="91425">
+            <a:bodyPr spcFirstLastPara="1" wrap="square" lIns="91425" tIns="91425" rIns="91425" bIns="91425" anchor="ctr" anchorCtr="0">
               <a:noAutofit/>
             </a:bodyPr>
             <a:lstStyle/>
             <a:p>
-              <a:pPr indent="0" lvl="0" marL="0" rtl="0" algn="l">
+              <a:pPr marL="0" lvl="0" indent="0" algn="l" rtl="0">
                 <a:spcBef>
                   <a:spcPts val="0"/>
                 </a:spcBef>
@@ -2169,9 +2247,6 @@
                 </a:spcAft>
                 <a:buNone/>
               </a:pPr>
-              <a:r>
-                <a:t/>
-              </a:r>
               <a:endParaRPr/>
             </a:p>
           </p:txBody>
@@ -2183,7 +2258,7 @@
             <p:nvPr/>
           </p:nvSpPr>
           <p:spPr>
-            <a:xfrm flipH="1" rot="10800000">
+            <a:xfrm rot="10800000" flipH="1">
               <a:off x="7113588" y="107"/>
               <a:ext cx="1015200" cy="1015200"/>
             </a:xfrm>
@@ -2198,12 +2273,12 @@
             </a:ln>
           </p:spPr>
           <p:txBody>
-            <a:bodyPr anchorCtr="0" anchor="ctr" bIns="91425" lIns="91425" spcFirstLastPara="1" rIns="91425" wrap="square" tIns="91425">
+            <a:bodyPr spcFirstLastPara="1" wrap="square" lIns="91425" tIns="91425" rIns="91425" bIns="91425" anchor="ctr" anchorCtr="0">
               <a:noAutofit/>
             </a:bodyPr>
             <a:lstStyle/>
             <a:p>
-              <a:pPr indent="0" lvl="0" marL="0" rtl="0" algn="l">
+              <a:pPr marL="0" lvl="0" indent="0" algn="l" rtl="0">
                 <a:spcBef>
                   <a:spcPts val="0"/>
                 </a:spcBef>
@@ -2212,9 +2287,6 @@
                 </a:spcAft>
                 <a:buNone/>
               </a:pPr>
-              <a:r>
-                <a:t/>
-              </a:r>
               <a:endParaRPr/>
             </a:p>
           </p:txBody>
@@ -2241,12 +2313,12 @@
             </a:ln>
           </p:spPr>
           <p:txBody>
-            <a:bodyPr anchorCtr="0" anchor="ctr" bIns="91425" lIns="91425" spcFirstLastPara="1" rIns="91425" wrap="square" tIns="91425">
+            <a:bodyPr spcFirstLastPara="1" wrap="square" lIns="91425" tIns="91425" rIns="91425" bIns="91425" anchor="ctr" anchorCtr="0">
               <a:noAutofit/>
             </a:bodyPr>
             <a:lstStyle/>
             <a:p>
-              <a:pPr indent="0" lvl="0" marL="0" rtl="0" algn="l">
+              <a:pPr marL="0" lvl="0" indent="0" algn="l" rtl="0">
                 <a:spcBef>
                   <a:spcPts val="0"/>
                 </a:spcBef>
@@ -2255,9 +2327,6 @@
                 </a:spcAft>
                 <a:buNone/>
               </a:pPr>
-              <a:r>
-                <a:t/>
-              </a:r>
               <a:endParaRPr/>
             </a:p>
           </p:txBody>
@@ -2284,12 +2353,12 @@
             </a:ln>
           </p:spPr>
           <p:txBody>
-            <a:bodyPr anchorCtr="0" anchor="ctr" bIns="91425" lIns="91425" spcFirstLastPara="1" rIns="91425" wrap="square" tIns="91425">
+            <a:bodyPr spcFirstLastPara="1" wrap="square" lIns="91425" tIns="91425" rIns="91425" bIns="91425" anchor="ctr" anchorCtr="0">
               <a:noAutofit/>
             </a:bodyPr>
             <a:lstStyle/>
             <a:p>
-              <a:pPr indent="0" lvl="0" marL="0" rtl="0" algn="l">
+              <a:pPr marL="0" lvl="0" indent="0" algn="l" rtl="0">
                 <a:spcBef>
                   <a:spcPts val="0"/>
                 </a:spcBef>
@@ -2298,9 +2367,6 @@
                 </a:spcAft>
                 <a:buNone/>
               </a:pPr>
-              <a:r>
-                <a:t/>
-              </a:r>
               <a:endParaRPr/>
             </a:p>
           </p:txBody>
@@ -2309,7 +2375,9 @@
       <p:sp>
         <p:nvSpPr>
           <p:cNvPr id="16" name="Google Shape;16;p2"/>
-          <p:cNvSpPr txBox="1"/>
+          <p:cNvSpPr txBox="1">
+            <a:spLocks noGrp="1"/>
+          </p:cNvSpPr>
           <p:nvPr>
             <p:ph type="ctrTitle"/>
           </p:nvPr>
@@ -2324,7 +2392,7 @@
           </a:prstGeom>
         </p:spPr>
         <p:txBody>
-          <a:bodyPr anchorCtr="0" anchor="b" bIns="91425" lIns="91425" spcFirstLastPara="1" rIns="91425" wrap="square" tIns="91425"/>
+          <a:bodyPr spcFirstLastPara="1" wrap="square" lIns="91425" tIns="91425" rIns="91425" bIns="91425" anchor="b" anchorCtr="0"/>
           <a:lstStyle>
             <a:lvl1pPr lvl="0">
               <a:spcBef>
@@ -2489,15 +2557,19 @@
               </a:defRPr>
             </a:lvl9pPr>
           </a:lstStyle>
-          <a:p/>
+          <a:p>
+            <a:endParaRPr/>
+          </a:p>
         </p:txBody>
       </p:sp>
       <p:sp>
         <p:nvSpPr>
           <p:cNvPr id="17" name="Google Shape;17;p2"/>
-          <p:cNvSpPr txBox="1"/>
+          <p:cNvSpPr txBox="1">
+            <a:spLocks noGrp="1"/>
+          </p:cNvSpPr>
           <p:nvPr>
-            <p:ph idx="1" type="subTitle"/>
+            <p:ph type="subTitle" idx="1"/>
           </p:nvPr>
         </p:nvSpPr>
         <p:spPr>
@@ -2510,7 +2582,7 @@
           </a:prstGeom>
         </p:spPr>
         <p:txBody>
-          <a:bodyPr anchorCtr="0" anchor="t" bIns="91425" lIns="91425" spcFirstLastPara="1" rIns="91425" wrap="square" tIns="91425"/>
+          <a:bodyPr spcFirstLastPara="1" wrap="square" lIns="91425" tIns="91425" rIns="91425" bIns="91425" anchor="t" anchorCtr="0"/>
           <a:lstStyle>
             <a:lvl1pPr lvl="0">
               <a:lnSpc>
@@ -2702,15 +2774,19 @@
               </a:defRPr>
             </a:lvl9pPr>
           </a:lstStyle>
-          <a:p/>
+          <a:p>
+            <a:endParaRPr/>
+          </a:p>
         </p:txBody>
       </p:sp>
       <p:sp>
         <p:nvSpPr>
           <p:cNvPr id="18" name="Google Shape;18;p2"/>
-          <p:cNvSpPr txBox="1"/>
+          <p:cNvSpPr txBox="1">
+            <a:spLocks noGrp="1"/>
+          </p:cNvSpPr>
           <p:nvPr>
-            <p:ph idx="12" type="sldNum"/>
+            <p:ph type="sldNum" idx="12"/>
           </p:nvPr>
         </p:nvSpPr>
         <p:spPr>
@@ -2723,7 +2799,7 @@
           </a:prstGeom>
         </p:spPr>
         <p:txBody>
-          <a:bodyPr anchorCtr="0" anchor="ctr" bIns="91425" lIns="91425" spcFirstLastPara="1" rIns="91425" wrap="square" tIns="91425">
+          <a:bodyPr spcFirstLastPara="1" wrap="square" lIns="91425" tIns="91425" rIns="91425" bIns="91425" anchor="ctr" anchorCtr="0">
             <a:noAutofit/>
           </a:bodyPr>
           <a:lstStyle>
@@ -2765,7 +2841,7 @@
             </a:lvl9pPr>
           </a:lstStyle>
           <a:p>
-            <a:pPr indent="0" lvl="0" marL="0" rtl="0" algn="r">
+            <a:pPr marL="0" lvl="0" indent="0" algn="r" rtl="0">
               <a:spcBef>
                 <a:spcPts val="0"/>
               </a:spcBef>
@@ -2791,18 +2867,19 @@
 </file>
 
 <file path=ppt/slideLayouts/slideLayout10.xml><?xml version="1.0" encoding="utf-8"?>
-<p:sldLayout xmlns:a="http://schemas.openxmlformats.org/drawingml/2006/main" xmlns:r="http://schemas.openxmlformats.org/officeDocument/2006/relationships" xmlns:mc="http://schemas.openxmlformats.org/markup-compatibility/2006" xmlns:mv="urn:schemas-microsoft-com:mac:vml" xmlns:p="http://schemas.openxmlformats.org/presentationml/2006/main" xmlns:c="http://schemas.openxmlformats.org/drawingml/2006/chart" xmlns:dgm="http://schemas.openxmlformats.org/drawingml/2006/diagram" xmlns:o="urn:schemas-microsoft-com:office:office" xmlns:v="urn:schemas-microsoft-com:vml" xmlns:pvml="urn:schemas-microsoft-com:office:powerpoint" xmlns:com="http://schemas.openxmlformats.org/drawingml/2006/compatibility" xmlns:p14="http://schemas.microsoft.com/office/powerpoint/2010/main" xmlns:p15="http://schemas.microsoft.com/office/powerpoint/2012/main" matchingName="Big number">
+<p:sldLayout xmlns:a="http://schemas.openxmlformats.org/drawingml/2006/main" xmlns:r="http://schemas.openxmlformats.org/officeDocument/2006/relationships" xmlns:p="http://schemas.openxmlformats.org/presentationml/2006/main" matchingName="Big number">
   <p:cSld name="BIG_NUMBER">
     <p:bg>
       <p:bgPr>
         <a:solidFill>
           <a:schemeClr val="dk1"/>
         </a:solidFill>
+        <a:effectLst/>
       </p:bgPr>
     </p:bg>
     <p:spTree>
       <p:nvGrpSpPr>
-        <p:cNvPr id="69" name="Shape 69"/>
+        <p:cNvPr id="1" name="Shape 69"/>
         <p:cNvGrpSpPr/>
         <p:nvPr/>
       </p:nvGrpSpPr>
@@ -2850,12 +2927,12 @@
             </a:ln>
           </p:spPr>
           <p:txBody>
-            <a:bodyPr anchorCtr="0" anchor="ctr" bIns="91425" lIns="91425" spcFirstLastPara="1" rIns="91425" wrap="square" tIns="91425">
+            <a:bodyPr spcFirstLastPara="1" wrap="square" lIns="91425" tIns="91425" rIns="91425" bIns="91425" anchor="ctr" anchorCtr="0">
               <a:noAutofit/>
             </a:bodyPr>
             <a:lstStyle/>
             <a:p>
-              <a:pPr indent="0" lvl="0" marL="0" rtl="0" algn="l">
+              <a:pPr marL="0" lvl="0" indent="0" algn="l" rtl="0">
                 <a:spcBef>
                   <a:spcPts val="0"/>
                 </a:spcBef>
@@ -2864,9 +2941,6 @@
                 </a:spcAft>
                 <a:buNone/>
               </a:pPr>
-              <a:r>
-                <a:t/>
-              </a:r>
               <a:endParaRPr/>
             </a:p>
           </p:txBody>
@@ -2893,12 +2967,12 @@
             </a:ln>
           </p:spPr>
           <p:txBody>
-            <a:bodyPr anchorCtr="0" anchor="ctr" bIns="91425" lIns="91425" spcFirstLastPara="1" rIns="91425" wrap="square" tIns="91425">
+            <a:bodyPr spcFirstLastPara="1" wrap="square" lIns="91425" tIns="91425" rIns="91425" bIns="91425" anchor="ctr" anchorCtr="0">
               <a:noAutofit/>
             </a:bodyPr>
             <a:lstStyle/>
             <a:p>
-              <a:pPr indent="0" lvl="0" marL="0" rtl="0" algn="l">
+              <a:pPr marL="0" lvl="0" indent="0" algn="l" rtl="0">
                 <a:spcBef>
                   <a:spcPts val="0"/>
                 </a:spcBef>
@@ -2907,9 +2981,6 @@
                 </a:spcAft>
                 <a:buNone/>
               </a:pPr>
-              <a:r>
-                <a:t/>
-              </a:r>
               <a:endParaRPr/>
             </a:p>
           </p:txBody>
@@ -2921,7 +2992,7 @@
             <p:nvPr/>
           </p:nvSpPr>
           <p:spPr>
-            <a:xfrm flipH="1" rot="10800000">
+            <a:xfrm rot="10800000" flipH="1">
               <a:off x="7113588" y="107"/>
               <a:ext cx="1015200" cy="1015200"/>
             </a:xfrm>
@@ -2936,12 +3007,12 @@
             </a:ln>
           </p:spPr>
           <p:txBody>
-            <a:bodyPr anchorCtr="0" anchor="ctr" bIns="91425" lIns="91425" spcFirstLastPara="1" rIns="91425" wrap="square" tIns="91425">
+            <a:bodyPr spcFirstLastPara="1" wrap="square" lIns="91425" tIns="91425" rIns="91425" bIns="91425" anchor="ctr" anchorCtr="0">
               <a:noAutofit/>
             </a:bodyPr>
             <a:lstStyle/>
             <a:p>
-              <a:pPr indent="0" lvl="0" marL="0" rtl="0" algn="l">
+              <a:pPr marL="0" lvl="0" indent="0" algn="l" rtl="0">
                 <a:spcBef>
                   <a:spcPts val="0"/>
                 </a:spcBef>
@@ -2950,9 +3021,6 @@
                 </a:spcAft>
                 <a:buNone/>
               </a:pPr>
-              <a:r>
-                <a:t/>
-              </a:r>
               <a:endParaRPr/>
             </a:p>
           </p:txBody>
@@ -2979,12 +3047,12 @@
             </a:ln>
           </p:spPr>
           <p:txBody>
-            <a:bodyPr anchorCtr="0" anchor="ctr" bIns="91425" lIns="91425" spcFirstLastPara="1" rIns="91425" wrap="square" tIns="91425">
+            <a:bodyPr spcFirstLastPara="1" wrap="square" lIns="91425" tIns="91425" rIns="91425" bIns="91425" anchor="ctr" anchorCtr="0">
               <a:noAutofit/>
             </a:bodyPr>
             <a:lstStyle/>
             <a:p>
-              <a:pPr indent="0" lvl="0" marL="0" rtl="0" algn="l">
+              <a:pPr marL="0" lvl="0" indent="0" algn="l" rtl="0">
                 <a:spcBef>
                   <a:spcPts val="0"/>
                 </a:spcBef>
@@ -2993,9 +3061,6 @@
                 </a:spcAft>
                 <a:buNone/>
               </a:pPr>
-              <a:r>
-                <a:t/>
-              </a:r>
               <a:endParaRPr/>
             </a:p>
           </p:txBody>
@@ -3022,12 +3087,12 @@
             </a:ln>
           </p:spPr>
           <p:txBody>
-            <a:bodyPr anchorCtr="0" anchor="ctr" bIns="91425" lIns="91425" spcFirstLastPara="1" rIns="91425" wrap="square" tIns="91425">
+            <a:bodyPr spcFirstLastPara="1" wrap="square" lIns="91425" tIns="91425" rIns="91425" bIns="91425" anchor="ctr" anchorCtr="0">
               <a:noAutofit/>
             </a:bodyPr>
             <a:lstStyle/>
             <a:p>
-              <a:pPr indent="0" lvl="0" marL="0" rtl="0" algn="l">
+              <a:pPr marL="0" lvl="0" indent="0" algn="l" rtl="0">
                 <a:spcBef>
                   <a:spcPts val="0"/>
                 </a:spcBef>
@@ -3036,9 +3101,6 @@
                 </a:spcAft>
                 <a:buNone/>
               </a:pPr>
-              <a:r>
-                <a:t/>
-              </a:r>
               <a:endParaRPr/>
             </a:p>
           </p:txBody>
@@ -3047,9 +3109,11 @@
       <p:sp>
         <p:nvSpPr>
           <p:cNvPr id="76" name="Google Shape;76;p11"/>
-          <p:cNvSpPr txBox="1"/>
+          <p:cNvSpPr txBox="1">
+            <a:spLocks noGrp="1"/>
+          </p:cNvSpPr>
           <p:nvPr>
-            <p:ph hasCustomPrompt="1" type="title"/>
+            <p:ph type="title" hasCustomPrompt="1"/>
           </p:nvPr>
         </p:nvSpPr>
         <p:spPr>
@@ -3062,7 +3126,7 @@
           </a:prstGeom>
         </p:spPr>
         <p:txBody>
-          <a:bodyPr anchorCtr="0" anchor="b" bIns="91425" lIns="91425" spcFirstLastPara="1" rIns="91425" wrap="square" tIns="91425"/>
+          <a:bodyPr spcFirstLastPara="1" wrap="square" lIns="91425" tIns="91425" rIns="91425" bIns="91425" anchor="b" anchorCtr="0"/>
           <a:lstStyle>
             <a:lvl1pPr lvl="0" algn="ctr">
               <a:spcBef>
@@ -3237,9 +3301,11 @@
       <p:sp>
         <p:nvSpPr>
           <p:cNvPr id="77" name="Google Shape;77;p11"/>
-          <p:cNvSpPr txBox="1"/>
+          <p:cNvSpPr txBox="1">
+            <a:spLocks noGrp="1"/>
+          </p:cNvSpPr>
           <p:nvPr>
-            <p:ph idx="1" type="body"/>
+            <p:ph type="body" idx="1"/>
           </p:nvPr>
         </p:nvSpPr>
         <p:spPr>
@@ -3252,9 +3318,9 @@
           </a:prstGeom>
         </p:spPr>
         <p:txBody>
-          <a:bodyPr anchorCtr="0" anchor="t" bIns="91425" lIns="91425" spcFirstLastPara="1" rIns="91425" wrap="square" tIns="91425"/>
+          <a:bodyPr spcFirstLastPara="1" wrap="square" lIns="91425" tIns="91425" rIns="91425" bIns="91425" anchor="t" anchorCtr="0"/>
           <a:lstStyle>
-            <a:lvl1pPr indent="-342900" lvl="0" marL="457200" algn="ctr">
+            <a:lvl1pPr marL="457200" lvl="0" indent="-342900" algn="ctr">
               <a:spcBef>
                 <a:spcPts val="0"/>
               </a:spcBef>
@@ -3272,7 +3338,7 @@
                 </a:solidFill>
               </a:defRPr>
             </a:lvl1pPr>
-            <a:lvl2pPr indent="-317500" lvl="1" marL="914400" algn="ctr">
+            <a:lvl2pPr marL="914400" lvl="1" indent="-317500" algn="ctr">
               <a:spcBef>
                 <a:spcPts val="1600"/>
               </a:spcBef>
@@ -3290,7 +3356,7 @@
                 </a:solidFill>
               </a:defRPr>
             </a:lvl2pPr>
-            <a:lvl3pPr indent="-317500" lvl="2" marL="1371600" algn="ctr">
+            <a:lvl3pPr marL="1371600" lvl="2" indent="-317500" algn="ctr">
               <a:spcBef>
                 <a:spcPts val="1600"/>
               </a:spcBef>
@@ -3308,7 +3374,7 @@
                 </a:solidFill>
               </a:defRPr>
             </a:lvl3pPr>
-            <a:lvl4pPr indent="-317500" lvl="3" marL="1828800" algn="ctr">
+            <a:lvl4pPr marL="1828800" lvl="3" indent="-317500" algn="ctr">
               <a:spcBef>
                 <a:spcPts val="1600"/>
               </a:spcBef>
@@ -3326,7 +3392,7 @@
                 </a:solidFill>
               </a:defRPr>
             </a:lvl4pPr>
-            <a:lvl5pPr indent="-317500" lvl="4" marL="2286000" algn="ctr">
+            <a:lvl5pPr marL="2286000" lvl="4" indent="-317500" algn="ctr">
               <a:spcBef>
                 <a:spcPts val="1600"/>
               </a:spcBef>
@@ -3344,7 +3410,7 @@
                 </a:solidFill>
               </a:defRPr>
             </a:lvl5pPr>
-            <a:lvl6pPr indent="-317500" lvl="5" marL="2743200" algn="ctr">
+            <a:lvl6pPr marL="2743200" lvl="5" indent="-317500" algn="ctr">
               <a:spcBef>
                 <a:spcPts val="1600"/>
               </a:spcBef>
@@ -3362,7 +3428,7 @@
                 </a:solidFill>
               </a:defRPr>
             </a:lvl6pPr>
-            <a:lvl7pPr indent="-317500" lvl="6" marL="3200400" algn="ctr">
+            <a:lvl7pPr marL="3200400" lvl="6" indent="-317500" algn="ctr">
               <a:spcBef>
                 <a:spcPts val="1600"/>
               </a:spcBef>
@@ -3380,7 +3446,7 @@
                 </a:solidFill>
               </a:defRPr>
             </a:lvl7pPr>
-            <a:lvl8pPr indent="-317500" lvl="7" marL="3657600" algn="ctr">
+            <a:lvl8pPr marL="3657600" lvl="7" indent="-317500" algn="ctr">
               <a:spcBef>
                 <a:spcPts val="1600"/>
               </a:spcBef>
@@ -3398,7 +3464,7 @@
                 </a:solidFill>
               </a:defRPr>
             </a:lvl8pPr>
-            <a:lvl9pPr indent="-317500" lvl="8" marL="4114800" algn="ctr">
+            <a:lvl9pPr marL="4114800" lvl="8" indent="-317500" algn="ctr">
               <a:spcBef>
                 <a:spcPts val="1600"/>
               </a:spcBef>
@@ -3417,15 +3483,19 @@
               </a:defRPr>
             </a:lvl9pPr>
           </a:lstStyle>
-          <a:p/>
+          <a:p>
+            <a:endParaRPr/>
+          </a:p>
         </p:txBody>
       </p:sp>
       <p:sp>
         <p:nvSpPr>
           <p:cNvPr id="78" name="Google Shape;78;p11"/>
-          <p:cNvSpPr txBox="1"/>
+          <p:cNvSpPr txBox="1">
+            <a:spLocks noGrp="1"/>
+          </p:cNvSpPr>
           <p:nvPr>
-            <p:ph idx="12" type="sldNum"/>
+            <p:ph type="sldNum" idx="12"/>
           </p:nvPr>
         </p:nvSpPr>
         <p:spPr>
@@ -3438,7 +3508,7 @@
           </a:prstGeom>
         </p:spPr>
         <p:txBody>
-          <a:bodyPr anchorCtr="0" anchor="ctr" bIns="91425" lIns="91425" spcFirstLastPara="1" rIns="91425" wrap="square" tIns="91425">
+          <a:bodyPr spcFirstLastPara="1" wrap="square" lIns="91425" tIns="91425" rIns="91425" bIns="91425" anchor="ctr" anchorCtr="0">
             <a:noAutofit/>
           </a:bodyPr>
           <a:lstStyle>
@@ -3480,7 +3550,7 @@
             </a:lvl9pPr>
           </a:lstStyle>
           <a:p>
-            <a:pPr indent="0" lvl="0" marL="0" rtl="0" algn="r">
+            <a:pPr marL="0" lvl="0" indent="0" algn="r" rtl="0">
               <a:spcBef>
                 <a:spcPts val="0"/>
               </a:spcBef>
@@ -3506,11 +3576,11 @@
 </file>
 
 <file path=ppt/slideLayouts/slideLayout11.xml><?xml version="1.0" encoding="utf-8"?>
-<p:sldLayout xmlns:a="http://schemas.openxmlformats.org/drawingml/2006/main" xmlns:r="http://schemas.openxmlformats.org/officeDocument/2006/relationships" xmlns:mc="http://schemas.openxmlformats.org/markup-compatibility/2006" xmlns:mv="urn:schemas-microsoft-com:mac:vml" xmlns:p="http://schemas.openxmlformats.org/presentationml/2006/main" xmlns:c="http://schemas.openxmlformats.org/drawingml/2006/chart" xmlns:dgm="http://schemas.openxmlformats.org/drawingml/2006/diagram" xmlns:o="urn:schemas-microsoft-com:office:office" xmlns:v="urn:schemas-microsoft-com:vml" xmlns:pvml="urn:schemas-microsoft-com:office:powerpoint" xmlns:com="http://schemas.openxmlformats.org/drawingml/2006/compatibility" xmlns:p14="http://schemas.microsoft.com/office/powerpoint/2010/main" xmlns:p15="http://schemas.microsoft.com/office/powerpoint/2012/main" matchingName="Blank" type="blank">
+<p:sldLayout xmlns:a="http://schemas.openxmlformats.org/drawingml/2006/main" xmlns:r="http://schemas.openxmlformats.org/officeDocument/2006/relationships" xmlns:p="http://schemas.openxmlformats.org/presentationml/2006/main" matchingName="Blank" type="blank">
   <p:cSld name="BLANK">
     <p:spTree>
       <p:nvGrpSpPr>
-        <p:cNvPr id="79" name="Shape 79"/>
+        <p:cNvPr id="1" name="Shape 79"/>
         <p:cNvGrpSpPr/>
         <p:nvPr/>
       </p:nvGrpSpPr>
@@ -3525,9 +3595,11 @@
       <p:sp>
         <p:nvSpPr>
           <p:cNvPr id="80" name="Google Shape;80;p12"/>
-          <p:cNvSpPr txBox="1"/>
+          <p:cNvSpPr txBox="1">
+            <a:spLocks noGrp="1"/>
+          </p:cNvSpPr>
           <p:nvPr>
-            <p:ph idx="12" type="sldNum"/>
+            <p:ph type="sldNum" idx="12"/>
           </p:nvPr>
         </p:nvSpPr>
         <p:spPr>
@@ -3540,7 +3612,7 @@
           </a:prstGeom>
         </p:spPr>
         <p:txBody>
-          <a:bodyPr anchorCtr="0" anchor="ctr" bIns="91425" lIns="91425" spcFirstLastPara="1" rIns="91425" wrap="square" tIns="91425">
+          <a:bodyPr spcFirstLastPara="1" wrap="square" lIns="91425" tIns="91425" rIns="91425" bIns="91425" anchor="ctr" anchorCtr="0">
             <a:noAutofit/>
           </a:bodyPr>
           <a:lstStyle>
@@ -3618,7 +3690,7 @@
             </a:lvl9pPr>
           </a:lstStyle>
           <a:p>
-            <a:pPr indent="0" lvl="0" marL="0" rtl="0" algn="r">
+            <a:pPr marL="0" lvl="0" indent="0" algn="r" rtl="0">
               <a:spcBef>
                 <a:spcPts val="0"/>
               </a:spcBef>
@@ -3644,18 +3716,19 @@
 </file>
 
 <file path=ppt/slideLayouts/slideLayout2.xml><?xml version="1.0" encoding="utf-8"?>
-<p:sldLayout xmlns:a="http://schemas.openxmlformats.org/drawingml/2006/main" xmlns:r="http://schemas.openxmlformats.org/officeDocument/2006/relationships" xmlns:mc="http://schemas.openxmlformats.org/markup-compatibility/2006" xmlns:mv="urn:schemas-microsoft-com:mac:vml" xmlns:p="http://schemas.openxmlformats.org/presentationml/2006/main" xmlns:c="http://schemas.openxmlformats.org/drawingml/2006/chart" xmlns:dgm="http://schemas.openxmlformats.org/drawingml/2006/diagram" xmlns:o="urn:schemas-microsoft-com:office:office" xmlns:v="urn:schemas-microsoft-com:vml" xmlns:pvml="urn:schemas-microsoft-com:office:powerpoint" xmlns:com="http://schemas.openxmlformats.org/drawingml/2006/compatibility" xmlns:p14="http://schemas.microsoft.com/office/powerpoint/2010/main" xmlns:p15="http://schemas.microsoft.com/office/powerpoint/2012/main" matchingName="Section header" type="secHead">
+<p:sldLayout xmlns:a="http://schemas.openxmlformats.org/drawingml/2006/main" xmlns:r="http://schemas.openxmlformats.org/officeDocument/2006/relationships" xmlns:p="http://schemas.openxmlformats.org/presentationml/2006/main" matchingName="Section header" type="secHead">
   <p:cSld name="SECTION_HEADER">
     <p:bg>
       <p:bgPr>
         <a:solidFill>
           <a:schemeClr val="dk1"/>
         </a:solidFill>
+        <a:effectLst/>
       </p:bgPr>
     </p:bg>
     <p:spTree>
       <p:nvGrpSpPr>
-        <p:cNvPr id="19" name="Shape 19"/>
+        <p:cNvPr id="1" name="Shape 19"/>
         <p:cNvGrpSpPr/>
         <p:nvPr/>
       </p:nvGrpSpPr>
@@ -3703,12 +3776,12 @@
             </a:ln>
           </p:spPr>
           <p:txBody>
-            <a:bodyPr anchorCtr="0" anchor="ctr" bIns="91425" lIns="91425" spcFirstLastPara="1" rIns="91425" wrap="square" tIns="91425">
+            <a:bodyPr spcFirstLastPara="1" wrap="square" lIns="91425" tIns="91425" rIns="91425" bIns="91425" anchor="ctr" anchorCtr="0">
               <a:noAutofit/>
             </a:bodyPr>
             <a:lstStyle/>
             <a:p>
-              <a:pPr indent="0" lvl="0" marL="0" rtl="0" algn="l">
+              <a:pPr marL="0" lvl="0" indent="0" algn="l" rtl="0">
                 <a:spcBef>
                   <a:spcPts val="0"/>
                 </a:spcBef>
@@ -3717,9 +3790,6 @@
                 </a:spcAft>
                 <a:buNone/>
               </a:pPr>
-              <a:r>
-                <a:t/>
-              </a:r>
               <a:endParaRPr/>
             </a:p>
           </p:txBody>
@@ -3746,12 +3816,12 @@
             </a:ln>
           </p:spPr>
           <p:txBody>
-            <a:bodyPr anchorCtr="0" anchor="ctr" bIns="91425" lIns="91425" spcFirstLastPara="1" rIns="91425" wrap="square" tIns="91425">
+            <a:bodyPr spcFirstLastPara="1" wrap="square" lIns="91425" tIns="91425" rIns="91425" bIns="91425" anchor="ctr" anchorCtr="0">
               <a:noAutofit/>
             </a:bodyPr>
             <a:lstStyle/>
             <a:p>
-              <a:pPr indent="0" lvl="0" marL="0" rtl="0" algn="l">
+              <a:pPr marL="0" lvl="0" indent="0" algn="l" rtl="0">
                 <a:spcBef>
                   <a:spcPts val="0"/>
                 </a:spcBef>
@@ -3760,9 +3830,6 @@
                 </a:spcAft>
                 <a:buNone/>
               </a:pPr>
-              <a:r>
-                <a:t/>
-              </a:r>
               <a:endParaRPr/>
             </a:p>
           </p:txBody>
@@ -3774,7 +3841,7 @@
             <p:nvPr/>
           </p:nvSpPr>
           <p:spPr>
-            <a:xfrm flipH="1" rot="10800000">
+            <a:xfrm rot="10800000" flipH="1">
               <a:off x="7113588" y="107"/>
               <a:ext cx="1015200" cy="1015200"/>
             </a:xfrm>
@@ -3789,12 +3856,12 @@
             </a:ln>
           </p:spPr>
           <p:txBody>
-            <a:bodyPr anchorCtr="0" anchor="ctr" bIns="91425" lIns="91425" spcFirstLastPara="1" rIns="91425" wrap="square" tIns="91425">
+            <a:bodyPr spcFirstLastPara="1" wrap="square" lIns="91425" tIns="91425" rIns="91425" bIns="91425" anchor="ctr" anchorCtr="0">
               <a:noAutofit/>
             </a:bodyPr>
             <a:lstStyle/>
             <a:p>
-              <a:pPr indent="0" lvl="0" marL="0" rtl="0" algn="l">
+              <a:pPr marL="0" lvl="0" indent="0" algn="l" rtl="0">
                 <a:spcBef>
                   <a:spcPts val="0"/>
                 </a:spcBef>
@@ -3803,9 +3870,6 @@
                 </a:spcAft>
                 <a:buNone/>
               </a:pPr>
-              <a:r>
-                <a:t/>
-              </a:r>
               <a:endParaRPr/>
             </a:p>
           </p:txBody>
@@ -3832,12 +3896,12 @@
             </a:ln>
           </p:spPr>
           <p:txBody>
-            <a:bodyPr anchorCtr="0" anchor="ctr" bIns="91425" lIns="91425" spcFirstLastPara="1" rIns="91425" wrap="square" tIns="91425">
+            <a:bodyPr spcFirstLastPara="1" wrap="square" lIns="91425" tIns="91425" rIns="91425" bIns="91425" anchor="ctr" anchorCtr="0">
               <a:noAutofit/>
             </a:bodyPr>
             <a:lstStyle/>
             <a:p>
-              <a:pPr indent="0" lvl="0" marL="0" rtl="0" algn="l">
+              <a:pPr marL="0" lvl="0" indent="0" algn="l" rtl="0">
                 <a:spcBef>
                   <a:spcPts val="0"/>
                 </a:spcBef>
@@ -3846,9 +3910,6 @@
                 </a:spcAft>
                 <a:buNone/>
               </a:pPr>
-              <a:r>
-                <a:t/>
-              </a:r>
               <a:endParaRPr/>
             </a:p>
           </p:txBody>
@@ -3875,12 +3936,12 @@
             </a:ln>
           </p:spPr>
           <p:txBody>
-            <a:bodyPr anchorCtr="0" anchor="ctr" bIns="91425" lIns="91425" spcFirstLastPara="1" rIns="91425" wrap="square" tIns="91425">
+            <a:bodyPr spcFirstLastPara="1" wrap="square" lIns="91425" tIns="91425" rIns="91425" bIns="91425" anchor="ctr" anchorCtr="0">
               <a:noAutofit/>
             </a:bodyPr>
             <a:lstStyle/>
             <a:p>
-              <a:pPr indent="0" lvl="0" marL="0" rtl="0" algn="l">
+              <a:pPr marL="0" lvl="0" indent="0" algn="l" rtl="0">
                 <a:spcBef>
                   <a:spcPts val="0"/>
                 </a:spcBef>
@@ -3889,9 +3950,6 @@
                 </a:spcAft>
                 <a:buNone/>
               </a:pPr>
-              <a:r>
-                <a:t/>
-              </a:r>
               <a:endParaRPr/>
             </a:p>
           </p:txBody>
@@ -3900,7 +3958,9 @@
       <p:sp>
         <p:nvSpPr>
           <p:cNvPr id="26" name="Google Shape;26;p3"/>
-          <p:cNvSpPr txBox="1"/>
+          <p:cNvSpPr txBox="1">
+            <a:spLocks noGrp="1"/>
+          </p:cNvSpPr>
           <p:nvPr>
             <p:ph type="title"/>
           </p:nvPr>
@@ -3915,7 +3975,7 @@
           </a:prstGeom>
         </p:spPr>
         <p:txBody>
-          <a:bodyPr anchorCtr="0" anchor="ctr" bIns="91425" lIns="91425" spcFirstLastPara="1" rIns="91425" wrap="square" tIns="91425"/>
+          <a:bodyPr spcFirstLastPara="1" wrap="square" lIns="91425" tIns="91425" rIns="91425" bIns="91425" anchor="ctr" anchorCtr="0"/>
           <a:lstStyle>
             <a:lvl1pPr lvl="0">
               <a:spcBef>
@@ -4080,15 +4140,19 @@
               </a:defRPr>
             </a:lvl9pPr>
           </a:lstStyle>
-          <a:p/>
+          <a:p>
+            <a:endParaRPr/>
+          </a:p>
         </p:txBody>
       </p:sp>
       <p:sp>
         <p:nvSpPr>
           <p:cNvPr id="27" name="Google Shape;27;p3"/>
-          <p:cNvSpPr txBox="1"/>
+          <p:cNvSpPr txBox="1">
+            <a:spLocks noGrp="1"/>
+          </p:cNvSpPr>
           <p:nvPr>
-            <p:ph idx="12" type="sldNum"/>
+            <p:ph type="sldNum" idx="12"/>
           </p:nvPr>
         </p:nvSpPr>
         <p:spPr>
@@ -4101,7 +4165,7 @@
           </a:prstGeom>
         </p:spPr>
         <p:txBody>
-          <a:bodyPr anchorCtr="0" anchor="ctr" bIns="91425" lIns="91425" spcFirstLastPara="1" rIns="91425" wrap="square" tIns="91425">
+          <a:bodyPr spcFirstLastPara="1" wrap="square" lIns="91425" tIns="91425" rIns="91425" bIns="91425" anchor="ctr" anchorCtr="0">
             <a:noAutofit/>
           </a:bodyPr>
           <a:lstStyle>
@@ -4143,7 +4207,7 @@
             </a:lvl9pPr>
           </a:lstStyle>
           <a:p>
-            <a:pPr indent="0" lvl="0" marL="0" rtl="0" algn="r">
+            <a:pPr marL="0" lvl="0" indent="0" algn="r" rtl="0">
               <a:spcBef>
                 <a:spcPts val="0"/>
               </a:spcBef>
@@ -4169,11 +4233,11 @@
 </file>
 
 <file path=ppt/slideLayouts/slideLayout3.xml><?xml version="1.0" encoding="utf-8"?>
-<p:sldLayout xmlns:a="http://schemas.openxmlformats.org/drawingml/2006/main" xmlns:r="http://schemas.openxmlformats.org/officeDocument/2006/relationships" xmlns:mc="http://schemas.openxmlformats.org/markup-compatibility/2006" xmlns:mv="urn:schemas-microsoft-com:mac:vml" xmlns:p="http://schemas.openxmlformats.org/presentationml/2006/main" xmlns:c="http://schemas.openxmlformats.org/drawingml/2006/chart" xmlns:dgm="http://schemas.openxmlformats.org/drawingml/2006/diagram" xmlns:o="urn:schemas-microsoft-com:office:office" xmlns:v="urn:schemas-microsoft-com:vml" xmlns:pvml="urn:schemas-microsoft-com:office:powerpoint" xmlns:com="http://schemas.openxmlformats.org/drawingml/2006/compatibility" xmlns:p14="http://schemas.microsoft.com/office/powerpoint/2010/main" xmlns:p15="http://schemas.microsoft.com/office/powerpoint/2012/main" matchingName="Title and body" type="tx">
+<p:sldLayout xmlns:a="http://schemas.openxmlformats.org/drawingml/2006/main" xmlns:r="http://schemas.openxmlformats.org/officeDocument/2006/relationships" xmlns:p="http://schemas.openxmlformats.org/presentationml/2006/main" matchingName="Title and body" type="tx">
   <p:cSld name="TITLE_AND_BODY">
     <p:spTree>
       <p:nvGrpSpPr>
-        <p:cNvPr id="28" name="Shape 28"/>
+        <p:cNvPr id="1" name="Shape 28"/>
         <p:cNvGrpSpPr/>
         <p:nvPr/>
       </p:nvGrpSpPr>
@@ -4221,12 +4285,12 @@
             </a:ln>
           </p:spPr>
           <p:txBody>
-            <a:bodyPr anchorCtr="0" anchor="ctr" bIns="91425" lIns="91425" spcFirstLastPara="1" rIns="91425" wrap="square" tIns="91425">
+            <a:bodyPr spcFirstLastPara="1" wrap="square" lIns="91425" tIns="91425" rIns="91425" bIns="91425" anchor="ctr" anchorCtr="0">
               <a:noAutofit/>
             </a:bodyPr>
             <a:lstStyle/>
             <a:p>
-              <a:pPr indent="0" lvl="0" marL="0" rtl="0" algn="l">
+              <a:pPr marL="0" lvl="0" indent="0" algn="l" rtl="0">
                 <a:spcBef>
                   <a:spcPts val="0"/>
                 </a:spcBef>
@@ -4235,9 +4299,6 @@
                 </a:spcAft>
                 <a:buNone/>
               </a:pPr>
-              <a:r>
-                <a:t/>
-              </a:r>
               <a:endParaRPr/>
             </a:p>
           </p:txBody>
@@ -4264,12 +4325,12 @@
             </a:ln>
           </p:spPr>
           <p:txBody>
-            <a:bodyPr anchorCtr="0" anchor="ctr" bIns="91425" lIns="91425" spcFirstLastPara="1" rIns="91425" wrap="square" tIns="91425">
+            <a:bodyPr spcFirstLastPara="1" wrap="square" lIns="91425" tIns="91425" rIns="91425" bIns="91425" anchor="ctr" anchorCtr="0">
               <a:noAutofit/>
             </a:bodyPr>
             <a:lstStyle/>
             <a:p>
-              <a:pPr indent="0" lvl="0" marL="0" rtl="0" algn="l">
+              <a:pPr marL="0" lvl="0" indent="0" algn="l" rtl="0">
                 <a:spcBef>
                   <a:spcPts val="0"/>
                 </a:spcBef>
@@ -4278,9 +4339,6 @@
                 </a:spcAft>
                 <a:buNone/>
               </a:pPr>
-              <a:r>
-                <a:t/>
-              </a:r>
               <a:endParaRPr/>
             </a:p>
           </p:txBody>
@@ -4307,12 +4365,12 @@
             </a:ln>
           </p:spPr>
           <p:txBody>
-            <a:bodyPr anchorCtr="0" anchor="ctr" bIns="91425" lIns="91425" spcFirstLastPara="1" rIns="91425" wrap="square" tIns="91425">
+            <a:bodyPr spcFirstLastPara="1" wrap="square" lIns="91425" tIns="91425" rIns="91425" bIns="91425" anchor="ctr" anchorCtr="0">
               <a:noAutofit/>
             </a:bodyPr>
             <a:lstStyle/>
             <a:p>
-              <a:pPr indent="0" lvl="0" marL="0" rtl="0" algn="l">
+              <a:pPr marL="0" lvl="0" indent="0" algn="l" rtl="0">
                 <a:spcBef>
                   <a:spcPts val="0"/>
                 </a:spcBef>
@@ -4321,9 +4379,6 @@
                 </a:spcAft>
                 <a:buNone/>
               </a:pPr>
-              <a:r>
-                <a:t/>
-              </a:r>
               <a:endParaRPr/>
             </a:p>
           </p:txBody>
@@ -4350,12 +4405,12 @@
             </a:ln>
           </p:spPr>
           <p:txBody>
-            <a:bodyPr anchorCtr="0" anchor="ctr" bIns="91425" lIns="91425" spcFirstLastPara="1" rIns="91425" wrap="square" tIns="91425">
+            <a:bodyPr spcFirstLastPara="1" wrap="square" lIns="91425" tIns="91425" rIns="91425" bIns="91425" anchor="ctr" anchorCtr="0">
               <a:noAutofit/>
             </a:bodyPr>
             <a:lstStyle/>
             <a:p>
-              <a:pPr indent="0" lvl="0" marL="0" rtl="0" algn="l">
+              <a:pPr marL="0" lvl="0" indent="0" algn="l" rtl="0">
                 <a:spcBef>
                   <a:spcPts val="0"/>
                 </a:spcBef>
@@ -4364,9 +4419,6 @@
                 </a:spcAft>
                 <a:buNone/>
               </a:pPr>
-              <a:r>
-                <a:t/>
-              </a:r>
               <a:endParaRPr/>
             </a:p>
           </p:txBody>
@@ -4393,12 +4445,12 @@
             </a:ln>
           </p:spPr>
           <p:txBody>
-            <a:bodyPr anchorCtr="0" anchor="ctr" bIns="91425" lIns="91425" spcFirstLastPara="1" rIns="91425" wrap="square" tIns="91425">
+            <a:bodyPr spcFirstLastPara="1" wrap="square" lIns="91425" tIns="91425" rIns="91425" bIns="91425" anchor="ctr" anchorCtr="0">
               <a:noAutofit/>
             </a:bodyPr>
             <a:lstStyle/>
             <a:p>
-              <a:pPr indent="0" lvl="0" marL="0" rtl="0" algn="l">
+              <a:pPr marL="0" lvl="0" indent="0" algn="l" rtl="0">
                 <a:spcBef>
                   <a:spcPts val="0"/>
                 </a:spcBef>
@@ -4407,9 +4459,6 @@
                 </a:spcAft>
                 <a:buNone/>
               </a:pPr>
-              <a:r>
-                <a:t/>
-              </a:r>
               <a:endParaRPr/>
             </a:p>
           </p:txBody>
@@ -4418,7 +4467,9 @@
       <p:sp>
         <p:nvSpPr>
           <p:cNvPr id="35" name="Google Shape;35;p4"/>
-          <p:cNvSpPr txBox="1"/>
+          <p:cNvSpPr txBox="1">
+            <a:spLocks noGrp="1"/>
+          </p:cNvSpPr>
           <p:nvPr>
             <p:ph type="title"/>
           </p:nvPr>
@@ -4433,7 +4484,7 @@
           </a:prstGeom>
         </p:spPr>
         <p:txBody>
-          <a:bodyPr anchorCtr="0" anchor="t" bIns="91425" lIns="91425" spcFirstLastPara="1" rIns="91425" wrap="square" tIns="91425"/>
+          <a:bodyPr spcFirstLastPara="1" wrap="square" lIns="91425" tIns="91425" rIns="91425" bIns="91425" anchor="t" anchorCtr="0"/>
           <a:lstStyle>
             <a:lvl1pPr lvl="0">
               <a:spcBef>
@@ -4535,15 +4586,19 @@
               <a:defRPr/>
             </a:lvl9pPr>
           </a:lstStyle>
-          <a:p/>
+          <a:p>
+            <a:endParaRPr/>
+          </a:p>
         </p:txBody>
       </p:sp>
       <p:sp>
         <p:nvSpPr>
           <p:cNvPr id="36" name="Google Shape;36;p4"/>
-          <p:cNvSpPr txBox="1"/>
+          <p:cNvSpPr txBox="1">
+            <a:spLocks noGrp="1"/>
+          </p:cNvSpPr>
           <p:nvPr>
-            <p:ph idx="1" type="body"/>
+            <p:ph type="body" idx="1"/>
           </p:nvPr>
         </p:nvSpPr>
         <p:spPr>
@@ -4556,9 +4611,9 @@
           </a:prstGeom>
         </p:spPr>
         <p:txBody>
-          <a:bodyPr anchorCtr="0" anchor="t" bIns="91425" lIns="91425" spcFirstLastPara="1" rIns="91425" wrap="square" tIns="91425"/>
+          <a:bodyPr spcFirstLastPara="1" wrap="square" lIns="91425" tIns="91425" rIns="91425" bIns="91425" anchor="t" anchorCtr="0"/>
           <a:lstStyle>
-            <a:lvl1pPr indent="-342900" lvl="0" marL="457200">
+            <a:lvl1pPr marL="457200" lvl="0" indent="-342900">
               <a:spcBef>
                 <a:spcPts val="0"/>
               </a:spcBef>
@@ -4569,7 +4624,7 @@
               <a:buChar char="●"/>
               <a:defRPr/>
             </a:lvl1pPr>
-            <a:lvl2pPr indent="-317500" lvl="1" marL="914400">
+            <a:lvl2pPr marL="914400" lvl="1" indent="-317500">
               <a:spcBef>
                 <a:spcPts val="1600"/>
               </a:spcBef>
@@ -4580,7 +4635,7 @@
               <a:buChar char="○"/>
               <a:defRPr/>
             </a:lvl2pPr>
-            <a:lvl3pPr indent="-317500" lvl="2" marL="1371600">
+            <a:lvl3pPr marL="1371600" lvl="2" indent="-317500">
               <a:spcBef>
                 <a:spcPts val="1600"/>
               </a:spcBef>
@@ -4591,7 +4646,7 @@
               <a:buChar char="■"/>
               <a:defRPr/>
             </a:lvl3pPr>
-            <a:lvl4pPr indent="-317500" lvl="3" marL="1828800">
+            <a:lvl4pPr marL="1828800" lvl="3" indent="-317500">
               <a:spcBef>
                 <a:spcPts val="1600"/>
               </a:spcBef>
@@ -4602,7 +4657,7 @@
               <a:buChar char="●"/>
               <a:defRPr/>
             </a:lvl4pPr>
-            <a:lvl5pPr indent="-317500" lvl="4" marL="2286000">
+            <a:lvl5pPr marL="2286000" lvl="4" indent="-317500">
               <a:spcBef>
                 <a:spcPts val="1600"/>
               </a:spcBef>
@@ -4613,7 +4668,7 @@
               <a:buChar char="○"/>
               <a:defRPr/>
             </a:lvl5pPr>
-            <a:lvl6pPr indent="-317500" lvl="5" marL="2743200">
+            <a:lvl6pPr marL="2743200" lvl="5" indent="-317500">
               <a:spcBef>
                 <a:spcPts val="1600"/>
               </a:spcBef>
@@ -4624,7 +4679,7 @@
               <a:buChar char="■"/>
               <a:defRPr/>
             </a:lvl6pPr>
-            <a:lvl7pPr indent="-317500" lvl="6" marL="3200400">
+            <a:lvl7pPr marL="3200400" lvl="6" indent="-317500">
               <a:spcBef>
                 <a:spcPts val="1600"/>
               </a:spcBef>
@@ -4635,7 +4690,7 @@
               <a:buChar char="●"/>
               <a:defRPr/>
             </a:lvl7pPr>
-            <a:lvl8pPr indent="-317500" lvl="7" marL="3657600">
+            <a:lvl8pPr marL="3657600" lvl="7" indent="-317500">
               <a:spcBef>
                 <a:spcPts val="1600"/>
               </a:spcBef>
@@ -4646,7 +4701,7 @@
               <a:buChar char="○"/>
               <a:defRPr/>
             </a:lvl8pPr>
-            <a:lvl9pPr indent="-317500" lvl="8" marL="4114800">
+            <a:lvl9pPr marL="4114800" lvl="8" indent="-317500">
               <a:spcBef>
                 <a:spcPts val="1600"/>
               </a:spcBef>
@@ -4658,15 +4713,19 @@
               <a:defRPr/>
             </a:lvl9pPr>
           </a:lstStyle>
-          <a:p/>
+          <a:p>
+            <a:endParaRPr/>
+          </a:p>
         </p:txBody>
       </p:sp>
       <p:sp>
         <p:nvSpPr>
           <p:cNvPr id="37" name="Google Shape;37;p4"/>
-          <p:cNvSpPr txBox="1"/>
+          <p:cNvSpPr txBox="1">
+            <a:spLocks noGrp="1"/>
+          </p:cNvSpPr>
           <p:nvPr>
-            <p:ph idx="12" type="sldNum"/>
+            <p:ph type="sldNum" idx="12"/>
           </p:nvPr>
         </p:nvSpPr>
         <p:spPr>
@@ -4679,7 +4738,7 @@
           </a:prstGeom>
         </p:spPr>
         <p:txBody>
-          <a:bodyPr anchorCtr="0" anchor="ctr" bIns="91425" lIns="91425" spcFirstLastPara="1" rIns="91425" wrap="square" tIns="91425">
+          <a:bodyPr spcFirstLastPara="1" wrap="square" lIns="91425" tIns="91425" rIns="91425" bIns="91425" anchor="ctr" anchorCtr="0">
             <a:noAutofit/>
           </a:bodyPr>
           <a:lstStyle>
@@ -4721,7 +4780,7 @@
             </a:lvl9pPr>
           </a:lstStyle>
           <a:p>
-            <a:pPr indent="0" lvl="0" marL="0" rtl="0" algn="r">
+            <a:pPr marL="0" lvl="0" indent="0" algn="r" rtl="0">
               <a:spcBef>
                 <a:spcPts val="0"/>
               </a:spcBef>
@@ -4747,11 +4806,11 @@
 </file>
 
 <file path=ppt/slideLayouts/slideLayout4.xml><?xml version="1.0" encoding="utf-8"?>
-<p:sldLayout xmlns:a="http://schemas.openxmlformats.org/drawingml/2006/main" xmlns:r="http://schemas.openxmlformats.org/officeDocument/2006/relationships" xmlns:mc="http://schemas.openxmlformats.org/markup-compatibility/2006" xmlns:mv="urn:schemas-microsoft-com:mac:vml" xmlns:p="http://schemas.openxmlformats.org/presentationml/2006/main" xmlns:c="http://schemas.openxmlformats.org/drawingml/2006/chart" xmlns:dgm="http://schemas.openxmlformats.org/drawingml/2006/diagram" xmlns:o="urn:schemas-microsoft-com:office:office" xmlns:v="urn:schemas-microsoft-com:vml" xmlns:pvml="urn:schemas-microsoft-com:office:powerpoint" xmlns:com="http://schemas.openxmlformats.org/drawingml/2006/compatibility" xmlns:p14="http://schemas.microsoft.com/office/powerpoint/2010/main" xmlns:p15="http://schemas.microsoft.com/office/powerpoint/2012/main" matchingName="Title and two columns" type="twoColTx">
+<p:sldLayout xmlns:a="http://schemas.openxmlformats.org/drawingml/2006/main" xmlns:r="http://schemas.openxmlformats.org/officeDocument/2006/relationships" xmlns:p="http://schemas.openxmlformats.org/presentationml/2006/main" matchingName="Title and two columns" type="twoColTx">
   <p:cSld name="TITLE_AND_TWO_COLUMNS">
     <p:spTree>
       <p:nvGrpSpPr>
-        <p:cNvPr id="38" name="Shape 38"/>
+        <p:cNvPr id="1" name="Shape 38"/>
         <p:cNvGrpSpPr/>
         <p:nvPr/>
       </p:nvGrpSpPr>
@@ -4766,7 +4825,9 @@
       <p:sp>
         <p:nvSpPr>
           <p:cNvPr id="39" name="Google Shape;39;p5"/>
-          <p:cNvSpPr txBox="1"/>
+          <p:cNvSpPr txBox="1">
+            <a:spLocks noGrp="1"/>
+          </p:cNvSpPr>
           <p:nvPr>
             <p:ph type="title"/>
           </p:nvPr>
@@ -4781,7 +4842,7 @@
           </a:prstGeom>
         </p:spPr>
         <p:txBody>
-          <a:bodyPr anchorCtr="0" anchor="t" bIns="91425" lIns="91425" spcFirstLastPara="1" rIns="91425" wrap="square" tIns="91425"/>
+          <a:bodyPr spcFirstLastPara="1" wrap="square" lIns="91425" tIns="91425" rIns="91425" bIns="91425" anchor="t" anchorCtr="0"/>
           <a:lstStyle>
             <a:lvl1pPr lvl="0">
               <a:spcBef>
@@ -4883,15 +4944,19 @@
               <a:defRPr/>
             </a:lvl9pPr>
           </a:lstStyle>
-          <a:p/>
+          <a:p>
+            <a:endParaRPr/>
+          </a:p>
         </p:txBody>
       </p:sp>
       <p:sp>
         <p:nvSpPr>
           <p:cNvPr id="40" name="Google Shape;40;p5"/>
-          <p:cNvSpPr txBox="1"/>
+          <p:cNvSpPr txBox="1">
+            <a:spLocks noGrp="1"/>
+          </p:cNvSpPr>
           <p:nvPr>
-            <p:ph idx="1" type="body"/>
+            <p:ph type="body" idx="1"/>
           </p:nvPr>
         </p:nvSpPr>
         <p:spPr>
@@ -4904,9 +4969,9 @@
           </a:prstGeom>
         </p:spPr>
         <p:txBody>
-          <a:bodyPr anchorCtr="0" anchor="t" bIns="91425" lIns="91425" spcFirstLastPara="1" rIns="91425" wrap="square" tIns="91425"/>
+          <a:bodyPr spcFirstLastPara="1" wrap="square" lIns="91425" tIns="91425" rIns="91425" bIns="91425" anchor="t" anchorCtr="0"/>
           <a:lstStyle>
-            <a:lvl1pPr indent="-317500" lvl="0" marL="457200">
+            <a:lvl1pPr marL="457200" lvl="0" indent="-317500">
               <a:spcBef>
                 <a:spcPts val="0"/>
               </a:spcBef>
@@ -4917,7 +4982,7 @@
               <a:buChar char="●"/>
               <a:defRPr sz="1400"/>
             </a:lvl1pPr>
-            <a:lvl2pPr indent="-304800" lvl="1" marL="914400">
+            <a:lvl2pPr marL="914400" lvl="1" indent="-304800">
               <a:spcBef>
                 <a:spcPts val="1600"/>
               </a:spcBef>
@@ -4928,7 +4993,7 @@
               <a:buChar char="○"/>
               <a:defRPr sz="1200"/>
             </a:lvl2pPr>
-            <a:lvl3pPr indent="-304800" lvl="2" marL="1371600">
+            <a:lvl3pPr marL="1371600" lvl="2" indent="-304800">
               <a:spcBef>
                 <a:spcPts val="1600"/>
               </a:spcBef>
@@ -4939,7 +5004,7 @@
               <a:buChar char="■"/>
               <a:defRPr sz="1200"/>
             </a:lvl3pPr>
-            <a:lvl4pPr indent="-304800" lvl="3" marL="1828800">
+            <a:lvl4pPr marL="1828800" lvl="3" indent="-304800">
               <a:spcBef>
                 <a:spcPts val="1600"/>
               </a:spcBef>
@@ -4950,7 +5015,7 @@
               <a:buChar char="●"/>
               <a:defRPr sz="1200"/>
             </a:lvl4pPr>
-            <a:lvl5pPr indent="-304800" lvl="4" marL="2286000">
+            <a:lvl5pPr marL="2286000" lvl="4" indent="-304800">
               <a:spcBef>
                 <a:spcPts val="1600"/>
               </a:spcBef>
@@ -4961,7 +5026,7 @@
               <a:buChar char="○"/>
               <a:defRPr sz="1200"/>
             </a:lvl5pPr>
-            <a:lvl6pPr indent="-304800" lvl="5" marL="2743200">
+            <a:lvl6pPr marL="2743200" lvl="5" indent="-304800">
               <a:spcBef>
                 <a:spcPts val="1600"/>
               </a:spcBef>
@@ -4972,7 +5037,7 @@
               <a:buChar char="■"/>
               <a:defRPr sz="1200"/>
             </a:lvl6pPr>
-            <a:lvl7pPr indent="-304800" lvl="6" marL="3200400">
+            <a:lvl7pPr marL="3200400" lvl="6" indent="-304800">
               <a:spcBef>
                 <a:spcPts val="1600"/>
               </a:spcBef>
@@ -4983,7 +5048,7 @@
               <a:buChar char="●"/>
               <a:defRPr sz="1200"/>
             </a:lvl7pPr>
-            <a:lvl8pPr indent="-304800" lvl="7" marL="3657600">
+            <a:lvl8pPr marL="3657600" lvl="7" indent="-304800">
               <a:spcBef>
                 <a:spcPts val="1600"/>
               </a:spcBef>
@@ -4994,7 +5059,7 @@
               <a:buChar char="○"/>
               <a:defRPr sz="1200"/>
             </a:lvl8pPr>
-            <a:lvl9pPr indent="-304800" lvl="8" marL="4114800">
+            <a:lvl9pPr marL="4114800" lvl="8" indent="-304800">
               <a:spcBef>
                 <a:spcPts val="1600"/>
               </a:spcBef>
@@ -5006,15 +5071,19 @@
               <a:defRPr sz="1200"/>
             </a:lvl9pPr>
           </a:lstStyle>
-          <a:p/>
+          <a:p>
+            <a:endParaRPr/>
+          </a:p>
         </p:txBody>
       </p:sp>
       <p:sp>
         <p:nvSpPr>
           <p:cNvPr id="41" name="Google Shape;41;p5"/>
-          <p:cNvSpPr txBox="1"/>
+          <p:cNvSpPr txBox="1">
+            <a:spLocks noGrp="1"/>
+          </p:cNvSpPr>
           <p:nvPr>
-            <p:ph idx="2" type="body"/>
+            <p:ph type="body" idx="2"/>
           </p:nvPr>
         </p:nvSpPr>
         <p:spPr>
@@ -5027,9 +5096,9 @@
           </a:prstGeom>
         </p:spPr>
         <p:txBody>
-          <a:bodyPr anchorCtr="0" anchor="t" bIns="91425" lIns="91425" spcFirstLastPara="1" rIns="91425" wrap="square" tIns="91425"/>
+          <a:bodyPr spcFirstLastPara="1" wrap="square" lIns="91425" tIns="91425" rIns="91425" bIns="91425" anchor="t" anchorCtr="0"/>
           <a:lstStyle>
-            <a:lvl1pPr indent="-317500" lvl="0" marL="457200">
+            <a:lvl1pPr marL="457200" lvl="0" indent="-317500">
               <a:spcBef>
                 <a:spcPts val="0"/>
               </a:spcBef>
@@ -5040,7 +5109,7 @@
               <a:buChar char="●"/>
               <a:defRPr sz="1400"/>
             </a:lvl1pPr>
-            <a:lvl2pPr indent="-304800" lvl="1" marL="914400">
+            <a:lvl2pPr marL="914400" lvl="1" indent="-304800">
               <a:spcBef>
                 <a:spcPts val="1600"/>
               </a:spcBef>
@@ -5051,7 +5120,7 @@
               <a:buChar char="○"/>
               <a:defRPr sz="1200"/>
             </a:lvl2pPr>
-            <a:lvl3pPr indent="-304800" lvl="2" marL="1371600">
+            <a:lvl3pPr marL="1371600" lvl="2" indent="-304800">
               <a:spcBef>
                 <a:spcPts val="1600"/>
               </a:spcBef>
@@ -5062,7 +5131,7 @@
               <a:buChar char="■"/>
               <a:defRPr sz="1200"/>
             </a:lvl3pPr>
-            <a:lvl4pPr indent="-304800" lvl="3" marL="1828800">
+            <a:lvl4pPr marL="1828800" lvl="3" indent="-304800">
               <a:spcBef>
                 <a:spcPts val="1600"/>
               </a:spcBef>
@@ -5073,7 +5142,7 @@
               <a:buChar char="●"/>
               <a:defRPr sz="1200"/>
             </a:lvl4pPr>
-            <a:lvl5pPr indent="-304800" lvl="4" marL="2286000">
+            <a:lvl5pPr marL="2286000" lvl="4" indent="-304800">
               <a:spcBef>
                 <a:spcPts val="1600"/>
               </a:spcBef>
@@ -5084,7 +5153,7 @@
               <a:buChar char="○"/>
               <a:defRPr sz="1200"/>
             </a:lvl5pPr>
-            <a:lvl6pPr indent="-304800" lvl="5" marL="2743200">
+            <a:lvl6pPr marL="2743200" lvl="5" indent="-304800">
               <a:spcBef>
                 <a:spcPts val="1600"/>
               </a:spcBef>
@@ -5095,7 +5164,7 @@
               <a:buChar char="■"/>
               <a:defRPr sz="1200"/>
             </a:lvl6pPr>
-            <a:lvl7pPr indent="-304800" lvl="6" marL="3200400">
+            <a:lvl7pPr marL="3200400" lvl="6" indent="-304800">
               <a:spcBef>
                 <a:spcPts val="1600"/>
               </a:spcBef>
@@ -5106,7 +5175,7 @@
               <a:buChar char="●"/>
               <a:defRPr sz="1200"/>
             </a:lvl7pPr>
-            <a:lvl8pPr indent="-304800" lvl="7" marL="3657600">
+            <a:lvl8pPr marL="3657600" lvl="7" indent="-304800">
               <a:spcBef>
                 <a:spcPts val="1600"/>
               </a:spcBef>
@@ -5117,7 +5186,7 @@
               <a:buChar char="○"/>
               <a:defRPr sz="1200"/>
             </a:lvl8pPr>
-            <a:lvl9pPr indent="-304800" lvl="8" marL="4114800">
+            <a:lvl9pPr marL="4114800" lvl="8" indent="-304800">
               <a:spcBef>
                 <a:spcPts val="1600"/>
               </a:spcBef>
@@ -5129,15 +5198,19 @@
               <a:defRPr sz="1200"/>
             </a:lvl9pPr>
           </a:lstStyle>
-          <a:p/>
+          <a:p>
+            <a:endParaRPr/>
+          </a:p>
         </p:txBody>
       </p:sp>
       <p:sp>
         <p:nvSpPr>
           <p:cNvPr id="42" name="Google Shape;42;p5"/>
-          <p:cNvSpPr txBox="1"/>
+          <p:cNvSpPr txBox="1">
+            <a:spLocks noGrp="1"/>
+          </p:cNvSpPr>
           <p:nvPr>
-            <p:ph idx="12" type="sldNum"/>
+            <p:ph type="sldNum" idx="12"/>
           </p:nvPr>
         </p:nvSpPr>
         <p:spPr>
@@ -5150,7 +5223,7 @@
           </a:prstGeom>
         </p:spPr>
         <p:txBody>
-          <a:bodyPr anchorCtr="0" anchor="ctr" bIns="91425" lIns="91425" spcFirstLastPara="1" rIns="91425" wrap="square" tIns="91425">
+          <a:bodyPr spcFirstLastPara="1" wrap="square" lIns="91425" tIns="91425" rIns="91425" bIns="91425" anchor="ctr" anchorCtr="0">
             <a:noAutofit/>
           </a:bodyPr>
           <a:lstStyle>
@@ -5228,7 +5301,7 @@
             </a:lvl9pPr>
           </a:lstStyle>
           <a:p>
-            <a:pPr indent="0" lvl="0" marL="0" rtl="0" algn="r">
+            <a:pPr marL="0" lvl="0" indent="0" algn="r" rtl="0">
               <a:spcBef>
                 <a:spcPts val="0"/>
               </a:spcBef>
@@ -5254,11 +5327,11 @@
 </file>
 
 <file path=ppt/slideLayouts/slideLayout5.xml><?xml version="1.0" encoding="utf-8"?>
-<p:sldLayout xmlns:a="http://schemas.openxmlformats.org/drawingml/2006/main" xmlns:r="http://schemas.openxmlformats.org/officeDocument/2006/relationships" xmlns:mc="http://schemas.openxmlformats.org/markup-compatibility/2006" xmlns:mv="urn:schemas-microsoft-com:mac:vml" xmlns:p="http://schemas.openxmlformats.org/presentationml/2006/main" xmlns:c="http://schemas.openxmlformats.org/drawingml/2006/chart" xmlns:dgm="http://schemas.openxmlformats.org/drawingml/2006/diagram" xmlns:o="urn:schemas-microsoft-com:office:office" xmlns:v="urn:schemas-microsoft-com:vml" xmlns:pvml="urn:schemas-microsoft-com:office:powerpoint" xmlns:com="http://schemas.openxmlformats.org/drawingml/2006/compatibility" xmlns:p14="http://schemas.microsoft.com/office/powerpoint/2010/main" xmlns:p15="http://schemas.microsoft.com/office/powerpoint/2012/main" matchingName="Title only" type="titleOnly">
+<p:sldLayout xmlns:a="http://schemas.openxmlformats.org/drawingml/2006/main" xmlns:r="http://schemas.openxmlformats.org/officeDocument/2006/relationships" xmlns:p="http://schemas.openxmlformats.org/presentationml/2006/main" matchingName="Title only" type="titleOnly">
   <p:cSld name="TITLE_ONLY">
     <p:spTree>
       <p:nvGrpSpPr>
-        <p:cNvPr id="43" name="Shape 43"/>
+        <p:cNvPr id="1" name="Shape 43"/>
         <p:cNvGrpSpPr/>
         <p:nvPr/>
       </p:nvGrpSpPr>
@@ -5273,7 +5346,9 @@
       <p:sp>
         <p:nvSpPr>
           <p:cNvPr id="44" name="Google Shape;44;p6"/>
-          <p:cNvSpPr txBox="1"/>
+          <p:cNvSpPr txBox="1">
+            <a:spLocks noGrp="1"/>
+          </p:cNvSpPr>
           <p:nvPr>
             <p:ph type="title"/>
           </p:nvPr>
@@ -5288,7 +5363,7 @@
           </a:prstGeom>
         </p:spPr>
         <p:txBody>
-          <a:bodyPr anchorCtr="0" anchor="t" bIns="91425" lIns="91425" spcFirstLastPara="1" rIns="91425" wrap="square" tIns="91425"/>
+          <a:bodyPr spcFirstLastPara="1" wrap="square" lIns="91425" tIns="91425" rIns="91425" bIns="91425" anchor="t" anchorCtr="0"/>
           <a:lstStyle>
             <a:lvl1pPr lvl="0">
               <a:spcBef>
@@ -5390,15 +5465,19 @@
               <a:defRPr/>
             </a:lvl9pPr>
           </a:lstStyle>
-          <a:p/>
+          <a:p>
+            <a:endParaRPr/>
+          </a:p>
         </p:txBody>
       </p:sp>
       <p:sp>
         <p:nvSpPr>
           <p:cNvPr id="45" name="Google Shape;45;p6"/>
-          <p:cNvSpPr txBox="1"/>
+          <p:cNvSpPr txBox="1">
+            <a:spLocks noGrp="1"/>
+          </p:cNvSpPr>
           <p:nvPr>
-            <p:ph idx="12" type="sldNum"/>
+            <p:ph type="sldNum" idx="12"/>
           </p:nvPr>
         </p:nvSpPr>
         <p:spPr>
@@ -5411,7 +5490,7 @@
           </a:prstGeom>
         </p:spPr>
         <p:txBody>
-          <a:bodyPr anchorCtr="0" anchor="ctr" bIns="91425" lIns="91425" spcFirstLastPara="1" rIns="91425" wrap="square" tIns="91425">
+          <a:bodyPr spcFirstLastPara="1" wrap="square" lIns="91425" tIns="91425" rIns="91425" bIns="91425" anchor="ctr" anchorCtr="0">
             <a:noAutofit/>
           </a:bodyPr>
           <a:lstStyle>
@@ -5489,7 +5568,7 @@
             </a:lvl9pPr>
           </a:lstStyle>
           <a:p>
-            <a:pPr indent="0" lvl="0" marL="0" rtl="0" algn="r">
+            <a:pPr marL="0" lvl="0" indent="0" algn="r" rtl="0">
               <a:spcBef>
                 <a:spcPts val="0"/>
               </a:spcBef>
@@ -5515,11 +5594,11 @@
 </file>
 
 <file path=ppt/slideLayouts/slideLayout6.xml><?xml version="1.0" encoding="utf-8"?>
-<p:sldLayout xmlns:a="http://schemas.openxmlformats.org/drawingml/2006/main" xmlns:r="http://schemas.openxmlformats.org/officeDocument/2006/relationships" xmlns:mc="http://schemas.openxmlformats.org/markup-compatibility/2006" xmlns:mv="urn:schemas-microsoft-com:mac:vml" xmlns:p="http://schemas.openxmlformats.org/presentationml/2006/main" xmlns:c="http://schemas.openxmlformats.org/drawingml/2006/chart" xmlns:dgm="http://schemas.openxmlformats.org/drawingml/2006/diagram" xmlns:o="urn:schemas-microsoft-com:office:office" xmlns:v="urn:schemas-microsoft-com:vml" xmlns:pvml="urn:schemas-microsoft-com:office:powerpoint" xmlns:com="http://schemas.openxmlformats.org/drawingml/2006/compatibility" xmlns:p14="http://schemas.microsoft.com/office/powerpoint/2010/main" xmlns:p15="http://schemas.microsoft.com/office/powerpoint/2012/main" matchingName="One column text">
+<p:sldLayout xmlns:a="http://schemas.openxmlformats.org/drawingml/2006/main" xmlns:r="http://schemas.openxmlformats.org/officeDocument/2006/relationships" xmlns:p="http://schemas.openxmlformats.org/presentationml/2006/main" matchingName="One column text">
   <p:cSld name="ONE_COLUMN_TEXT">
     <p:spTree>
       <p:nvGrpSpPr>
-        <p:cNvPr id="46" name="Shape 46"/>
+        <p:cNvPr id="1" name="Shape 46"/>
         <p:cNvGrpSpPr/>
         <p:nvPr/>
       </p:nvGrpSpPr>
@@ -5534,7 +5613,9 @@
       <p:sp>
         <p:nvSpPr>
           <p:cNvPr id="47" name="Google Shape;47;p7"/>
-          <p:cNvSpPr txBox="1"/>
+          <p:cNvSpPr txBox="1">
+            <a:spLocks noGrp="1"/>
+          </p:cNvSpPr>
           <p:nvPr>
             <p:ph type="title"/>
           </p:nvPr>
@@ -5549,7 +5630,7 @@
           </a:prstGeom>
         </p:spPr>
         <p:txBody>
-          <a:bodyPr anchorCtr="0" anchor="b" bIns="91425" lIns="91425" spcFirstLastPara="1" rIns="91425" wrap="square" tIns="91425"/>
+          <a:bodyPr spcFirstLastPara="1" wrap="square" lIns="91425" tIns="91425" rIns="91425" bIns="91425" anchor="b" anchorCtr="0"/>
           <a:lstStyle>
             <a:lvl1pPr lvl="0">
               <a:spcBef>
@@ -5651,15 +5732,19 @@
               <a:defRPr sz="2400"/>
             </a:lvl9pPr>
           </a:lstStyle>
-          <a:p/>
+          <a:p>
+            <a:endParaRPr/>
+          </a:p>
         </p:txBody>
       </p:sp>
       <p:sp>
         <p:nvSpPr>
           <p:cNvPr id="48" name="Google Shape;48;p7"/>
-          <p:cNvSpPr txBox="1"/>
+          <p:cNvSpPr txBox="1">
+            <a:spLocks noGrp="1"/>
+          </p:cNvSpPr>
           <p:nvPr>
-            <p:ph idx="1" type="body"/>
+            <p:ph type="body" idx="1"/>
           </p:nvPr>
         </p:nvSpPr>
         <p:spPr>
@@ -5672,9 +5757,9 @@
           </a:prstGeom>
         </p:spPr>
         <p:txBody>
-          <a:bodyPr anchorCtr="0" anchor="t" bIns="91425" lIns="91425" spcFirstLastPara="1" rIns="91425" wrap="square" tIns="91425"/>
+          <a:bodyPr spcFirstLastPara="1" wrap="square" lIns="91425" tIns="91425" rIns="91425" bIns="91425" anchor="t" anchorCtr="0"/>
           <a:lstStyle>
-            <a:lvl1pPr indent="-304800" lvl="0" marL="457200">
+            <a:lvl1pPr marL="457200" lvl="0" indent="-304800">
               <a:spcBef>
                 <a:spcPts val="0"/>
               </a:spcBef>
@@ -5685,7 +5770,7 @@
               <a:buChar char="●"/>
               <a:defRPr sz="1200"/>
             </a:lvl1pPr>
-            <a:lvl2pPr indent="-304800" lvl="1" marL="914400">
+            <a:lvl2pPr marL="914400" lvl="1" indent="-304800">
               <a:spcBef>
                 <a:spcPts val="1600"/>
               </a:spcBef>
@@ -5696,7 +5781,7 @@
               <a:buChar char="○"/>
               <a:defRPr sz="1200"/>
             </a:lvl2pPr>
-            <a:lvl3pPr indent="-304800" lvl="2" marL="1371600">
+            <a:lvl3pPr marL="1371600" lvl="2" indent="-304800">
               <a:spcBef>
                 <a:spcPts val="1600"/>
               </a:spcBef>
@@ -5707,7 +5792,7 @@
               <a:buChar char="■"/>
               <a:defRPr sz="1200"/>
             </a:lvl3pPr>
-            <a:lvl4pPr indent="-304800" lvl="3" marL="1828800">
+            <a:lvl4pPr marL="1828800" lvl="3" indent="-304800">
               <a:spcBef>
                 <a:spcPts val="1600"/>
               </a:spcBef>
@@ -5718,7 +5803,7 @@
               <a:buChar char="●"/>
               <a:defRPr sz="1200"/>
             </a:lvl4pPr>
-            <a:lvl5pPr indent="-304800" lvl="4" marL="2286000">
+            <a:lvl5pPr marL="2286000" lvl="4" indent="-304800">
               <a:spcBef>
                 <a:spcPts val="1600"/>
               </a:spcBef>
@@ -5729,7 +5814,7 @@
               <a:buChar char="○"/>
               <a:defRPr sz="1200"/>
             </a:lvl5pPr>
-            <a:lvl6pPr indent="-304800" lvl="5" marL="2743200">
+            <a:lvl6pPr marL="2743200" lvl="5" indent="-304800">
               <a:spcBef>
                 <a:spcPts val="1600"/>
               </a:spcBef>
@@ -5740,7 +5825,7 @@
               <a:buChar char="■"/>
               <a:defRPr sz="1200"/>
             </a:lvl6pPr>
-            <a:lvl7pPr indent="-304800" lvl="6" marL="3200400">
+            <a:lvl7pPr marL="3200400" lvl="6" indent="-304800">
               <a:spcBef>
                 <a:spcPts val="1600"/>
               </a:spcBef>
@@ -5751,7 +5836,7 @@
               <a:buChar char="●"/>
               <a:defRPr sz="1200"/>
             </a:lvl7pPr>
-            <a:lvl8pPr indent="-304800" lvl="7" marL="3657600">
+            <a:lvl8pPr marL="3657600" lvl="7" indent="-304800">
               <a:spcBef>
                 <a:spcPts val="1600"/>
               </a:spcBef>
@@ -5762,7 +5847,7 @@
               <a:buChar char="○"/>
               <a:defRPr sz="1200"/>
             </a:lvl8pPr>
-            <a:lvl9pPr indent="-304800" lvl="8" marL="4114800">
+            <a:lvl9pPr marL="4114800" lvl="8" indent="-304800">
               <a:spcBef>
                 <a:spcPts val="1600"/>
               </a:spcBef>
@@ -5774,15 +5859,19 @@
               <a:defRPr sz="1200"/>
             </a:lvl9pPr>
           </a:lstStyle>
-          <a:p/>
+          <a:p>
+            <a:endParaRPr/>
+          </a:p>
         </p:txBody>
       </p:sp>
       <p:sp>
         <p:nvSpPr>
           <p:cNvPr id="49" name="Google Shape;49;p7"/>
-          <p:cNvSpPr txBox="1"/>
+          <p:cNvSpPr txBox="1">
+            <a:spLocks noGrp="1"/>
+          </p:cNvSpPr>
           <p:nvPr>
-            <p:ph idx="12" type="sldNum"/>
+            <p:ph type="sldNum" idx="12"/>
           </p:nvPr>
         </p:nvSpPr>
         <p:spPr>
@@ -5795,7 +5884,7 @@
           </a:prstGeom>
         </p:spPr>
         <p:txBody>
-          <a:bodyPr anchorCtr="0" anchor="ctr" bIns="91425" lIns="91425" spcFirstLastPara="1" rIns="91425" wrap="square" tIns="91425">
+          <a:bodyPr spcFirstLastPara="1" wrap="square" lIns="91425" tIns="91425" rIns="91425" bIns="91425" anchor="ctr" anchorCtr="0">
             <a:noAutofit/>
           </a:bodyPr>
           <a:lstStyle>
@@ -5873,7 +5962,7 @@
             </a:lvl9pPr>
           </a:lstStyle>
           <a:p>
-            <a:pPr indent="0" lvl="0" marL="0" rtl="0" algn="r">
+            <a:pPr marL="0" lvl="0" indent="0" algn="r" rtl="0">
               <a:spcBef>
                 <a:spcPts val="0"/>
               </a:spcBef>
@@ -5899,18 +5988,19 @@
 </file>
 
 <file path=ppt/slideLayouts/slideLayout7.xml><?xml version="1.0" encoding="utf-8"?>
-<p:sldLayout xmlns:a="http://schemas.openxmlformats.org/drawingml/2006/main" xmlns:r="http://schemas.openxmlformats.org/officeDocument/2006/relationships" xmlns:mc="http://schemas.openxmlformats.org/markup-compatibility/2006" xmlns:mv="urn:schemas-microsoft-com:mac:vml" xmlns:p="http://schemas.openxmlformats.org/presentationml/2006/main" xmlns:c="http://schemas.openxmlformats.org/drawingml/2006/chart" xmlns:dgm="http://schemas.openxmlformats.org/drawingml/2006/diagram" xmlns:o="urn:schemas-microsoft-com:office:office" xmlns:v="urn:schemas-microsoft-com:vml" xmlns:pvml="urn:schemas-microsoft-com:office:powerpoint" xmlns:com="http://schemas.openxmlformats.org/drawingml/2006/compatibility" xmlns:p14="http://schemas.microsoft.com/office/powerpoint/2010/main" xmlns:p15="http://schemas.microsoft.com/office/powerpoint/2012/main" matchingName="Main point">
+<p:sldLayout xmlns:a="http://schemas.openxmlformats.org/drawingml/2006/main" xmlns:r="http://schemas.openxmlformats.org/officeDocument/2006/relationships" xmlns:p="http://schemas.openxmlformats.org/presentationml/2006/main" matchingName="Main point">
   <p:cSld name="MAIN_POINT">
     <p:bg>
       <p:bgPr>
         <a:solidFill>
           <a:schemeClr val="accent4"/>
         </a:solidFill>
+        <a:effectLst/>
       </p:bgPr>
     </p:bg>
     <p:spTree>
       <p:nvGrpSpPr>
-        <p:cNvPr id="50" name="Shape 50"/>
+        <p:cNvPr id="1" name="Shape 50"/>
         <p:cNvGrpSpPr/>
         <p:nvPr/>
       </p:nvGrpSpPr>
@@ -5958,12 +6048,12 @@
             </a:ln>
           </p:spPr>
           <p:txBody>
-            <a:bodyPr anchorCtr="0" anchor="ctr" bIns="91425" lIns="91425" spcFirstLastPara="1" rIns="91425" wrap="square" tIns="91425">
+            <a:bodyPr spcFirstLastPara="1" wrap="square" lIns="91425" tIns="91425" rIns="91425" bIns="91425" anchor="ctr" anchorCtr="0">
               <a:noAutofit/>
             </a:bodyPr>
             <a:lstStyle/>
             <a:p>
-              <a:pPr indent="0" lvl="0" marL="0" rtl="0" algn="l">
+              <a:pPr marL="0" lvl="0" indent="0" algn="l" rtl="0">
                 <a:spcBef>
                   <a:spcPts val="0"/>
                 </a:spcBef>
@@ -5972,9 +6062,6 @@
                 </a:spcAft>
                 <a:buNone/>
               </a:pPr>
-              <a:r>
-                <a:t/>
-              </a:r>
               <a:endParaRPr/>
             </a:p>
           </p:txBody>
@@ -6001,12 +6088,12 @@
             </a:ln>
           </p:spPr>
           <p:txBody>
-            <a:bodyPr anchorCtr="0" anchor="ctr" bIns="91425" lIns="91425" spcFirstLastPara="1" rIns="91425" wrap="square" tIns="91425">
+            <a:bodyPr spcFirstLastPara="1" wrap="square" lIns="91425" tIns="91425" rIns="91425" bIns="91425" anchor="ctr" anchorCtr="0">
               <a:noAutofit/>
             </a:bodyPr>
             <a:lstStyle/>
             <a:p>
-              <a:pPr indent="0" lvl="0" marL="0" rtl="0" algn="l">
+              <a:pPr marL="0" lvl="0" indent="0" algn="l" rtl="0">
                 <a:spcBef>
                   <a:spcPts val="0"/>
                 </a:spcBef>
@@ -6015,9 +6102,6 @@
                 </a:spcAft>
                 <a:buNone/>
               </a:pPr>
-              <a:r>
-                <a:t/>
-              </a:r>
               <a:endParaRPr/>
             </a:p>
           </p:txBody>
@@ -6029,7 +6113,7 @@
             <p:nvPr/>
           </p:nvSpPr>
           <p:spPr>
-            <a:xfrm flipH="1" rot="10800000">
+            <a:xfrm rot="10800000" flipH="1">
               <a:off x="7113588" y="107"/>
               <a:ext cx="1015200" cy="1015200"/>
             </a:xfrm>
@@ -6044,12 +6128,12 @@
             </a:ln>
           </p:spPr>
           <p:txBody>
-            <a:bodyPr anchorCtr="0" anchor="ctr" bIns="91425" lIns="91425" spcFirstLastPara="1" rIns="91425" wrap="square" tIns="91425">
+            <a:bodyPr spcFirstLastPara="1" wrap="square" lIns="91425" tIns="91425" rIns="91425" bIns="91425" anchor="ctr" anchorCtr="0">
               <a:noAutofit/>
             </a:bodyPr>
             <a:lstStyle/>
             <a:p>
-              <a:pPr indent="0" lvl="0" marL="0" rtl="0" algn="l">
+              <a:pPr marL="0" lvl="0" indent="0" algn="l" rtl="0">
                 <a:spcBef>
                   <a:spcPts val="0"/>
                 </a:spcBef>
@@ -6058,9 +6142,6 @@
                 </a:spcAft>
                 <a:buNone/>
               </a:pPr>
-              <a:r>
-                <a:t/>
-              </a:r>
               <a:endParaRPr/>
             </a:p>
           </p:txBody>
@@ -6087,12 +6168,12 @@
             </a:ln>
           </p:spPr>
           <p:txBody>
-            <a:bodyPr anchorCtr="0" anchor="ctr" bIns="91425" lIns="91425" spcFirstLastPara="1" rIns="91425" wrap="square" tIns="91425">
+            <a:bodyPr spcFirstLastPara="1" wrap="square" lIns="91425" tIns="91425" rIns="91425" bIns="91425" anchor="ctr" anchorCtr="0">
               <a:noAutofit/>
             </a:bodyPr>
             <a:lstStyle/>
             <a:p>
-              <a:pPr indent="0" lvl="0" marL="0" rtl="0" algn="l">
+              <a:pPr marL="0" lvl="0" indent="0" algn="l" rtl="0">
                 <a:spcBef>
                   <a:spcPts val="0"/>
                 </a:spcBef>
@@ -6101,9 +6182,6 @@
                 </a:spcAft>
                 <a:buNone/>
               </a:pPr>
-              <a:r>
-                <a:t/>
-              </a:r>
               <a:endParaRPr/>
             </a:p>
           </p:txBody>
@@ -6130,12 +6208,12 @@
             </a:ln>
           </p:spPr>
           <p:txBody>
-            <a:bodyPr anchorCtr="0" anchor="ctr" bIns="91425" lIns="91425" spcFirstLastPara="1" rIns="91425" wrap="square" tIns="91425">
+            <a:bodyPr spcFirstLastPara="1" wrap="square" lIns="91425" tIns="91425" rIns="91425" bIns="91425" anchor="ctr" anchorCtr="0">
               <a:noAutofit/>
             </a:bodyPr>
             <a:lstStyle/>
             <a:p>
-              <a:pPr indent="0" lvl="0" marL="0" rtl="0" algn="l">
+              <a:pPr marL="0" lvl="0" indent="0" algn="l" rtl="0">
                 <a:spcBef>
                   <a:spcPts val="0"/>
                 </a:spcBef>
@@ -6144,9 +6222,6 @@
                 </a:spcAft>
                 <a:buNone/>
               </a:pPr>
-              <a:r>
-                <a:t/>
-              </a:r>
               <a:endParaRPr/>
             </a:p>
           </p:txBody>
@@ -6155,7 +6230,9 @@
       <p:sp>
         <p:nvSpPr>
           <p:cNvPr id="57" name="Google Shape;57;p8"/>
-          <p:cNvSpPr txBox="1"/>
+          <p:cNvSpPr txBox="1">
+            <a:spLocks noGrp="1"/>
+          </p:cNvSpPr>
           <p:nvPr>
             <p:ph type="title"/>
           </p:nvPr>
@@ -6170,7 +6247,7 @@
           </a:prstGeom>
         </p:spPr>
         <p:txBody>
-          <a:bodyPr anchorCtr="0" anchor="ctr" bIns="91425" lIns="91425" spcFirstLastPara="1" rIns="91425" wrap="square" tIns="91425"/>
+          <a:bodyPr spcFirstLastPara="1" wrap="square" lIns="91425" tIns="91425" rIns="91425" bIns="91425" anchor="ctr" anchorCtr="0"/>
           <a:lstStyle>
             <a:lvl1pPr lvl="0">
               <a:spcBef>
@@ -6335,15 +6412,19 @@
               </a:defRPr>
             </a:lvl9pPr>
           </a:lstStyle>
-          <a:p/>
+          <a:p>
+            <a:endParaRPr/>
+          </a:p>
         </p:txBody>
       </p:sp>
       <p:sp>
         <p:nvSpPr>
           <p:cNvPr id="58" name="Google Shape;58;p8"/>
-          <p:cNvSpPr txBox="1"/>
+          <p:cNvSpPr txBox="1">
+            <a:spLocks noGrp="1"/>
+          </p:cNvSpPr>
           <p:nvPr>
-            <p:ph idx="12" type="sldNum"/>
+            <p:ph type="sldNum" idx="12"/>
           </p:nvPr>
         </p:nvSpPr>
         <p:spPr>
@@ -6356,7 +6437,7 @@
           </a:prstGeom>
         </p:spPr>
         <p:txBody>
-          <a:bodyPr anchorCtr="0" anchor="ctr" bIns="91425" lIns="91425" spcFirstLastPara="1" rIns="91425" wrap="square" tIns="91425">
+          <a:bodyPr spcFirstLastPara="1" wrap="square" lIns="91425" tIns="91425" rIns="91425" bIns="91425" anchor="ctr" anchorCtr="0">
             <a:noAutofit/>
           </a:bodyPr>
           <a:lstStyle>
@@ -6398,7 +6479,7 @@
             </a:lvl9pPr>
           </a:lstStyle>
           <a:p>
-            <a:pPr indent="0" lvl="0" marL="0" rtl="0" algn="r">
+            <a:pPr marL="0" lvl="0" indent="0" algn="r" rtl="0">
               <a:spcBef>
                 <a:spcPts val="0"/>
               </a:spcBef>
@@ -6424,11 +6505,11 @@
 </file>
 
 <file path=ppt/slideLayouts/slideLayout8.xml><?xml version="1.0" encoding="utf-8"?>
-<p:sldLayout xmlns:a="http://schemas.openxmlformats.org/drawingml/2006/main" xmlns:r="http://schemas.openxmlformats.org/officeDocument/2006/relationships" xmlns:mc="http://schemas.openxmlformats.org/markup-compatibility/2006" xmlns:mv="urn:schemas-microsoft-com:mac:vml" xmlns:p="http://schemas.openxmlformats.org/presentationml/2006/main" xmlns:c="http://schemas.openxmlformats.org/drawingml/2006/chart" xmlns:dgm="http://schemas.openxmlformats.org/drawingml/2006/diagram" xmlns:o="urn:schemas-microsoft-com:office:office" xmlns:v="urn:schemas-microsoft-com:vml" xmlns:pvml="urn:schemas-microsoft-com:office:powerpoint" xmlns:com="http://schemas.openxmlformats.org/drawingml/2006/compatibility" xmlns:p14="http://schemas.microsoft.com/office/powerpoint/2010/main" xmlns:p15="http://schemas.microsoft.com/office/powerpoint/2012/main" matchingName="Section title and description">
+<p:sldLayout xmlns:a="http://schemas.openxmlformats.org/drawingml/2006/main" xmlns:r="http://schemas.openxmlformats.org/officeDocument/2006/relationships" xmlns:p="http://schemas.openxmlformats.org/presentationml/2006/main" matchingName="Section title and description">
   <p:cSld name="SECTION_TITLE_AND_DESCRIPTION">
     <p:spTree>
       <p:nvGrpSpPr>
-        <p:cNvPr id="59" name="Shape 59"/>
+        <p:cNvPr id="1" name="Shape 59"/>
         <p:cNvGrpSpPr/>
         <p:nvPr/>
       </p:nvGrpSpPr>
@@ -6462,12 +6543,12 @@
           </a:ln>
         </p:spPr>
         <p:txBody>
-          <a:bodyPr anchorCtr="0" anchor="ctr" bIns="91425" lIns="91425" spcFirstLastPara="1" rIns="91425" wrap="square" tIns="91425">
+          <a:bodyPr spcFirstLastPara="1" wrap="square" lIns="91425" tIns="91425" rIns="91425" bIns="91425" anchor="ctr" anchorCtr="0">
             <a:noAutofit/>
           </a:bodyPr>
           <a:lstStyle/>
           <a:p>
-            <a:pPr indent="0" lvl="0" marL="0" rtl="0" algn="l">
+            <a:pPr marL="0" lvl="0" indent="0" algn="l" rtl="0">
               <a:spcBef>
                 <a:spcPts val="0"/>
               </a:spcBef>
@@ -6476,9 +6557,6 @@
               </a:spcAft>
               <a:buNone/>
             </a:pPr>
-            <a:r>
-              <a:t/>
-            </a:r>
             <a:endParaRPr/>
           </a:p>
         </p:txBody>
@@ -6498,21 +6576,23 @@
             <a:avLst/>
           </a:prstGeom>
           <a:noFill/>
-          <a:ln cap="flat" cmpd="sng" w="19050">
+          <a:ln w="19050" cap="flat" cmpd="sng">
             <a:solidFill>
               <a:schemeClr val="lt1"/>
             </a:solidFill>
             <a:prstDash val="solid"/>
             <a:round/>
-            <a:headEnd len="sm" w="sm" type="none"/>
-            <a:tailEnd len="sm" w="sm" type="none"/>
+            <a:headEnd type="none" w="sm" len="sm"/>
+            <a:tailEnd type="none" w="sm" len="sm"/>
           </a:ln>
         </p:spPr>
       </p:cxnSp>
       <p:sp>
         <p:nvSpPr>
           <p:cNvPr id="62" name="Google Shape;62;p9"/>
-          <p:cNvSpPr txBox="1"/>
+          <p:cNvSpPr txBox="1">
+            <a:spLocks noGrp="1"/>
+          </p:cNvSpPr>
           <p:nvPr>
             <p:ph type="title"/>
           </p:nvPr>
@@ -6527,7 +6607,7 @@
           </a:prstGeom>
         </p:spPr>
         <p:txBody>
-          <a:bodyPr anchorCtr="0" anchor="b" bIns="91425" lIns="91425" spcFirstLastPara="1" rIns="91425" wrap="square" tIns="91425"/>
+          <a:bodyPr spcFirstLastPara="1" wrap="square" lIns="91425" tIns="91425" rIns="91425" bIns="91425" anchor="b" anchorCtr="0"/>
           <a:lstStyle>
             <a:lvl1pPr lvl="0" algn="ctr">
               <a:spcBef>
@@ -6629,15 +6709,19 @@
               <a:defRPr sz="4200"/>
             </a:lvl9pPr>
           </a:lstStyle>
-          <a:p/>
+          <a:p>
+            <a:endParaRPr/>
+          </a:p>
         </p:txBody>
       </p:sp>
       <p:sp>
         <p:nvSpPr>
           <p:cNvPr id="63" name="Google Shape;63;p9"/>
-          <p:cNvSpPr txBox="1"/>
+          <p:cNvSpPr txBox="1">
+            <a:spLocks noGrp="1"/>
+          </p:cNvSpPr>
           <p:nvPr>
-            <p:ph idx="1" type="subTitle"/>
+            <p:ph type="subTitle" idx="1"/>
           </p:nvPr>
         </p:nvSpPr>
         <p:spPr>
@@ -6650,7 +6734,7 @@
           </a:prstGeom>
         </p:spPr>
         <p:txBody>
-          <a:bodyPr anchorCtr="0" anchor="t" bIns="91425" lIns="91425" spcFirstLastPara="1" rIns="91425" wrap="square" tIns="91425"/>
+          <a:bodyPr spcFirstLastPara="1" wrap="square" lIns="91425" tIns="91425" rIns="91425" bIns="91425" anchor="t" anchorCtr="0"/>
           <a:lstStyle>
             <a:lvl1pPr lvl="0" algn="ctr">
               <a:lnSpc>
@@ -6779,15 +6863,19 @@
               <a:defRPr sz="2100"/>
             </a:lvl9pPr>
           </a:lstStyle>
-          <a:p/>
+          <a:p>
+            <a:endParaRPr/>
+          </a:p>
         </p:txBody>
       </p:sp>
       <p:sp>
         <p:nvSpPr>
           <p:cNvPr id="64" name="Google Shape;64;p9"/>
-          <p:cNvSpPr txBox="1"/>
+          <p:cNvSpPr txBox="1">
+            <a:spLocks noGrp="1"/>
+          </p:cNvSpPr>
           <p:nvPr>
-            <p:ph idx="2" type="body"/>
+            <p:ph type="body" idx="2"/>
           </p:nvPr>
         </p:nvSpPr>
         <p:spPr>
@@ -6800,9 +6888,9 @@
           </a:prstGeom>
         </p:spPr>
         <p:txBody>
-          <a:bodyPr anchorCtr="0" anchor="ctr" bIns="91425" lIns="91425" spcFirstLastPara="1" rIns="91425" wrap="square" tIns="91425"/>
+          <a:bodyPr spcFirstLastPara="1" wrap="square" lIns="91425" tIns="91425" rIns="91425" bIns="91425" anchor="ctr" anchorCtr="0"/>
           <a:lstStyle>
-            <a:lvl1pPr indent="-342900" lvl="0" marL="457200">
+            <a:lvl1pPr marL="457200" lvl="0" indent="-342900">
               <a:spcBef>
                 <a:spcPts val="0"/>
               </a:spcBef>
@@ -6820,7 +6908,7 @@
                 </a:solidFill>
               </a:defRPr>
             </a:lvl1pPr>
-            <a:lvl2pPr indent="-317500" lvl="1" marL="914400">
+            <a:lvl2pPr marL="914400" lvl="1" indent="-317500">
               <a:spcBef>
                 <a:spcPts val="1600"/>
               </a:spcBef>
@@ -6838,7 +6926,7 @@
                 </a:solidFill>
               </a:defRPr>
             </a:lvl2pPr>
-            <a:lvl3pPr indent="-317500" lvl="2" marL="1371600">
+            <a:lvl3pPr marL="1371600" lvl="2" indent="-317500">
               <a:spcBef>
                 <a:spcPts val="1600"/>
               </a:spcBef>
@@ -6856,7 +6944,7 @@
                 </a:solidFill>
               </a:defRPr>
             </a:lvl3pPr>
-            <a:lvl4pPr indent="-317500" lvl="3" marL="1828800">
+            <a:lvl4pPr marL="1828800" lvl="3" indent="-317500">
               <a:spcBef>
                 <a:spcPts val="1600"/>
               </a:spcBef>
@@ -6874,7 +6962,7 @@
                 </a:solidFill>
               </a:defRPr>
             </a:lvl4pPr>
-            <a:lvl5pPr indent="-317500" lvl="4" marL="2286000">
+            <a:lvl5pPr marL="2286000" lvl="4" indent="-317500">
               <a:spcBef>
                 <a:spcPts val="1600"/>
               </a:spcBef>
@@ -6892,7 +6980,7 @@
                 </a:solidFill>
               </a:defRPr>
             </a:lvl5pPr>
-            <a:lvl6pPr indent="-317500" lvl="5" marL="2743200">
+            <a:lvl6pPr marL="2743200" lvl="5" indent="-317500">
               <a:spcBef>
                 <a:spcPts val="1600"/>
               </a:spcBef>
@@ -6910,7 +6998,7 @@
                 </a:solidFill>
               </a:defRPr>
             </a:lvl6pPr>
-            <a:lvl7pPr indent="-317500" lvl="6" marL="3200400">
+            <a:lvl7pPr marL="3200400" lvl="6" indent="-317500">
               <a:spcBef>
                 <a:spcPts val="1600"/>
               </a:spcBef>
@@ -6928,7 +7016,7 @@
                 </a:solidFill>
               </a:defRPr>
             </a:lvl7pPr>
-            <a:lvl8pPr indent="-317500" lvl="7" marL="3657600">
+            <a:lvl8pPr marL="3657600" lvl="7" indent="-317500">
               <a:spcBef>
                 <a:spcPts val="1600"/>
               </a:spcBef>
@@ -6946,7 +7034,7 @@
                 </a:solidFill>
               </a:defRPr>
             </a:lvl8pPr>
-            <a:lvl9pPr indent="-317500" lvl="8" marL="4114800">
+            <a:lvl9pPr marL="4114800" lvl="8" indent="-317500">
               <a:spcBef>
                 <a:spcPts val="1600"/>
               </a:spcBef>
@@ -6965,15 +7053,19 @@
               </a:defRPr>
             </a:lvl9pPr>
           </a:lstStyle>
-          <a:p/>
+          <a:p>
+            <a:endParaRPr/>
+          </a:p>
         </p:txBody>
       </p:sp>
       <p:sp>
         <p:nvSpPr>
           <p:cNvPr id="65" name="Google Shape;65;p9"/>
-          <p:cNvSpPr txBox="1"/>
+          <p:cNvSpPr txBox="1">
+            <a:spLocks noGrp="1"/>
+          </p:cNvSpPr>
           <p:nvPr>
-            <p:ph idx="12" type="sldNum"/>
+            <p:ph type="sldNum" idx="12"/>
           </p:nvPr>
         </p:nvSpPr>
         <p:spPr>
@@ -6986,7 +7078,7 @@
           </a:prstGeom>
         </p:spPr>
         <p:txBody>
-          <a:bodyPr anchorCtr="0" anchor="ctr" bIns="91425" lIns="91425" spcFirstLastPara="1" rIns="91425" wrap="square" tIns="91425">
+          <a:bodyPr spcFirstLastPara="1" wrap="square" lIns="91425" tIns="91425" rIns="91425" bIns="91425" anchor="ctr" anchorCtr="0">
             <a:noAutofit/>
           </a:bodyPr>
           <a:lstStyle>
@@ -7028,7 +7120,7 @@
             </a:lvl9pPr>
           </a:lstStyle>
           <a:p>
-            <a:pPr indent="0" lvl="0" marL="0" rtl="0" algn="r">
+            <a:pPr marL="0" lvl="0" indent="0" algn="r" rtl="0">
               <a:spcBef>
                 <a:spcPts val="0"/>
               </a:spcBef>
@@ -7054,11 +7146,11 @@
 </file>
 
 <file path=ppt/slideLayouts/slideLayout9.xml><?xml version="1.0" encoding="utf-8"?>
-<p:sldLayout xmlns:a="http://schemas.openxmlformats.org/drawingml/2006/main" xmlns:r="http://schemas.openxmlformats.org/officeDocument/2006/relationships" xmlns:mc="http://schemas.openxmlformats.org/markup-compatibility/2006" xmlns:mv="urn:schemas-microsoft-com:mac:vml" xmlns:p="http://schemas.openxmlformats.org/presentationml/2006/main" xmlns:c="http://schemas.openxmlformats.org/drawingml/2006/chart" xmlns:dgm="http://schemas.openxmlformats.org/drawingml/2006/diagram" xmlns:o="urn:schemas-microsoft-com:office:office" xmlns:v="urn:schemas-microsoft-com:vml" xmlns:pvml="urn:schemas-microsoft-com:office:powerpoint" xmlns:com="http://schemas.openxmlformats.org/drawingml/2006/compatibility" xmlns:p14="http://schemas.microsoft.com/office/powerpoint/2010/main" xmlns:p15="http://schemas.microsoft.com/office/powerpoint/2012/main" matchingName="Caption">
+<p:sldLayout xmlns:a="http://schemas.openxmlformats.org/drawingml/2006/main" xmlns:r="http://schemas.openxmlformats.org/officeDocument/2006/relationships" xmlns:p="http://schemas.openxmlformats.org/presentationml/2006/main" matchingName="Caption">
   <p:cSld name="CAPTION_ONLY">
     <p:spTree>
       <p:nvGrpSpPr>
-        <p:cNvPr id="66" name="Shape 66"/>
+        <p:cNvPr id="1" name="Shape 66"/>
         <p:cNvGrpSpPr/>
         <p:nvPr/>
       </p:nvGrpSpPr>
@@ -7073,9 +7165,11 @@
       <p:sp>
         <p:nvSpPr>
           <p:cNvPr id="67" name="Google Shape;67;p10"/>
-          <p:cNvSpPr txBox="1"/>
+          <p:cNvSpPr txBox="1">
+            <a:spLocks noGrp="1"/>
+          </p:cNvSpPr>
           <p:nvPr>
-            <p:ph idx="1" type="body"/>
+            <p:ph type="body" idx="1"/>
           </p:nvPr>
         </p:nvSpPr>
         <p:spPr>
@@ -7088,9 +7182,9 @@
           </a:prstGeom>
         </p:spPr>
         <p:txBody>
-          <a:bodyPr anchorCtr="0" anchor="ctr" bIns="91425" lIns="91425" spcFirstLastPara="1" rIns="91425" wrap="square" tIns="91425"/>
+          <a:bodyPr spcFirstLastPara="1" wrap="square" lIns="91425" tIns="91425" rIns="91425" bIns="91425" anchor="ctr" anchorCtr="0"/>
           <a:lstStyle>
-            <a:lvl1pPr indent="-228600" lvl="0" marL="457200">
+            <a:lvl1pPr marL="457200" lvl="0" indent="-228600">
               <a:lnSpc>
                 <a:spcPct val="100000"/>
               </a:lnSpc>
@@ -7105,15 +7199,19 @@
               <a:defRPr/>
             </a:lvl1pPr>
           </a:lstStyle>
-          <a:p/>
+          <a:p>
+            <a:endParaRPr/>
+          </a:p>
         </p:txBody>
       </p:sp>
       <p:sp>
         <p:nvSpPr>
           <p:cNvPr id="68" name="Google Shape;68;p10"/>
-          <p:cNvSpPr txBox="1"/>
+          <p:cNvSpPr txBox="1">
+            <a:spLocks noGrp="1"/>
+          </p:cNvSpPr>
           <p:nvPr>
-            <p:ph idx="12" type="sldNum"/>
+            <p:ph type="sldNum" idx="12"/>
           </p:nvPr>
         </p:nvSpPr>
         <p:spPr>
@@ -7126,7 +7224,7 @@
           </a:prstGeom>
         </p:spPr>
         <p:txBody>
-          <a:bodyPr anchorCtr="0" anchor="ctr" bIns="91425" lIns="91425" spcFirstLastPara="1" rIns="91425" wrap="square" tIns="91425">
+          <a:bodyPr spcFirstLastPara="1" wrap="square" lIns="91425" tIns="91425" rIns="91425" bIns="91425" anchor="ctr" anchorCtr="0">
             <a:noAutofit/>
           </a:bodyPr>
           <a:lstStyle>
@@ -7204,7 +7302,7 @@
             </a:lvl9pPr>
           </a:lstStyle>
           <a:p>
-            <a:pPr indent="0" lvl="0" marL="0" rtl="0" algn="r">
+            <a:pPr marL="0" lvl="0" indent="0" algn="r" rtl="0">
               <a:spcBef>
                 <a:spcPts val="0"/>
               </a:spcBef>
@@ -7230,18 +7328,19 @@
 </file>
 
 <file path=ppt/slideMasters/slideMaster1.xml><?xml version="1.0" encoding="utf-8"?>
-<p:sldMaster xmlns:a="http://schemas.openxmlformats.org/drawingml/2006/main" xmlns:r="http://schemas.openxmlformats.org/officeDocument/2006/relationships" xmlns:mc="http://schemas.openxmlformats.org/markup-compatibility/2006" xmlns:mv="urn:schemas-microsoft-com:mac:vml" xmlns:p="http://schemas.openxmlformats.org/presentationml/2006/main" xmlns:c="http://schemas.openxmlformats.org/drawingml/2006/chart" xmlns:dgm="http://schemas.openxmlformats.org/drawingml/2006/diagram" xmlns:o="urn:schemas-microsoft-com:office:office" xmlns:v="urn:schemas-microsoft-com:vml" xmlns:pvml="urn:schemas-microsoft-com:office:powerpoint" xmlns:com="http://schemas.openxmlformats.org/drawingml/2006/compatibility" xmlns:p14="http://schemas.microsoft.com/office/powerpoint/2010/main" xmlns:p15="http://schemas.microsoft.com/office/powerpoint/2012/main">
+<p:sldMaster xmlns:a="http://schemas.openxmlformats.org/drawingml/2006/main" xmlns:r="http://schemas.openxmlformats.org/officeDocument/2006/relationships" xmlns:p="http://schemas.openxmlformats.org/presentationml/2006/main">
   <p:cSld name="geometric">
     <p:bg>
       <p:bgPr>
         <a:solidFill>
           <a:schemeClr val="lt1"/>
         </a:solidFill>
+        <a:effectLst/>
       </p:bgPr>
     </p:bg>
     <p:spTree>
       <p:nvGrpSpPr>
-        <p:cNvPr id="5" name="Shape 5"/>
+        <p:cNvPr id="1" name="Shape 5"/>
         <p:cNvGrpSpPr/>
         <p:nvPr/>
       </p:nvGrpSpPr>
@@ -7256,7 +7355,9 @@
       <p:sp>
         <p:nvSpPr>
           <p:cNvPr id="6" name="Google Shape;6;p1"/>
-          <p:cNvSpPr txBox="1"/>
+          <p:cNvSpPr txBox="1">
+            <a:spLocks noGrp="1"/>
+          </p:cNvSpPr>
           <p:nvPr>
             <p:ph type="title"/>
           </p:nvPr>
@@ -7275,7 +7376,7 @@
           </a:ln>
         </p:spPr>
         <p:txBody>
-          <a:bodyPr anchorCtr="0" anchor="t" bIns="91425" lIns="91425" spcFirstLastPara="1" rIns="91425" wrap="square" tIns="91425"/>
+          <a:bodyPr spcFirstLastPara="1" wrap="square" lIns="91425" tIns="91425" rIns="91425" bIns="91425" anchor="t" anchorCtr="0"/>
           <a:lstStyle>
             <a:lvl1pPr lvl="0">
               <a:spcBef>
@@ -7485,15 +7586,19 @@
               </a:defRPr>
             </a:lvl9pPr>
           </a:lstStyle>
-          <a:p/>
+          <a:p>
+            <a:endParaRPr/>
+          </a:p>
         </p:txBody>
       </p:sp>
       <p:sp>
         <p:nvSpPr>
           <p:cNvPr id="7" name="Google Shape;7;p1"/>
-          <p:cNvSpPr txBox="1"/>
+          <p:cNvSpPr txBox="1">
+            <a:spLocks noGrp="1"/>
+          </p:cNvSpPr>
           <p:nvPr>
-            <p:ph idx="1" type="body"/>
+            <p:ph type="body" idx="1"/>
           </p:nvPr>
         </p:nvSpPr>
         <p:spPr>
@@ -7510,9 +7615,9 @@
           </a:ln>
         </p:spPr>
         <p:txBody>
-          <a:bodyPr anchorCtr="0" anchor="t" bIns="91425" lIns="91425" spcFirstLastPara="1" rIns="91425" wrap="square" tIns="91425"/>
+          <a:bodyPr spcFirstLastPara="1" wrap="square" lIns="91425" tIns="91425" rIns="91425" bIns="91425" anchor="t" anchorCtr="0"/>
           <a:lstStyle>
-            <a:lvl1pPr indent="-342900" lvl="0" marL="457200">
+            <a:lvl1pPr marL="457200" lvl="0" indent="-342900">
               <a:lnSpc>
                 <a:spcPct val="115000"/>
               </a:lnSpc>
@@ -7538,7 +7643,7 @@
                 <a:sym typeface="Roboto"/>
               </a:defRPr>
             </a:lvl1pPr>
-            <a:lvl2pPr indent="-317500" lvl="1" marL="914400">
+            <a:lvl2pPr marL="914400" lvl="1" indent="-317500">
               <a:lnSpc>
                 <a:spcPct val="115000"/>
               </a:lnSpc>
@@ -7564,7 +7669,7 @@
                 <a:sym typeface="Roboto"/>
               </a:defRPr>
             </a:lvl2pPr>
-            <a:lvl3pPr indent="-317500" lvl="2" marL="1371600">
+            <a:lvl3pPr marL="1371600" lvl="2" indent="-317500">
               <a:lnSpc>
                 <a:spcPct val="115000"/>
               </a:lnSpc>
@@ -7590,7 +7695,7 @@
                 <a:sym typeface="Roboto"/>
               </a:defRPr>
             </a:lvl3pPr>
-            <a:lvl4pPr indent="-317500" lvl="3" marL="1828800">
+            <a:lvl4pPr marL="1828800" lvl="3" indent="-317500">
               <a:lnSpc>
                 <a:spcPct val="115000"/>
               </a:lnSpc>
@@ -7616,7 +7721,7 @@
                 <a:sym typeface="Roboto"/>
               </a:defRPr>
             </a:lvl4pPr>
-            <a:lvl5pPr indent="-317500" lvl="4" marL="2286000">
+            <a:lvl5pPr marL="2286000" lvl="4" indent="-317500">
               <a:lnSpc>
                 <a:spcPct val="115000"/>
               </a:lnSpc>
@@ -7642,7 +7747,7 @@
                 <a:sym typeface="Roboto"/>
               </a:defRPr>
             </a:lvl5pPr>
-            <a:lvl6pPr indent="-317500" lvl="5" marL="2743200">
+            <a:lvl6pPr marL="2743200" lvl="5" indent="-317500">
               <a:lnSpc>
                 <a:spcPct val="115000"/>
               </a:lnSpc>
@@ -7668,7 +7773,7 @@
                 <a:sym typeface="Roboto"/>
               </a:defRPr>
             </a:lvl6pPr>
-            <a:lvl7pPr indent="-317500" lvl="6" marL="3200400">
+            <a:lvl7pPr marL="3200400" lvl="6" indent="-317500">
               <a:lnSpc>
                 <a:spcPct val="115000"/>
               </a:lnSpc>
@@ -7694,7 +7799,7 @@
                 <a:sym typeface="Roboto"/>
               </a:defRPr>
             </a:lvl7pPr>
-            <a:lvl8pPr indent="-317500" lvl="7" marL="3657600">
+            <a:lvl8pPr marL="3657600" lvl="7" indent="-317500">
               <a:lnSpc>
                 <a:spcPct val="115000"/>
               </a:lnSpc>
@@ -7720,7 +7825,7 @@
                 <a:sym typeface="Roboto"/>
               </a:defRPr>
             </a:lvl8pPr>
-            <a:lvl9pPr indent="-317500" lvl="8" marL="4114800">
+            <a:lvl9pPr marL="4114800" lvl="8" indent="-317500">
               <a:lnSpc>
                 <a:spcPct val="115000"/>
               </a:lnSpc>
@@ -7747,15 +7852,19 @@
               </a:defRPr>
             </a:lvl9pPr>
           </a:lstStyle>
-          <a:p/>
+          <a:p>
+            <a:endParaRPr/>
+          </a:p>
         </p:txBody>
       </p:sp>
       <p:sp>
         <p:nvSpPr>
           <p:cNvPr id="8" name="Google Shape;8;p1"/>
-          <p:cNvSpPr txBox="1"/>
+          <p:cNvSpPr txBox="1">
+            <a:spLocks noGrp="1"/>
+          </p:cNvSpPr>
           <p:nvPr>
-            <p:ph idx="12" type="sldNum"/>
+            <p:ph type="sldNum" idx="12"/>
           </p:nvPr>
         </p:nvSpPr>
         <p:spPr>
@@ -7772,7 +7881,7 @@
           </a:ln>
         </p:spPr>
         <p:txBody>
-          <a:bodyPr anchorCtr="0" anchor="ctr" bIns="91425" lIns="91425" spcFirstLastPara="1" rIns="91425" wrap="square" tIns="91425">
+          <a:bodyPr spcFirstLastPara="1" wrap="square" lIns="91425" tIns="91425" rIns="91425" bIns="91425" anchor="ctr" anchorCtr="0">
             <a:noAutofit/>
           </a:bodyPr>
           <a:lstStyle>
@@ -7886,7 +7995,7 @@
             </a:lvl9pPr>
           </a:lstStyle>
           <a:p>
-            <a:pPr indent="0" lvl="0" marL="0" rtl="0" algn="r">
+            <a:pPr marL="0" lvl="0" indent="0" algn="r" rtl="0">
               <a:spcBef>
                 <a:spcPts val="0"/>
               </a:spcBef>
@@ -7905,7 +8014,7 @@
       </p:sp>
     </p:spTree>
   </p:cSld>
-  <p:clrMap accent1="accent1" accent2="accent2" accent3="accent3" accent4="accent4" accent5="accent5" accent6="accent6" bg1="lt1" bg2="dk2" tx1="dk1" tx2="lt2" folHlink="folHlink" hlink="hlink"/>
+  <p:clrMap bg1="lt1" tx1="dk1" bg2="dk2" tx2="lt2" accent1="accent1" accent2="accent2" accent3="accent3" accent4="accent4" accent5="accent5" accent6="accent6" hlink="hlink" folHlink="folHlink"/>
   <p:sldLayoutIdLst>
     <p:sldLayoutId id="2147483648" r:id="rId1"/>
     <p:sldLayoutId id="2147483649" r:id="rId2"/>
@@ -7919,10 +8028,10 @@
     <p:sldLayoutId id="2147483657" r:id="rId10"/>
     <p:sldLayoutId id="2147483658" r:id="rId11"/>
   </p:sldLayoutIdLst>
-  <p:hf dt="0" ftr="0" hdr="0" sldNum="0"/>
+  <p:hf sldNum="0" hdr="0" ftr="0" dt="0"/>
   <p:txStyles>
     <p:titleStyle>
-      <a:defPPr lvl="0" marR="0" rtl="0" algn="l">
+      <a:defPPr marR="0" lvl="0" algn="l" rtl="0">
         <a:lnSpc>
           <a:spcPct val="100000"/>
         </a:lnSpc>
@@ -7933,7 +8042,7 @@
           <a:spcPts val="0"/>
         </a:spcAft>
       </a:defPPr>
-      <a:lvl1pPr lvl="0" marR="0" rtl="0" algn="l">
+      <a:lvl1pPr marR="0" lvl="0" algn="l" rtl="0">
         <a:lnSpc>
           <a:spcPct val="100000"/>
         </a:lnSpc>
@@ -7947,7 +8056,7 @@
           <a:srgbClr val="000000"/>
         </a:buClr>
         <a:buFont typeface="Arial"/>
-        <a:defRPr b="0" i="0" sz="1400" u="none" cap="none" strike="noStrike">
+        <a:defRPr sz="1400" b="0" i="0" u="none" strike="noStrike" cap="none">
           <a:solidFill>
             <a:srgbClr val="000000"/>
           </a:solidFill>
@@ -7957,7 +8066,7 @@
           <a:sym typeface="Arial"/>
         </a:defRPr>
       </a:lvl1pPr>
-      <a:lvl2pPr lvl="1" marR="0" rtl="0" algn="l">
+      <a:lvl2pPr marR="0" lvl="1" algn="l" rtl="0">
         <a:lnSpc>
           <a:spcPct val="100000"/>
         </a:lnSpc>
@@ -7971,7 +8080,7 @@
           <a:srgbClr val="000000"/>
         </a:buClr>
         <a:buFont typeface="Arial"/>
-        <a:defRPr b="0" i="0" sz="1400" u="none" cap="none" strike="noStrike">
+        <a:defRPr sz="1400" b="0" i="0" u="none" strike="noStrike" cap="none">
           <a:solidFill>
             <a:srgbClr val="000000"/>
           </a:solidFill>
@@ -7981,7 +8090,7 @@
           <a:sym typeface="Arial"/>
         </a:defRPr>
       </a:lvl2pPr>
-      <a:lvl3pPr lvl="2" marR="0" rtl="0" algn="l">
+      <a:lvl3pPr marR="0" lvl="2" algn="l" rtl="0">
         <a:lnSpc>
           <a:spcPct val="100000"/>
         </a:lnSpc>
@@ -7995,7 +8104,7 @@
           <a:srgbClr val="000000"/>
         </a:buClr>
         <a:buFont typeface="Arial"/>
-        <a:defRPr b="0" i="0" sz="1400" u="none" cap="none" strike="noStrike">
+        <a:defRPr sz="1400" b="0" i="0" u="none" strike="noStrike" cap="none">
           <a:solidFill>
             <a:srgbClr val="000000"/>
           </a:solidFill>
@@ -8005,7 +8114,7 @@
           <a:sym typeface="Arial"/>
         </a:defRPr>
       </a:lvl3pPr>
-      <a:lvl4pPr lvl="3" marR="0" rtl="0" algn="l">
+      <a:lvl4pPr marR="0" lvl="3" algn="l" rtl="0">
         <a:lnSpc>
           <a:spcPct val="100000"/>
         </a:lnSpc>
@@ -8019,7 +8128,7 @@
           <a:srgbClr val="000000"/>
         </a:buClr>
         <a:buFont typeface="Arial"/>
-        <a:defRPr b="0" i="0" sz="1400" u="none" cap="none" strike="noStrike">
+        <a:defRPr sz="1400" b="0" i="0" u="none" strike="noStrike" cap="none">
           <a:solidFill>
             <a:srgbClr val="000000"/>
           </a:solidFill>
@@ -8029,7 +8138,7 @@
           <a:sym typeface="Arial"/>
         </a:defRPr>
       </a:lvl4pPr>
-      <a:lvl5pPr lvl="4" marR="0" rtl="0" algn="l">
+      <a:lvl5pPr marR="0" lvl="4" algn="l" rtl="0">
         <a:lnSpc>
           <a:spcPct val="100000"/>
         </a:lnSpc>
@@ -8043,7 +8152,7 @@
           <a:srgbClr val="000000"/>
         </a:buClr>
         <a:buFont typeface="Arial"/>
-        <a:defRPr b="0" i="0" sz="1400" u="none" cap="none" strike="noStrike">
+        <a:defRPr sz="1400" b="0" i="0" u="none" strike="noStrike" cap="none">
           <a:solidFill>
             <a:srgbClr val="000000"/>
           </a:solidFill>
@@ -8053,7 +8162,7 @@
           <a:sym typeface="Arial"/>
         </a:defRPr>
       </a:lvl5pPr>
-      <a:lvl6pPr lvl="5" marR="0" rtl="0" algn="l">
+      <a:lvl6pPr marR="0" lvl="5" algn="l" rtl="0">
         <a:lnSpc>
           <a:spcPct val="100000"/>
         </a:lnSpc>
@@ -8067,7 +8176,7 @@
           <a:srgbClr val="000000"/>
         </a:buClr>
         <a:buFont typeface="Arial"/>
-        <a:defRPr b="0" i="0" sz="1400" u="none" cap="none" strike="noStrike">
+        <a:defRPr sz="1400" b="0" i="0" u="none" strike="noStrike" cap="none">
           <a:solidFill>
             <a:srgbClr val="000000"/>
           </a:solidFill>
@@ -8077,7 +8186,7 @@
           <a:sym typeface="Arial"/>
         </a:defRPr>
       </a:lvl6pPr>
-      <a:lvl7pPr lvl="6" marR="0" rtl="0" algn="l">
+      <a:lvl7pPr marR="0" lvl="6" algn="l" rtl="0">
         <a:lnSpc>
           <a:spcPct val="100000"/>
         </a:lnSpc>
@@ -8091,7 +8200,7 @@
           <a:srgbClr val="000000"/>
         </a:buClr>
         <a:buFont typeface="Arial"/>
-        <a:defRPr b="0" i="0" sz="1400" u="none" cap="none" strike="noStrike">
+        <a:defRPr sz="1400" b="0" i="0" u="none" strike="noStrike" cap="none">
           <a:solidFill>
             <a:srgbClr val="000000"/>
           </a:solidFill>
@@ -8101,7 +8210,7 @@
           <a:sym typeface="Arial"/>
         </a:defRPr>
       </a:lvl7pPr>
-      <a:lvl8pPr lvl="7" marR="0" rtl="0" algn="l">
+      <a:lvl8pPr marR="0" lvl="7" algn="l" rtl="0">
         <a:lnSpc>
           <a:spcPct val="100000"/>
         </a:lnSpc>
@@ -8115,7 +8224,7 @@
           <a:srgbClr val="000000"/>
         </a:buClr>
         <a:buFont typeface="Arial"/>
-        <a:defRPr b="0" i="0" sz="1400" u="none" cap="none" strike="noStrike">
+        <a:defRPr sz="1400" b="0" i="0" u="none" strike="noStrike" cap="none">
           <a:solidFill>
             <a:srgbClr val="000000"/>
           </a:solidFill>
@@ -8125,7 +8234,7 @@
           <a:sym typeface="Arial"/>
         </a:defRPr>
       </a:lvl8pPr>
-      <a:lvl9pPr lvl="8" marR="0" rtl="0" algn="l">
+      <a:lvl9pPr marR="0" lvl="8" algn="l" rtl="0">
         <a:lnSpc>
           <a:spcPct val="100000"/>
         </a:lnSpc>
@@ -8139,7 +8248,7 @@
           <a:srgbClr val="000000"/>
         </a:buClr>
         <a:buFont typeface="Arial"/>
-        <a:defRPr b="0" i="0" sz="1400" u="none" cap="none" strike="noStrike">
+        <a:defRPr sz="1400" b="0" i="0" u="none" strike="noStrike" cap="none">
           <a:solidFill>
             <a:srgbClr val="000000"/>
           </a:solidFill>
@@ -8151,7 +8260,7 @@
       </a:lvl9pPr>
     </p:titleStyle>
     <p:bodyStyle>
-      <a:defPPr lvl="0" marR="0" rtl="0" algn="l">
+      <a:defPPr marR="0" lvl="0" algn="l" rtl="0">
         <a:lnSpc>
           <a:spcPct val="100000"/>
         </a:lnSpc>
@@ -8162,7 +8271,7 @@
           <a:spcPts val="0"/>
         </a:spcAft>
       </a:defPPr>
-      <a:lvl1pPr lvl="0" marR="0" rtl="0" algn="l">
+      <a:lvl1pPr marR="0" lvl="0" algn="l" rtl="0">
         <a:lnSpc>
           <a:spcPct val="100000"/>
         </a:lnSpc>
@@ -8176,7 +8285,7 @@
           <a:srgbClr val="000000"/>
         </a:buClr>
         <a:buFont typeface="Arial"/>
-        <a:defRPr b="0" i="0" sz="1400" u="none" cap="none" strike="noStrike">
+        <a:defRPr sz="1400" b="0" i="0" u="none" strike="noStrike" cap="none">
           <a:solidFill>
             <a:srgbClr val="000000"/>
           </a:solidFill>
@@ -8186,7 +8295,7 @@
           <a:sym typeface="Arial"/>
         </a:defRPr>
       </a:lvl1pPr>
-      <a:lvl2pPr lvl="1" marR="0" rtl="0" algn="l">
+      <a:lvl2pPr marR="0" lvl="1" algn="l" rtl="0">
         <a:lnSpc>
           <a:spcPct val="100000"/>
         </a:lnSpc>
@@ -8200,7 +8309,7 @@
           <a:srgbClr val="000000"/>
         </a:buClr>
         <a:buFont typeface="Arial"/>
-        <a:defRPr b="0" i="0" sz="1400" u="none" cap="none" strike="noStrike">
+        <a:defRPr sz="1400" b="0" i="0" u="none" strike="noStrike" cap="none">
           <a:solidFill>
             <a:srgbClr val="000000"/>
           </a:solidFill>
@@ -8210,7 +8319,7 @@
           <a:sym typeface="Arial"/>
         </a:defRPr>
       </a:lvl2pPr>
-      <a:lvl3pPr lvl="2" marR="0" rtl="0" algn="l">
+      <a:lvl3pPr marR="0" lvl="2" algn="l" rtl="0">
         <a:lnSpc>
           <a:spcPct val="100000"/>
         </a:lnSpc>
@@ -8224,7 +8333,7 @@
           <a:srgbClr val="000000"/>
         </a:buClr>
         <a:buFont typeface="Arial"/>
-        <a:defRPr b="0" i="0" sz="1400" u="none" cap="none" strike="noStrike">
+        <a:defRPr sz="1400" b="0" i="0" u="none" strike="noStrike" cap="none">
           <a:solidFill>
             <a:srgbClr val="000000"/>
           </a:solidFill>
@@ -8234,7 +8343,7 @@
           <a:sym typeface="Arial"/>
         </a:defRPr>
       </a:lvl3pPr>
-      <a:lvl4pPr lvl="3" marR="0" rtl="0" algn="l">
+      <a:lvl4pPr marR="0" lvl="3" algn="l" rtl="0">
         <a:lnSpc>
           <a:spcPct val="100000"/>
         </a:lnSpc>
@@ -8248,7 +8357,7 @@
           <a:srgbClr val="000000"/>
         </a:buClr>
         <a:buFont typeface="Arial"/>
-        <a:defRPr b="0" i="0" sz="1400" u="none" cap="none" strike="noStrike">
+        <a:defRPr sz="1400" b="0" i="0" u="none" strike="noStrike" cap="none">
           <a:solidFill>
             <a:srgbClr val="000000"/>
           </a:solidFill>
@@ -8258,7 +8367,7 @@
           <a:sym typeface="Arial"/>
         </a:defRPr>
       </a:lvl4pPr>
-      <a:lvl5pPr lvl="4" marR="0" rtl="0" algn="l">
+      <a:lvl5pPr marR="0" lvl="4" algn="l" rtl="0">
         <a:lnSpc>
           <a:spcPct val="100000"/>
         </a:lnSpc>
@@ -8272,7 +8381,7 @@
           <a:srgbClr val="000000"/>
         </a:buClr>
         <a:buFont typeface="Arial"/>
-        <a:defRPr b="0" i="0" sz="1400" u="none" cap="none" strike="noStrike">
+        <a:defRPr sz="1400" b="0" i="0" u="none" strike="noStrike" cap="none">
           <a:solidFill>
             <a:srgbClr val="000000"/>
           </a:solidFill>
@@ -8282,7 +8391,7 @@
           <a:sym typeface="Arial"/>
         </a:defRPr>
       </a:lvl5pPr>
-      <a:lvl6pPr lvl="5" marR="0" rtl="0" algn="l">
+      <a:lvl6pPr marR="0" lvl="5" algn="l" rtl="0">
         <a:lnSpc>
           <a:spcPct val="100000"/>
         </a:lnSpc>
@@ -8296,7 +8405,7 @@
           <a:srgbClr val="000000"/>
         </a:buClr>
         <a:buFont typeface="Arial"/>
-        <a:defRPr b="0" i="0" sz="1400" u="none" cap="none" strike="noStrike">
+        <a:defRPr sz="1400" b="0" i="0" u="none" strike="noStrike" cap="none">
           <a:solidFill>
             <a:srgbClr val="000000"/>
           </a:solidFill>
@@ -8306,7 +8415,7 @@
           <a:sym typeface="Arial"/>
         </a:defRPr>
       </a:lvl6pPr>
-      <a:lvl7pPr lvl="6" marR="0" rtl="0" algn="l">
+      <a:lvl7pPr marR="0" lvl="6" algn="l" rtl="0">
         <a:lnSpc>
           <a:spcPct val="100000"/>
         </a:lnSpc>
@@ -8320,7 +8429,7 @@
           <a:srgbClr val="000000"/>
         </a:buClr>
         <a:buFont typeface="Arial"/>
-        <a:defRPr b="0" i="0" sz="1400" u="none" cap="none" strike="noStrike">
+        <a:defRPr sz="1400" b="0" i="0" u="none" strike="noStrike" cap="none">
           <a:solidFill>
             <a:srgbClr val="000000"/>
           </a:solidFill>
@@ -8330,7 +8439,7 @@
           <a:sym typeface="Arial"/>
         </a:defRPr>
       </a:lvl7pPr>
-      <a:lvl8pPr lvl="7" marR="0" rtl="0" algn="l">
+      <a:lvl8pPr marR="0" lvl="7" algn="l" rtl="0">
         <a:lnSpc>
           <a:spcPct val="100000"/>
         </a:lnSpc>
@@ -8344,7 +8453,7 @@
           <a:srgbClr val="000000"/>
         </a:buClr>
         <a:buFont typeface="Arial"/>
-        <a:defRPr b="0" i="0" sz="1400" u="none" cap="none" strike="noStrike">
+        <a:defRPr sz="1400" b="0" i="0" u="none" strike="noStrike" cap="none">
           <a:solidFill>
             <a:srgbClr val="000000"/>
           </a:solidFill>
@@ -8354,7 +8463,7 @@
           <a:sym typeface="Arial"/>
         </a:defRPr>
       </a:lvl8pPr>
-      <a:lvl9pPr lvl="8" marR="0" rtl="0" algn="l">
+      <a:lvl9pPr marR="0" lvl="8" algn="l" rtl="0">
         <a:lnSpc>
           <a:spcPct val="100000"/>
         </a:lnSpc>
@@ -8368,7 +8477,7 @@
           <a:srgbClr val="000000"/>
         </a:buClr>
         <a:buFont typeface="Arial"/>
-        <a:defRPr b="0" i="0" sz="1400" u="none" cap="none" strike="noStrike">
+        <a:defRPr sz="1400" b="0" i="0" u="none" strike="noStrike" cap="none">
           <a:solidFill>
             <a:srgbClr val="000000"/>
           </a:solidFill>
@@ -8380,7 +8489,7 @@
       </a:lvl9pPr>
     </p:bodyStyle>
     <p:otherStyle>
-      <a:defPPr lvl="0" marR="0" rtl="0" algn="l">
+      <a:defPPr marR="0" lvl="0" algn="l" rtl="0">
         <a:lnSpc>
           <a:spcPct val="100000"/>
         </a:lnSpc>
@@ -8391,7 +8500,7 @@
           <a:spcPts val="0"/>
         </a:spcAft>
       </a:defPPr>
-      <a:lvl1pPr lvl="0" marR="0" rtl="0" algn="l">
+      <a:lvl1pPr marR="0" lvl="0" algn="l" rtl="0">
         <a:lnSpc>
           <a:spcPct val="100000"/>
         </a:lnSpc>
@@ -8405,7 +8514,7 @@
           <a:srgbClr val="000000"/>
         </a:buClr>
         <a:buFont typeface="Arial"/>
-        <a:defRPr b="0" i="0" sz="1400" u="none" cap="none" strike="noStrike">
+        <a:defRPr sz="1400" b="0" i="0" u="none" strike="noStrike" cap="none">
           <a:solidFill>
             <a:srgbClr val="000000"/>
           </a:solidFill>
@@ -8415,7 +8524,7 @@
           <a:sym typeface="Arial"/>
         </a:defRPr>
       </a:lvl1pPr>
-      <a:lvl2pPr lvl="1" marR="0" rtl="0" algn="l">
+      <a:lvl2pPr marR="0" lvl="1" algn="l" rtl="0">
         <a:lnSpc>
           <a:spcPct val="100000"/>
         </a:lnSpc>
@@ -8429,7 +8538,7 @@
           <a:srgbClr val="000000"/>
         </a:buClr>
         <a:buFont typeface="Arial"/>
-        <a:defRPr b="0" i="0" sz="1400" u="none" cap="none" strike="noStrike">
+        <a:defRPr sz="1400" b="0" i="0" u="none" strike="noStrike" cap="none">
           <a:solidFill>
             <a:srgbClr val="000000"/>
           </a:solidFill>
@@ -8439,7 +8548,7 @@
           <a:sym typeface="Arial"/>
         </a:defRPr>
       </a:lvl2pPr>
-      <a:lvl3pPr lvl="2" marR="0" rtl="0" algn="l">
+      <a:lvl3pPr marR="0" lvl="2" algn="l" rtl="0">
         <a:lnSpc>
           <a:spcPct val="100000"/>
         </a:lnSpc>
@@ -8453,7 +8562,7 @@
           <a:srgbClr val="000000"/>
         </a:buClr>
         <a:buFont typeface="Arial"/>
-        <a:defRPr b="0" i="0" sz="1400" u="none" cap="none" strike="noStrike">
+        <a:defRPr sz="1400" b="0" i="0" u="none" strike="noStrike" cap="none">
           <a:solidFill>
             <a:srgbClr val="000000"/>
           </a:solidFill>
@@ -8463,7 +8572,7 @@
           <a:sym typeface="Arial"/>
         </a:defRPr>
       </a:lvl3pPr>
-      <a:lvl4pPr lvl="3" marR="0" rtl="0" algn="l">
+      <a:lvl4pPr marR="0" lvl="3" algn="l" rtl="0">
         <a:lnSpc>
           <a:spcPct val="100000"/>
         </a:lnSpc>
@@ -8477,7 +8586,7 @@
           <a:srgbClr val="000000"/>
         </a:buClr>
         <a:buFont typeface="Arial"/>
-        <a:defRPr b="0" i="0" sz="1400" u="none" cap="none" strike="noStrike">
+        <a:defRPr sz="1400" b="0" i="0" u="none" strike="noStrike" cap="none">
           <a:solidFill>
             <a:srgbClr val="000000"/>
           </a:solidFill>
@@ -8487,7 +8596,7 @@
           <a:sym typeface="Arial"/>
         </a:defRPr>
       </a:lvl4pPr>
-      <a:lvl5pPr lvl="4" marR="0" rtl="0" algn="l">
+      <a:lvl5pPr marR="0" lvl="4" algn="l" rtl="0">
         <a:lnSpc>
           <a:spcPct val="100000"/>
         </a:lnSpc>
@@ -8501,7 +8610,7 @@
           <a:srgbClr val="000000"/>
         </a:buClr>
         <a:buFont typeface="Arial"/>
-        <a:defRPr b="0" i="0" sz="1400" u="none" cap="none" strike="noStrike">
+        <a:defRPr sz="1400" b="0" i="0" u="none" strike="noStrike" cap="none">
           <a:solidFill>
             <a:srgbClr val="000000"/>
           </a:solidFill>
@@ -8511,7 +8620,7 @@
           <a:sym typeface="Arial"/>
         </a:defRPr>
       </a:lvl5pPr>
-      <a:lvl6pPr lvl="5" marR="0" rtl="0" algn="l">
+      <a:lvl6pPr marR="0" lvl="5" algn="l" rtl="0">
         <a:lnSpc>
           <a:spcPct val="100000"/>
         </a:lnSpc>
@@ -8525,7 +8634,7 @@
           <a:srgbClr val="000000"/>
         </a:buClr>
         <a:buFont typeface="Arial"/>
-        <a:defRPr b="0" i="0" sz="1400" u="none" cap="none" strike="noStrike">
+        <a:defRPr sz="1400" b="0" i="0" u="none" strike="noStrike" cap="none">
           <a:solidFill>
             <a:srgbClr val="000000"/>
           </a:solidFill>
@@ -8535,7 +8644,7 @@
           <a:sym typeface="Arial"/>
         </a:defRPr>
       </a:lvl6pPr>
-      <a:lvl7pPr lvl="6" marR="0" rtl="0" algn="l">
+      <a:lvl7pPr marR="0" lvl="6" algn="l" rtl="0">
         <a:lnSpc>
           <a:spcPct val="100000"/>
         </a:lnSpc>
@@ -8549,7 +8658,7 @@
           <a:srgbClr val="000000"/>
         </a:buClr>
         <a:buFont typeface="Arial"/>
-        <a:defRPr b="0" i="0" sz="1400" u="none" cap="none" strike="noStrike">
+        <a:defRPr sz="1400" b="0" i="0" u="none" strike="noStrike" cap="none">
           <a:solidFill>
             <a:srgbClr val="000000"/>
           </a:solidFill>
@@ -8559,7 +8668,7 @@
           <a:sym typeface="Arial"/>
         </a:defRPr>
       </a:lvl7pPr>
-      <a:lvl8pPr lvl="7" marR="0" rtl="0" algn="l">
+      <a:lvl8pPr marR="0" lvl="7" algn="l" rtl="0">
         <a:lnSpc>
           <a:spcPct val="100000"/>
         </a:lnSpc>
@@ -8573,7 +8682,7 @@
           <a:srgbClr val="000000"/>
         </a:buClr>
         <a:buFont typeface="Arial"/>
-        <a:defRPr b="0" i="0" sz="1400" u="none" cap="none" strike="noStrike">
+        <a:defRPr sz="1400" b="0" i="0" u="none" strike="noStrike" cap="none">
           <a:solidFill>
             <a:srgbClr val="000000"/>
           </a:solidFill>
@@ -8583,7 +8692,7 @@
           <a:sym typeface="Arial"/>
         </a:defRPr>
       </a:lvl8pPr>
-      <a:lvl9pPr lvl="8" marR="0" rtl="0" algn="l">
+      <a:lvl9pPr marR="0" lvl="8" algn="l" rtl="0">
         <a:lnSpc>
           <a:spcPct val="100000"/>
         </a:lnSpc>
@@ -8597,7 +8706,7 @@
           <a:srgbClr val="000000"/>
         </a:buClr>
         <a:buFont typeface="Arial"/>
-        <a:defRPr b="0" i="0" sz="1400" u="none" cap="none" strike="noStrike">
+        <a:defRPr sz="1400" b="0" i="0" u="none" strike="noStrike" cap="none">
           <a:solidFill>
             <a:srgbClr val="000000"/>
           </a:solidFill>
@@ -8613,11 +8722,11 @@
 </file>
 
 <file path=ppt/slides/slide1.xml><?xml version="1.0" encoding="utf-8"?>
-<p:sld xmlns:a="http://schemas.openxmlformats.org/drawingml/2006/main" xmlns:r="http://schemas.openxmlformats.org/officeDocument/2006/relationships" xmlns:mc="http://schemas.openxmlformats.org/markup-compatibility/2006" xmlns:mv="urn:schemas-microsoft-com:mac:vml" xmlns:p="http://schemas.openxmlformats.org/presentationml/2006/main" xmlns:c="http://schemas.openxmlformats.org/drawingml/2006/chart" xmlns:dgm="http://schemas.openxmlformats.org/drawingml/2006/diagram" xmlns:o="urn:schemas-microsoft-com:office:office" xmlns:v="urn:schemas-microsoft-com:vml" xmlns:pvml="urn:schemas-microsoft-com:office:powerpoint" xmlns:com="http://schemas.openxmlformats.org/drawingml/2006/compatibility" xmlns:p14="http://schemas.microsoft.com/office/powerpoint/2010/main" xmlns:p15="http://schemas.microsoft.com/office/powerpoint/2012/main">
+<p:sld xmlns:a="http://schemas.openxmlformats.org/drawingml/2006/main" xmlns:r="http://schemas.openxmlformats.org/officeDocument/2006/relationships" xmlns:p="http://schemas.openxmlformats.org/presentationml/2006/main">
   <p:cSld>
     <p:spTree>
       <p:nvGrpSpPr>
-        <p:cNvPr id="84" name="Shape 84"/>
+        <p:cNvPr id="1" name="Shape 84"/>
         <p:cNvGrpSpPr/>
         <p:nvPr/>
       </p:nvGrpSpPr>
@@ -8632,7 +8741,9 @@
       <p:sp>
         <p:nvSpPr>
           <p:cNvPr id="85" name="Google Shape;85;p13"/>
-          <p:cNvSpPr txBox="1"/>
+          <p:cNvSpPr txBox="1">
+            <a:spLocks noGrp="1"/>
+          </p:cNvSpPr>
           <p:nvPr>
             <p:ph type="ctrTitle"/>
           </p:nvPr>
@@ -8647,12 +8758,12 @@
           </a:prstGeom>
         </p:spPr>
         <p:txBody>
-          <a:bodyPr anchorCtr="0" anchor="b" bIns="91425" lIns="91425" spcFirstLastPara="1" rIns="91425" wrap="square" tIns="91425">
+          <a:bodyPr spcFirstLastPara="1" wrap="square" lIns="91425" tIns="91425" rIns="91425" bIns="91425" anchor="b" anchorCtr="0">
             <a:noAutofit/>
           </a:bodyPr>
           <a:lstStyle/>
           <a:p>
-            <a:pPr indent="0" lvl="0" marL="0" rtl="0" algn="l">
+            <a:pPr marL="0" lvl="0" indent="0" algn="l" rtl="0">
               <a:spcBef>
                 <a:spcPts val="0"/>
               </a:spcBef>
@@ -8672,9 +8783,11 @@
       <p:sp>
         <p:nvSpPr>
           <p:cNvPr id="86" name="Google Shape;86;p13"/>
-          <p:cNvSpPr txBox="1"/>
+          <p:cNvSpPr txBox="1">
+            <a:spLocks noGrp="1"/>
+          </p:cNvSpPr>
           <p:nvPr>
-            <p:ph idx="1" type="subTitle"/>
+            <p:ph type="subTitle" idx="1"/>
           </p:nvPr>
         </p:nvSpPr>
         <p:spPr>
@@ -8687,12 +8800,12 @@
           </a:prstGeom>
         </p:spPr>
         <p:txBody>
-          <a:bodyPr anchorCtr="0" anchor="t" bIns="91425" lIns="91425" spcFirstLastPara="1" rIns="91425" wrap="square" tIns="91425">
+          <a:bodyPr spcFirstLastPara="1" wrap="square" lIns="91425" tIns="91425" rIns="91425" bIns="91425" anchor="t" anchorCtr="0">
             <a:noAutofit/>
           </a:bodyPr>
           <a:lstStyle/>
           <a:p>
-            <a:pPr indent="0" lvl="0" marL="0" rtl="0" algn="l">
+            <a:pPr marL="0" lvl="0" indent="0" algn="l" rtl="0">
               <a:spcBef>
                 <a:spcPts val="0"/>
               </a:spcBef>
@@ -8712,9 +8825,11 @@
       <p:sp>
         <p:nvSpPr>
           <p:cNvPr id="87" name="Google Shape;87;p13"/>
-          <p:cNvSpPr txBox="1"/>
+          <p:cNvSpPr txBox="1">
+            <a:spLocks noGrp="1"/>
+          </p:cNvSpPr>
           <p:nvPr>
-            <p:ph idx="1" type="subTitle"/>
+            <p:ph type="subTitle" idx="1"/>
           </p:nvPr>
         </p:nvSpPr>
         <p:spPr>
@@ -8727,12 +8842,12 @@
           </a:prstGeom>
         </p:spPr>
         <p:txBody>
-          <a:bodyPr anchorCtr="0" anchor="t" bIns="91425" lIns="91425" spcFirstLastPara="1" rIns="91425" wrap="square" tIns="91425">
+          <a:bodyPr spcFirstLastPara="1" wrap="square" lIns="91425" tIns="91425" rIns="91425" bIns="91425" anchor="t" anchorCtr="0">
             <a:noAutofit/>
           </a:bodyPr>
           <a:lstStyle/>
           <a:p>
-            <a:pPr indent="0" lvl="0" marL="0" rtl="0" algn="l">
+            <a:pPr marL="0" lvl="0" indent="0" algn="l" rtl="0">
               <a:spcBef>
                 <a:spcPts val="0"/>
               </a:spcBef>
@@ -8748,7 +8863,7 @@
             <a:endParaRPr sz="1400"/>
           </a:p>
           <a:p>
-            <a:pPr indent="0" lvl="0" marL="0" rtl="0" algn="l">
+            <a:pPr marL="0" lvl="0" indent="0" algn="l" rtl="0">
               <a:spcBef>
                 <a:spcPts val="0"/>
               </a:spcBef>
@@ -8774,11 +8889,11 @@
 </file>
 
 <file path=ppt/slides/slide10.xml><?xml version="1.0" encoding="utf-8"?>
-<p:sld xmlns:a="http://schemas.openxmlformats.org/drawingml/2006/main" xmlns:r="http://schemas.openxmlformats.org/officeDocument/2006/relationships" xmlns:mc="http://schemas.openxmlformats.org/markup-compatibility/2006" xmlns:mv="urn:schemas-microsoft-com:mac:vml" xmlns:p="http://schemas.openxmlformats.org/presentationml/2006/main" xmlns:c="http://schemas.openxmlformats.org/drawingml/2006/chart" xmlns:dgm="http://schemas.openxmlformats.org/drawingml/2006/diagram" xmlns:o="urn:schemas-microsoft-com:office:office" xmlns:v="urn:schemas-microsoft-com:vml" xmlns:pvml="urn:schemas-microsoft-com:office:powerpoint" xmlns:com="http://schemas.openxmlformats.org/drawingml/2006/compatibility" xmlns:p14="http://schemas.microsoft.com/office/powerpoint/2010/main" xmlns:p15="http://schemas.microsoft.com/office/powerpoint/2012/main">
+<p:sld xmlns:a="http://schemas.openxmlformats.org/drawingml/2006/main" xmlns:r="http://schemas.openxmlformats.org/officeDocument/2006/relationships" xmlns:p="http://schemas.openxmlformats.org/presentationml/2006/main">
   <p:cSld>
     <p:spTree>
       <p:nvGrpSpPr>
-        <p:cNvPr id="141" name="Shape 141"/>
+        <p:cNvPr id="1" name="Shape 141"/>
         <p:cNvGrpSpPr/>
         <p:nvPr/>
       </p:nvGrpSpPr>
@@ -8793,7 +8908,9 @@
       <p:sp>
         <p:nvSpPr>
           <p:cNvPr id="142" name="Google Shape;142;p22"/>
-          <p:cNvSpPr txBox="1"/>
+          <p:cNvSpPr txBox="1">
+            <a:spLocks noGrp="1"/>
+          </p:cNvSpPr>
           <p:nvPr>
             <p:ph type="title"/>
           </p:nvPr>
@@ -8808,12 +8925,12 @@
           </a:prstGeom>
         </p:spPr>
         <p:txBody>
-          <a:bodyPr anchorCtr="0" anchor="t" bIns="91425" lIns="91425" spcFirstLastPara="1" rIns="91425" wrap="square" tIns="91425">
+          <a:bodyPr spcFirstLastPara="1" wrap="square" lIns="91425" tIns="91425" rIns="91425" bIns="91425" anchor="t" anchorCtr="0">
             <a:noAutofit/>
           </a:bodyPr>
           <a:lstStyle/>
           <a:p>
-            <a:pPr indent="0" lvl="0" marL="0" rtl="0" algn="l">
+            <a:pPr marL="0" lvl="0" indent="0" algn="l" rtl="0">
               <a:spcBef>
                 <a:spcPts val="0"/>
               </a:spcBef>
@@ -8833,9 +8950,11 @@
       <p:sp>
         <p:nvSpPr>
           <p:cNvPr id="143" name="Google Shape;143;p22"/>
-          <p:cNvSpPr txBox="1"/>
+          <p:cNvSpPr txBox="1">
+            <a:spLocks noGrp="1"/>
+          </p:cNvSpPr>
           <p:nvPr>
-            <p:ph idx="1" type="body"/>
+            <p:ph type="body" idx="1"/>
           </p:nvPr>
         </p:nvSpPr>
         <p:spPr>
@@ -8848,12 +8967,12 @@
           </a:prstGeom>
         </p:spPr>
         <p:txBody>
-          <a:bodyPr anchorCtr="0" anchor="t" bIns="91425" lIns="91425" spcFirstLastPara="1" rIns="91425" wrap="square" tIns="91425">
+          <a:bodyPr spcFirstLastPara="1" wrap="square" lIns="91425" tIns="91425" rIns="91425" bIns="91425" anchor="t" anchorCtr="0">
             <a:noAutofit/>
           </a:bodyPr>
           <a:lstStyle/>
           <a:p>
-            <a:pPr indent="-342900" lvl="0" marL="457200" rtl="0" algn="l">
+            <a:pPr marL="457200" lvl="0" indent="-342900" algn="l" rtl="0">
               <a:spcBef>
                 <a:spcPts val="0"/>
               </a:spcBef>
@@ -8870,7 +8989,7 @@
             <a:endParaRPr/>
           </a:p>
           <a:p>
-            <a:pPr indent="-342900" lvl="0" marL="457200" rtl="0" algn="l">
+            <a:pPr marL="457200" lvl="0" indent="-342900" algn="l" rtl="0">
               <a:spcBef>
                 <a:spcPts val="0"/>
               </a:spcBef>
@@ -8887,7 +9006,7 @@
             <a:endParaRPr/>
           </a:p>
           <a:p>
-            <a:pPr indent="-342900" lvl="0" marL="457200" rtl="0" algn="l">
+            <a:pPr marL="457200" lvl="0" indent="-342900" algn="l" rtl="0">
               <a:spcBef>
                 <a:spcPts val="0"/>
               </a:spcBef>
@@ -8904,7 +9023,7 @@
             <a:endParaRPr/>
           </a:p>
           <a:p>
-            <a:pPr indent="-342900" lvl="0" marL="457200" rtl="0" algn="l">
+            <a:pPr marL="457200" lvl="0" indent="-342900" algn="l" rtl="0">
               <a:spcBef>
                 <a:spcPts val="0"/>
               </a:spcBef>
@@ -8916,16 +9035,12 @@
             </a:pPr>
             <a:r>
               <a:rPr lang="en-GB"/>
-              <a:t>f</a:t>
-            </a:r>
-            <a:r>
-              <a:rPr lang="en-GB"/>
-              <a:t>or each block and each filter, calculate average absolute deviation (AAD) </a:t>
+              <a:t>for each block and each filter, calculate average absolute deviation (AAD) </a:t>
             </a:r>
             <a:endParaRPr/>
           </a:p>
           <a:p>
-            <a:pPr indent="-342900" lvl="0" marL="457200" rtl="0" algn="l">
+            <a:pPr marL="457200" lvl="0" indent="-342900" algn="l" rtl="0">
               <a:spcBef>
                 <a:spcPts val="0"/>
               </a:spcBef>
@@ -8980,11 +9095,11 @@
 </file>
 
 <file path=ppt/slides/slide11.xml><?xml version="1.0" encoding="utf-8"?>
-<p:sld xmlns:a="http://schemas.openxmlformats.org/drawingml/2006/main" xmlns:r="http://schemas.openxmlformats.org/officeDocument/2006/relationships" xmlns:mc="http://schemas.openxmlformats.org/markup-compatibility/2006" xmlns:mv="urn:schemas-microsoft-com:mac:vml" xmlns:p="http://schemas.openxmlformats.org/presentationml/2006/main" xmlns:c="http://schemas.openxmlformats.org/drawingml/2006/chart" xmlns:dgm="http://schemas.openxmlformats.org/drawingml/2006/diagram" xmlns:o="urn:schemas-microsoft-com:office:office" xmlns:v="urn:schemas-microsoft-com:vml" xmlns:pvml="urn:schemas-microsoft-com:office:powerpoint" xmlns:com="http://schemas.openxmlformats.org/drawingml/2006/compatibility" xmlns:p14="http://schemas.microsoft.com/office/powerpoint/2010/main" xmlns:p15="http://schemas.microsoft.com/office/powerpoint/2012/main">
+<p:sld xmlns:a="http://schemas.openxmlformats.org/drawingml/2006/main" xmlns:r="http://schemas.openxmlformats.org/officeDocument/2006/relationships" xmlns:p="http://schemas.openxmlformats.org/presentationml/2006/main">
   <p:cSld>
     <p:spTree>
       <p:nvGrpSpPr>
-        <p:cNvPr id="148" name="Shape 148"/>
+        <p:cNvPr id="1" name="Shape 148"/>
         <p:cNvGrpSpPr/>
         <p:nvPr/>
       </p:nvGrpSpPr>
@@ -8999,7 +9114,9 @@
       <p:sp>
         <p:nvSpPr>
           <p:cNvPr id="149" name="Google Shape;149;p23"/>
-          <p:cNvSpPr txBox="1"/>
+          <p:cNvSpPr txBox="1">
+            <a:spLocks noGrp="1"/>
+          </p:cNvSpPr>
           <p:nvPr>
             <p:ph type="title"/>
           </p:nvPr>
@@ -9014,12 +9131,12 @@
           </a:prstGeom>
         </p:spPr>
         <p:txBody>
-          <a:bodyPr anchorCtr="0" anchor="t" bIns="91425" lIns="91425" spcFirstLastPara="1" rIns="91425" wrap="square" tIns="91425">
+          <a:bodyPr spcFirstLastPara="1" wrap="square" lIns="91425" tIns="91425" rIns="91425" bIns="91425" anchor="t" anchorCtr="0">
             <a:noAutofit/>
           </a:bodyPr>
           <a:lstStyle/>
           <a:p>
-            <a:pPr indent="0" lvl="0" marL="0" rtl="0" algn="l">
+            <a:pPr marL="0" lvl="0" indent="0" algn="l" rtl="0">
               <a:spcBef>
                 <a:spcPts val="0"/>
               </a:spcBef>
@@ -9039,9 +9156,11 @@
       <p:sp>
         <p:nvSpPr>
           <p:cNvPr id="150" name="Google Shape;150;p23"/>
-          <p:cNvSpPr txBox="1"/>
+          <p:cNvSpPr txBox="1">
+            <a:spLocks noGrp="1"/>
+          </p:cNvSpPr>
           <p:nvPr>
-            <p:ph idx="1" type="body"/>
+            <p:ph type="body" idx="1"/>
           </p:nvPr>
         </p:nvSpPr>
         <p:spPr>
@@ -9054,12 +9173,12 @@
           </a:prstGeom>
         </p:spPr>
         <p:txBody>
-          <a:bodyPr anchorCtr="0" anchor="t" bIns="91425" lIns="91425" spcFirstLastPara="1" rIns="91425" wrap="square" tIns="91425">
+          <a:bodyPr spcFirstLastPara="1" wrap="square" lIns="91425" tIns="91425" rIns="91425" bIns="91425" anchor="t" anchorCtr="0">
             <a:noAutofit/>
           </a:bodyPr>
           <a:lstStyle/>
           <a:p>
-            <a:pPr indent="-342900" lvl="0" marL="457200" rtl="0" algn="l">
+            <a:pPr marL="457200" lvl="0" indent="-342900" algn="l" rtl="0">
               <a:spcBef>
                 <a:spcPts val="0"/>
               </a:spcBef>
@@ -9076,7 +9195,7 @@
             <a:endParaRPr/>
           </a:p>
           <a:p>
-            <a:pPr indent="-342900" lvl="0" marL="457200" rtl="0" algn="l">
+            <a:pPr marL="457200" lvl="0" indent="-342900" algn="l" rtl="0">
               <a:spcBef>
                 <a:spcPts val="0"/>
               </a:spcBef>
@@ -9093,7 +9212,7 @@
             <a:endParaRPr/>
           </a:p>
           <a:p>
-            <a:pPr indent="-342900" lvl="0" marL="457200" rtl="0" algn="l">
+            <a:pPr marL="457200" lvl="0" indent="-342900" algn="l" rtl="0">
               <a:spcBef>
                 <a:spcPts val="0"/>
               </a:spcBef>
@@ -9110,7 +9229,7 @@
             <a:endParaRPr/>
           </a:p>
           <a:p>
-            <a:pPr indent="-342900" lvl="0" marL="457200" rtl="0" algn="l">
+            <a:pPr marL="457200" lvl="0" indent="-342900" algn="l" rtl="0">
               <a:spcBef>
                 <a:spcPts val="0"/>
               </a:spcBef>
@@ -9137,11 +9256,11 @@
 </file>
 
 <file path=ppt/slides/slide12.xml><?xml version="1.0" encoding="utf-8"?>
-<p:sld xmlns:a="http://schemas.openxmlformats.org/drawingml/2006/main" xmlns:r="http://schemas.openxmlformats.org/officeDocument/2006/relationships" xmlns:mc="http://schemas.openxmlformats.org/markup-compatibility/2006" xmlns:mv="urn:schemas-microsoft-com:mac:vml" xmlns:p="http://schemas.openxmlformats.org/presentationml/2006/main" xmlns:c="http://schemas.openxmlformats.org/drawingml/2006/chart" xmlns:dgm="http://schemas.openxmlformats.org/drawingml/2006/diagram" xmlns:o="urn:schemas-microsoft-com:office:office" xmlns:v="urn:schemas-microsoft-com:vml" xmlns:pvml="urn:schemas-microsoft-com:office:powerpoint" xmlns:com="http://schemas.openxmlformats.org/drawingml/2006/compatibility" xmlns:p14="http://schemas.microsoft.com/office/powerpoint/2010/main" xmlns:p15="http://schemas.microsoft.com/office/powerpoint/2012/main">
+<p:sld xmlns:a="http://schemas.openxmlformats.org/drawingml/2006/main" xmlns:r="http://schemas.openxmlformats.org/officeDocument/2006/relationships" xmlns:p="http://schemas.openxmlformats.org/presentationml/2006/main">
   <p:cSld>
     <p:spTree>
       <p:nvGrpSpPr>
-        <p:cNvPr id="154" name="Shape 154"/>
+        <p:cNvPr id="1" name="Shape 154"/>
         <p:cNvGrpSpPr/>
         <p:nvPr/>
       </p:nvGrpSpPr>
@@ -9156,7 +9275,9 @@
       <p:sp>
         <p:nvSpPr>
           <p:cNvPr id="155" name="Google Shape;155;p24"/>
-          <p:cNvSpPr txBox="1"/>
+          <p:cNvSpPr txBox="1">
+            <a:spLocks noGrp="1"/>
+          </p:cNvSpPr>
           <p:nvPr>
             <p:ph type="title"/>
           </p:nvPr>
@@ -9171,12 +9292,12 @@
           </a:prstGeom>
         </p:spPr>
         <p:txBody>
-          <a:bodyPr anchorCtr="0" anchor="t" bIns="91425" lIns="91425" spcFirstLastPara="1" rIns="91425" wrap="square" tIns="91425">
+          <a:bodyPr spcFirstLastPara="1" wrap="square" lIns="91425" tIns="91425" rIns="91425" bIns="91425" anchor="t" anchorCtr="0">
             <a:noAutofit/>
           </a:bodyPr>
           <a:lstStyle/>
           <a:p>
-            <a:pPr indent="0" lvl="0" marL="0" rtl="0" algn="l">
+            <a:pPr marL="0" lvl="0" indent="0" algn="l" rtl="0">
               <a:spcBef>
                 <a:spcPts val="0"/>
               </a:spcBef>
@@ -9196,9 +9317,11 @@
       <p:sp>
         <p:nvSpPr>
           <p:cNvPr id="156" name="Google Shape;156;p24"/>
-          <p:cNvSpPr txBox="1"/>
+          <p:cNvSpPr txBox="1">
+            <a:spLocks noGrp="1"/>
+          </p:cNvSpPr>
           <p:nvPr>
-            <p:ph idx="1" type="body"/>
+            <p:ph type="body" idx="1"/>
           </p:nvPr>
         </p:nvSpPr>
         <p:spPr>
@@ -9211,12 +9334,12 @@
           </a:prstGeom>
         </p:spPr>
         <p:txBody>
-          <a:bodyPr anchorCtr="0" anchor="t" bIns="91425" lIns="91425" spcFirstLastPara="1" rIns="91425" wrap="square" tIns="91425">
+          <a:bodyPr spcFirstLastPara="1" wrap="square" lIns="91425" tIns="91425" rIns="91425" bIns="91425" anchor="t" anchorCtr="0">
             <a:noAutofit/>
           </a:bodyPr>
           <a:lstStyle/>
           <a:p>
-            <a:pPr indent="-342900" lvl="0" marL="457200" rtl="0" algn="l">
+            <a:pPr marL="457200" lvl="0" indent="-342900" algn="l" rtl="0">
               <a:spcBef>
                 <a:spcPts val="0"/>
               </a:spcBef>
@@ -9233,7 +9356,7 @@
             <a:endParaRPr/>
           </a:p>
           <a:p>
-            <a:pPr indent="-342900" lvl="0" marL="457200" rtl="0" algn="l">
+            <a:pPr marL="457200" lvl="0" indent="-342900" algn="l" rtl="0">
               <a:spcBef>
                 <a:spcPts val="0"/>
               </a:spcBef>
@@ -9250,7 +9373,7 @@
             <a:endParaRPr/>
           </a:p>
           <a:p>
-            <a:pPr indent="-342900" lvl="0" marL="457200" rtl="0" algn="l">
+            <a:pPr marL="457200" lvl="0" indent="-342900" algn="l" rtl="0">
               <a:spcBef>
                 <a:spcPts val="0"/>
               </a:spcBef>
@@ -9267,7 +9390,7 @@
             <a:endParaRPr/>
           </a:p>
           <a:p>
-            <a:pPr indent="-342900" lvl="0" marL="457200" rtl="0" algn="l">
+            <a:pPr marL="457200" lvl="0" indent="-342900" algn="l" rtl="0">
               <a:spcBef>
                 <a:spcPts val="0"/>
               </a:spcBef>
@@ -9294,11 +9417,11 @@
 </file>
 
 <file path=ppt/slides/slide13.xml><?xml version="1.0" encoding="utf-8"?>
-<p:sld xmlns:a="http://schemas.openxmlformats.org/drawingml/2006/main" xmlns:r="http://schemas.openxmlformats.org/officeDocument/2006/relationships" xmlns:mc="http://schemas.openxmlformats.org/markup-compatibility/2006" xmlns:mv="urn:schemas-microsoft-com:mac:vml" xmlns:p="http://schemas.openxmlformats.org/presentationml/2006/main" xmlns:c="http://schemas.openxmlformats.org/drawingml/2006/chart" xmlns:dgm="http://schemas.openxmlformats.org/drawingml/2006/diagram" xmlns:o="urn:schemas-microsoft-com:office:office" xmlns:v="urn:schemas-microsoft-com:vml" xmlns:pvml="urn:schemas-microsoft-com:office:powerpoint" xmlns:com="http://schemas.openxmlformats.org/drawingml/2006/compatibility" xmlns:p14="http://schemas.microsoft.com/office/powerpoint/2010/main" xmlns:p15="http://schemas.microsoft.com/office/powerpoint/2012/main">
+<p:sld xmlns:a="http://schemas.openxmlformats.org/drawingml/2006/main" xmlns:r="http://schemas.openxmlformats.org/officeDocument/2006/relationships" xmlns:p="http://schemas.openxmlformats.org/presentationml/2006/main">
   <p:cSld>
     <p:spTree>
       <p:nvGrpSpPr>
-        <p:cNvPr id="160" name="Shape 160"/>
+        <p:cNvPr id="1" name="Shape 160"/>
         <p:cNvGrpSpPr/>
         <p:nvPr/>
       </p:nvGrpSpPr>
@@ -9313,7 +9436,9 @@
       <p:sp>
         <p:nvSpPr>
           <p:cNvPr id="161" name="Google Shape;161;p25"/>
-          <p:cNvSpPr txBox="1"/>
+          <p:cNvSpPr txBox="1">
+            <a:spLocks noGrp="1"/>
+          </p:cNvSpPr>
           <p:nvPr>
             <p:ph type="title"/>
           </p:nvPr>
@@ -9328,12 +9453,12 @@
           </a:prstGeom>
         </p:spPr>
         <p:txBody>
-          <a:bodyPr anchorCtr="0" anchor="t" bIns="91425" lIns="91425" spcFirstLastPara="1" rIns="91425" wrap="square" tIns="91425">
+          <a:bodyPr spcFirstLastPara="1" wrap="square" lIns="91425" tIns="91425" rIns="91425" bIns="91425" anchor="t" anchorCtr="0">
             <a:noAutofit/>
           </a:bodyPr>
           <a:lstStyle/>
           <a:p>
-            <a:pPr indent="0" lvl="0" marL="0" rtl="0" algn="l">
+            <a:pPr marL="0" lvl="0" indent="0" algn="l" rtl="0">
               <a:spcBef>
                 <a:spcPts val="0"/>
               </a:spcBef>
@@ -9353,9 +9478,11 @@
       <p:sp>
         <p:nvSpPr>
           <p:cNvPr id="162" name="Google Shape;162;p25"/>
-          <p:cNvSpPr txBox="1"/>
+          <p:cNvSpPr txBox="1">
+            <a:spLocks noGrp="1"/>
+          </p:cNvSpPr>
           <p:nvPr>
-            <p:ph idx="1" type="body"/>
+            <p:ph type="body" idx="1"/>
           </p:nvPr>
         </p:nvSpPr>
         <p:spPr>
@@ -9368,12 +9495,12 @@
           </a:prstGeom>
         </p:spPr>
         <p:txBody>
-          <a:bodyPr anchorCtr="0" anchor="t" bIns="91425" lIns="91425" spcFirstLastPara="1" rIns="91425" wrap="square" tIns="91425">
+          <a:bodyPr spcFirstLastPara="1" wrap="square" lIns="91425" tIns="91425" rIns="91425" bIns="91425" anchor="t" anchorCtr="0">
             <a:noAutofit/>
           </a:bodyPr>
           <a:lstStyle/>
           <a:p>
-            <a:pPr indent="-342900" lvl="0" marL="457200" rtl="0" algn="l">
+            <a:pPr marL="457200" lvl="0" indent="-342900" algn="l" rtl="0">
               <a:spcBef>
                 <a:spcPts val="0"/>
               </a:spcBef>
@@ -9390,7 +9517,7 @@
             <a:endParaRPr/>
           </a:p>
           <a:p>
-            <a:pPr indent="-342900" lvl="0" marL="457200" rtl="0" algn="l">
+            <a:pPr marL="457200" lvl="0" indent="-342900" algn="l" rtl="0">
               <a:spcBef>
                 <a:spcPts val="0"/>
               </a:spcBef>
@@ -9407,7 +9534,7 @@
             <a:endParaRPr/>
           </a:p>
           <a:p>
-            <a:pPr indent="-342900" lvl="0" marL="457200" rtl="0" algn="l">
+            <a:pPr marL="457200" lvl="0" indent="-342900" algn="l" rtl="0">
               <a:spcBef>
                 <a:spcPts val="0"/>
               </a:spcBef>
@@ -9432,7 +9559,7 @@
             </a:endParaRPr>
           </a:p>
           <a:p>
-            <a:pPr indent="-342900" lvl="0" marL="457200" rtl="0" algn="l">
+            <a:pPr marL="457200" lvl="0" indent="-342900" algn="l" rtl="0">
               <a:spcBef>
                 <a:spcPts val="0"/>
               </a:spcBef>
@@ -9460,7 +9587,7 @@
             </a:endParaRPr>
           </a:p>
           <a:p>
-            <a:pPr indent="-342900" lvl="0" marL="457200" rtl="0" algn="l">
+            <a:pPr marL="457200" lvl="0" indent="-342900" algn="l" rtl="0">
               <a:spcBef>
                 <a:spcPts val="0"/>
               </a:spcBef>
@@ -9498,11 +9625,11 @@
 </file>
 
 <file path=ppt/slides/slide2.xml><?xml version="1.0" encoding="utf-8"?>
-<p:sld xmlns:a="http://schemas.openxmlformats.org/drawingml/2006/main" xmlns:r="http://schemas.openxmlformats.org/officeDocument/2006/relationships" xmlns:mc="http://schemas.openxmlformats.org/markup-compatibility/2006" xmlns:mv="urn:schemas-microsoft-com:mac:vml" xmlns:p="http://schemas.openxmlformats.org/presentationml/2006/main" xmlns:c="http://schemas.openxmlformats.org/drawingml/2006/chart" xmlns:dgm="http://schemas.openxmlformats.org/drawingml/2006/diagram" xmlns:o="urn:schemas-microsoft-com:office:office" xmlns:v="urn:schemas-microsoft-com:vml" xmlns:pvml="urn:schemas-microsoft-com:office:powerpoint" xmlns:com="http://schemas.openxmlformats.org/drawingml/2006/compatibility" xmlns:p14="http://schemas.microsoft.com/office/powerpoint/2010/main" xmlns:p15="http://schemas.microsoft.com/office/powerpoint/2012/main">
+<p:sld xmlns:a="http://schemas.openxmlformats.org/drawingml/2006/main" xmlns:r="http://schemas.openxmlformats.org/officeDocument/2006/relationships" xmlns:p="http://schemas.openxmlformats.org/presentationml/2006/main">
   <p:cSld>
     <p:spTree>
       <p:nvGrpSpPr>
-        <p:cNvPr id="91" name="Shape 91"/>
+        <p:cNvPr id="1" name="Shape 91"/>
         <p:cNvGrpSpPr/>
         <p:nvPr/>
       </p:nvGrpSpPr>
@@ -9517,7 +9644,9 @@
       <p:sp>
         <p:nvSpPr>
           <p:cNvPr id="92" name="Google Shape;92;p14"/>
-          <p:cNvSpPr txBox="1"/>
+          <p:cNvSpPr txBox="1">
+            <a:spLocks noGrp="1"/>
+          </p:cNvSpPr>
           <p:nvPr>
             <p:ph type="title"/>
           </p:nvPr>
@@ -9532,12 +9661,12 @@
           </a:prstGeom>
         </p:spPr>
         <p:txBody>
-          <a:bodyPr anchorCtr="0" anchor="t" bIns="91425" lIns="91425" spcFirstLastPara="1" rIns="91425" wrap="square" tIns="91425">
+          <a:bodyPr spcFirstLastPara="1" wrap="square" lIns="91425" tIns="91425" rIns="91425" bIns="91425" anchor="t" anchorCtr="0">
             <a:noAutofit/>
           </a:bodyPr>
           <a:lstStyle/>
           <a:p>
-            <a:pPr indent="0" lvl="0" marL="0" rtl="0" algn="l">
+            <a:pPr marL="0" lvl="0" indent="0" algn="l" rtl="0">
               <a:spcBef>
                 <a:spcPts val="0"/>
               </a:spcBef>
@@ -9557,9 +9686,11 @@
       <p:sp>
         <p:nvSpPr>
           <p:cNvPr id="93" name="Google Shape;93;p14"/>
-          <p:cNvSpPr txBox="1"/>
+          <p:cNvSpPr txBox="1">
+            <a:spLocks noGrp="1"/>
+          </p:cNvSpPr>
           <p:nvPr>
-            <p:ph idx="1" type="body"/>
+            <p:ph type="body" idx="1"/>
           </p:nvPr>
         </p:nvSpPr>
         <p:spPr>
@@ -9572,12 +9703,12 @@
           </a:prstGeom>
         </p:spPr>
         <p:txBody>
-          <a:bodyPr anchorCtr="0" anchor="t" bIns="91425" lIns="91425" spcFirstLastPara="1" rIns="91425" wrap="square" tIns="91425">
+          <a:bodyPr spcFirstLastPara="1" wrap="square" lIns="91425" tIns="91425" rIns="91425" bIns="91425" anchor="t" anchorCtr="0">
             <a:noAutofit/>
           </a:bodyPr>
           <a:lstStyle/>
           <a:p>
-            <a:pPr indent="-342900" lvl="0" marL="457200" rtl="0" algn="l">
+            <a:pPr marL="457200" lvl="0" indent="-342900" algn="l" rtl="0">
               <a:spcBef>
                 <a:spcPts val="0"/>
               </a:spcBef>
@@ -9588,17 +9719,13 @@
               <a:buChar char="●"/>
             </a:pPr>
             <a:r>
-              <a:rPr lang="en-GB"/>
-              <a:t>t</a:t>
+              <a:rPr lang="en-GB" dirty="0"/>
+              <a:t>the structure is fixed from about one year in age and remains constant over time</a:t>
             </a:r>
-            <a:r>
-              <a:rPr lang="en-GB"/>
-              <a:t>he structure is fixed from about one year in age and remains constant over time</a:t>
-            </a:r>
-            <a:endParaRPr/>
+            <a:endParaRPr dirty="0"/>
           </a:p>
           <a:p>
-            <a:pPr indent="-342900" lvl="0" marL="457200" rtl="0" algn="l">
+            <a:pPr marL="457200" lvl="0" indent="-342900" algn="l" rtl="0">
               <a:spcBef>
                 <a:spcPts val="0"/>
               </a:spcBef>
@@ -9609,13 +9736,21 @@
               <a:buChar char="●"/>
             </a:pPr>
             <a:r>
-              <a:rPr lang="en-GB"/>
-              <a:t>the variations in the gray level intensity values distinguish two individuals; the difference exists between identical twins and even between left and right eye of the same person</a:t>
+              <a:rPr lang="en-GB" dirty="0"/>
+              <a:t>the variations in the </a:t>
             </a:r>
-            <a:endParaRPr/>
+            <a:r>
+              <a:rPr lang="en-GB" dirty="0" err="1"/>
+              <a:t>gray</a:t>
+            </a:r>
+            <a:r>
+              <a:rPr lang="en-GB" dirty="0"/>
+              <a:t> level intensity values distinguish two individuals; the difference exists between identical twins and even between left and right eye of the same person</a:t>
+            </a:r>
+            <a:endParaRPr dirty="0"/>
           </a:p>
           <a:p>
-            <a:pPr indent="-342900" lvl="0" marL="457200" rtl="0" algn="l">
+            <a:pPr marL="457200" lvl="0" indent="-342900" algn="l" rtl="0">
               <a:spcBef>
                 <a:spcPts val="0"/>
               </a:spcBef>
@@ -9626,13 +9761,13 @@
               <a:buChar char="●"/>
             </a:pPr>
             <a:r>
-              <a:rPr lang="en-GB"/>
+              <a:rPr lang="en-GB" dirty="0"/>
               <a:t>the features are not genetically determined</a:t>
             </a:r>
-            <a:endParaRPr/>
+            <a:endParaRPr dirty="0"/>
           </a:p>
           <a:p>
-            <a:pPr indent="-342900" lvl="0" marL="457200" rtl="0" algn="l">
+            <a:pPr marL="457200" lvl="0" indent="-342900" algn="l" rtl="0">
               <a:spcBef>
                 <a:spcPts val="0"/>
               </a:spcBef>
@@ -9643,17 +9778,17 @@
               <a:buChar char="●"/>
             </a:pPr>
             <a:r>
-              <a:rPr lang="en-GB"/>
+              <a:rPr lang="en-GB" dirty="0"/>
               <a:t>Accuracy proven to be much higher compared to other types of biometric systems like fingerprint, handprint and</a:t>
             </a:r>
             <a:br>
-              <a:rPr lang="en-GB"/>
+              <a:rPr lang="en-GB" dirty="0"/>
             </a:br>
             <a:r>
-              <a:rPr lang="en-GB"/>
+              <a:rPr lang="en-GB" dirty="0"/>
               <a:t>voiceprint</a:t>
             </a:r>
-            <a:endParaRPr/>
+            <a:endParaRPr dirty="0"/>
           </a:p>
         </p:txBody>
       </p:sp>
@@ -9666,11 +9801,11 @@
 </file>
 
 <file path=ppt/slides/slide3.xml><?xml version="1.0" encoding="utf-8"?>
-<p:sld xmlns:a="http://schemas.openxmlformats.org/drawingml/2006/main" xmlns:r="http://schemas.openxmlformats.org/officeDocument/2006/relationships" xmlns:mc="http://schemas.openxmlformats.org/markup-compatibility/2006" xmlns:mv="urn:schemas-microsoft-com:mac:vml" xmlns:p="http://schemas.openxmlformats.org/presentationml/2006/main" xmlns:c="http://schemas.openxmlformats.org/drawingml/2006/chart" xmlns:dgm="http://schemas.openxmlformats.org/drawingml/2006/diagram" xmlns:o="urn:schemas-microsoft-com:office:office" xmlns:v="urn:schemas-microsoft-com:vml" xmlns:pvml="urn:schemas-microsoft-com:office:powerpoint" xmlns:com="http://schemas.openxmlformats.org/drawingml/2006/compatibility" xmlns:p14="http://schemas.microsoft.com/office/powerpoint/2010/main" xmlns:p15="http://schemas.microsoft.com/office/powerpoint/2012/main">
+<p:sld xmlns:a="http://schemas.openxmlformats.org/drawingml/2006/main" xmlns:r="http://schemas.openxmlformats.org/officeDocument/2006/relationships" xmlns:p="http://schemas.openxmlformats.org/presentationml/2006/main">
   <p:cSld>
     <p:spTree>
       <p:nvGrpSpPr>
-        <p:cNvPr id="97" name="Shape 97"/>
+        <p:cNvPr id="1" name="Shape 97"/>
         <p:cNvGrpSpPr/>
         <p:nvPr/>
       </p:nvGrpSpPr>
@@ -9685,7 +9820,9 @@
       <p:sp>
         <p:nvSpPr>
           <p:cNvPr id="98" name="Google Shape;98;p15"/>
-          <p:cNvSpPr txBox="1"/>
+          <p:cNvSpPr txBox="1">
+            <a:spLocks noGrp="1"/>
+          </p:cNvSpPr>
           <p:nvPr>
             <p:ph type="title"/>
           </p:nvPr>
@@ -9700,12 +9837,12 @@
           </a:prstGeom>
         </p:spPr>
         <p:txBody>
-          <a:bodyPr anchorCtr="0" anchor="t" bIns="91425" lIns="91425" spcFirstLastPara="1" rIns="91425" wrap="square" tIns="91425">
+          <a:bodyPr spcFirstLastPara="1" wrap="square" lIns="91425" tIns="91425" rIns="91425" bIns="91425" anchor="t" anchorCtr="0">
             <a:noAutofit/>
           </a:bodyPr>
           <a:lstStyle/>
           <a:p>
-            <a:pPr indent="0" lvl="0" marL="0" rtl="0" algn="l">
+            <a:pPr marL="0" lvl="0" indent="0" algn="l" rtl="0">
               <a:spcBef>
                 <a:spcPts val="0"/>
               </a:spcBef>
@@ -9725,9 +9862,11 @@
       <p:sp>
         <p:nvSpPr>
           <p:cNvPr id="99" name="Google Shape;99;p15"/>
-          <p:cNvSpPr txBox="1"/>
+          <p:cNvSpPr txBox="1">
+            <a:spLocks noGrp="1"/>
+          </p:cNvSpPr>
           <p:nvPr>
-            <p:ph idx="1" type="body"/>
+            <p:ph type="body" idx="1"/>
           </p:nvPr>
         </p:nvSpPr>
         <p:spPr>
@@ -9740,12 +9879,12 @@
           </a:prstGeom>
         </p:spPr>
         <p:txBody>
-          <a:bodyPr anchorCtr="0" anchor="t" bIns="91425" lIns="91425" spcFirstLastPara="1" rIns="91425" wrap="square" tIns="91425">
+          <a:bodyPr spcFirstLastPara="1" wrap="square" lIns="91425" tIns="91425" rIns="91425" bIns="91425" anchor="t" anchorCtr="0">
             <a:noAutofit/>
           </a:bodyPr>
           <a:lstStyle/>
           <a:p>
-            <a:pPr indent="0" lvl="0" marL="0" rtl="0" algn="l">
+            <a:pPr marL="0" lvl="0" indent="0" algn="l" rtl="0">
               <a:spcBef>
                 <a:spcPts val="0"/>
               </a:spcBef>
@@ -9761,7 +9900,7 @@
             <a:endParaRPr/>
           </a:p>
           <a:p>
-            <a:pPr indent="-342900" lvl="0" marL="457200" rtl="0" algn="l">
+            <a:pPr marL="457200" lvl="0" indent="-342900" algn="l" rtl="0">
               <a:spcBef>
                 <a:spcPts val="1600"/>
               </a:spcBef>
@@ -9778,7 +9917,7 @@
             <a:endParaRPr/>
           </a:p>
           <a:p>
-            <a:pPr indent="-342900" lvl="0" marL="457200" rtl="0" algn="l">
+            <a:pPr marL="457200" lvl="0" indent="-342900" algn="l" rtl="0">
               <a:spcBef>
                 <a:spcPts val="0"/>
               </a:spcBef>
@@ -9805,11 +9944,11 @@
 </file>
 
 <file path=ppt/slides/slide4.xml><?xml version="1.0" encoding="utf-8"?>
-<p:sld xmlns:a="http://schemas.openxmlformats.org/drawingml/2006/main" xmlns:r="http://schemas.openxmlformats.org/officeDocument/2006/relationships" xmlns:mc="http://schemas.openxmlformats.org/markup-compatibility/2006" xmlns:mv="urn:schemas-microsoft-com:mac:vml" xmlns:p="http://schemas.openxmlformats.org/presentationml/2006/main" xmlns:c="http://schemas.openxmlformats.org/drawingml/2006/chart" xmlns:dgm="http://schemas.openxmlformats.org/drawingml/2006/diagram" xmlns:o="urn:schemas-microsoft-com:office:office" xmlns:v="urn:schemas-microsoft-com:vml" xmlns:pvml="urn:schemas-microsoft-com:office:powerpoint" xmlns:com="http://schemas.openxmlformats.org/drawingml/2006/compatibility" xmlns:p14="http://schemas.microsoft.com/office/powerpoint/2010/main" xmlns:p15="http://schemas.microsoft.com/office/powerpoint/2012/main">
+<p:sld xmlns:a="http://schemas.openxmlformats.org/drawingml/2006/main" xmlns:r="http://schemas.openxmlformats.org/officeDocument/2006/relationships" xmlns:p="http://schemas.openxmlformats.org/presentationml/2006/main">
   <p:cSld>
     <p:spTree>
       <p:nvGrpSpPr>
-        <p:cNvPr id="103" name="Shape 103"/>
+        <p:cNvPr id="1" name="Shape 103"/>
         <p:cNvGrpSpPr/>
         <p:nvPr/>
       </p:nvGrpSpPr>
@@ -9824,9 +9963,11 @@
       <p:sp>
         <p:nvSpPr>
           <p:cNvPr id="104" name="Google Shape;104;p16"/>
-          <p:cNvSpPr txBox="1"/>
+          <p:cNvSpPr txBox="1">
+            <a:spLocks noGrp="1"/>
+          </p:cNvSpPr>
           <p:nvPr>
-            <p:ph idx="1" type="body"/>
+            <p:ph type="body" idx="1"/>
           </p:nvPr>
         </p:nvSpPr>
         <p:spPr>
@@ -9839,12 +9980,12 @@
           </a:prstGeom>
         </p:spPr>
         <p:txBody>
-          <a:bodyPr anchorCtr="0" anchor="t" bIns="91425" lIns="91425" spcFirstLastPara="1" rIns="91425" wrap="square" tIns="91425">
+          <a:bodyPr spcFirstLastPara="1" wrap="square" lIns="91425" tIns="91425" rIns="91425" bIns="91425" anchor="t" anchorCtr="0">
             <a:noAutofit/>
           </a:bodyPr>
           <a:lstStyle/>
           <a:p>
-            <a:pPr indent="-342900" lvl="0" marL="457200" rtl="0" algn="l">
+            <a:pPr marL="457200" lvl="0" indent="-342900" algn="l" rtl="0">
               <a:spcBef>
                 <a:spcPts val="0"/>
               </a:spcBef>
@@ -9861,7 +10002,7 @@
             <a:endParaRPr/>
           </a:p>
           <a:p>
-            <a:pPr indent="-342900" lvl="0" marL="457200" rtl="0" algn="l">
+            <a:pPr marL="457200" lvl="0" indent="-342900" algn="l" rtl="0">
               <a:spcBef>
                 <a:spcPts val="0"/>
               </a:spcBef>
@@ -9878,7 +10019,7 @@
             <a:endParaRPr/>
           </a:p>
           <a:p>
-            <a:pPr indent="-342900" lvl="0" marL="457200" rtl="0" algn="l">
+            <a:pPr marL="457200" lvl="0" indent="-342900" algn="l" rtl="0">
               <a:spcBef>
                 <a:spcPts val="0"/>
               </a:spcBef>
@@ -9890,11 +10031,7 @@
             </a:pPr>
             <a:r>
               <a:rPr lang="en-GB"/>
-              <a:t>R</a:t>
-            </a:r>
-            <a:r>
-              <a:rPr lang="en-GB"/>
-              <a:t>ecognition - achieves result by comparison of features with stored patterns; the interclass and intra-class variability are used as metrics for pattern classification problems</a:t>
+              <a:t>Recognition - achieves result by comparison of features with stored patterns; the interclass and intra-class variability are used as metrics for pattern classification problems</a:t>
             </a:r>
             <a:br>
               <a:rPr lang="en-GB"/>
@@ -9906,7 +10043,9 @@
       <p:sp>
         <p:nvSpPr>
           <p:cNvPr id="105" name="Google Shape;105;p16"/>
-          <p:cNvSpPr txBox="1"/>
+          <p:cNvSpPr txBox="1">
+            <a:spLocks noGrp="1"/>
+          </p:cNvSpPr>
           <p:nvPr>
             <p:ph type="title"/>
           </p:nvPr>
@@ -9921,12 +10060,12 @@
           </a:prstGeom>
         </p:spPr>
         <p:txBody>
-          <a:bodyPr anchorCtr="0" anchor="t" bIns="91425" lIns="91425" spcFirstLastPara="1" rIns="91425" wrap="square" tIns="91425">
+          <a:bodyPr spcFirstLastPara="1" wrap="square" lIns="91425" tIns="91425" rIns="91425" bIns="91425" anchor="t" anchorCtr="0">
             <a:noAutofit/>
           </a:bodyPr>
           <a:lstStyle/>
           <a:p>
-            <a:pPr indent="0" lvl="0" marL="0" rtl="0" algn="l">
+            <a:pPr marL="0" lvl="0" indent="0" algn="l" rtl="0">
               <a:spcBef>
                 <a:spcPts val="0"/>
               </a:spcBef>
@@ -9952,11 +10091,11 @@
 </file>
 
 <file path=ppt/slides/slide5.xml><?xml version="1.0" encoding="utf-8"?>
-<p:sld xmlns:a="http://schemas.openxmlformats.org/drawingml/2006/main" xmlns:r="http://schemas.openxmlformats.org/officeDocument/2006/relationships" xmlns:mc="http://schemas.openxmlformats.org/markup-compatibility/2006" xmlns:mv="urn:schemas-microsoft-com:mac:vml" xmlns:p="http://schemas.openxmlformats.org/presentationml/2006/main" xmlns:c="http://schemas.openxmlformats.org/drawingml/2006/chart" xmlns:dgm="http://schemas.openxmlformats.org/drawingml/2006/diagram" xmlns:o="urn:schemas-microsoft-com:office:office" xmlns:v="urn:schemas-microsoft-com:vml" xmlns:pvml="urn:schemas-microsoft-com:office:powerpoint" xmlns:com="http://schemas.openxmlformats.org/drawingml/2006/compatibility" xmlns:p14="http://schemas.microsoft.com/office/powerpoint/2010/main" xmlns:p15="http://schemas.microsoft.com/office/powerpoint/2012/main">
+<p:sld xmlns:a="http://schemas.openxmlformats.org/drawingml/2006/main" xmlns:r="http://schemas.openxmlformats.org/officeDocument/2006/relationships" xmlns:p="http://schemas.openxmlformats.org/presentationml/2006/main">
   <p:cSld>
     <p:spTree>
       <p:nvGrpSpPr>
-        <p:cNvPr id="109" name="Shape 109"/>
+        <p:cNvPr id="1" name="Shape 109"/>
         <p:cNvGrpSpPr/>
         <p:nvPr/>
       </p:nvGrpSpPr>
@@ -10005,11 +10144,11 @@
 </file>
 
 <file path=ppt/slides/slide6.xml><?xml version="1.0" encoding="utf-8"?>
-<p:sld xmlns:a="http://schemas.openxmlformats.org/drawingml/2006/main" xmlns:r="http://schemas.openxmlformats.org/officeDocument/2006/relationships" xmlns:mc="http://schemas.openxmlformats.org/markup-compatibility/2006" xmlns:mv="urn:schemas-microsoft-com:mac:vml" xmlns:p="http://schemas.openxmlformats.org/presentationml/2006/main" xmlns:c="http://schemas.openxmlformats.org/drawingml/2006/chart" xmlns:dgm="http://schemas.openxmlformats.org/drawingml/2006/diagram" xmlns:o="urn:schemas-microsoft-com:office:office" xmlns:v="urn:schemas-microsoft-com:vml" xmlns:pvml="urn:schemas-microsoft-com:office:powerpoint" xmlns:com="http://schemas.openxmlformats.org/drawingml/2006/compatibility" xmlns:p14="http://schemas.microsoft.com/office/powerpoint/2010/main" xmlns:p15="http://schemas.microsoft.com/office/powerpoint/2012/main">
+<p:sld xmlns:a="http://schemas.openxmlformats.org/drawingml/2006/main" xmlns:r="http://schemas.openxmlformats.org/officeDocument/2006/relationships" xmlns:p="http://schemas.openxmlformats.org/presentationml/2006/main">
   <p:cSld>
     <p:spTree>
       <p:nvGrpSpPr>
-        <p:cNvPr id="114" name="Shape 114"/>
+        <p:cNvPr id="1" name="Shape 114"/>
         <p:cNvGrpSpPr/>
         <p:nvPr/>
       </p:nvGrpSpPr>
@@ -10024,7 +10163,9 @@
       <p:sp>
         <p:nvSpPr>
           <p:cNvPr id="115" name="Google Shape;115;p18"/>
-          <p:cNvSpPr txBox="1"/>
+          <p:cNvSpPr txBox="1">
+            <a:spLocks noGrp="1"/>
+          </p:cNvSpPr>
           <p:nvPr>
             <p:ph type="title"/>
           </p:nvPr>
@@ -10039,12 +10180,12 @@
           </a:prstGeom>
         </p:spPr>
         <p:txBody>
-          <a:bodyPr anchorCtr="0" anchor="t" bIns="91425" lIns="91425" spcFirstLastPara="1" rIns="91425" wrap="square" tIns="91425">
+          <a:bodyPr spcFirstLastPara="1" wrap="square" lIns="91425" tIns="91425" rIns="91425" bIns="91425" anchor="t" anchorCtr="0">
             <a:noAutofit/>
           </a:bodyPr>
           <a:lstStyle/>
           <a:p>
-            <a:pPr indent="0" lvl="0" marL="0" rtl="0" algn="l">
+            <a:pPr marL="0" lvl="0" indent="0" algn="l" rtl="0">
               <a:spcBef>
                 <a:spcPts val="0"/>
               </a:spcBef>
@@ -10064,9 +10205,11 @@
       <p:sp>
         <p:nvSpPr>
           <p:cNvPr id="116" name="Google Shape;116;p18"/>
-          <p:cNvSpPr txBox="1"/>
+          <p:cNvSpPr txBox="1">
+            <a:spLocks noGrp="1"/>
+          </p:cNvSpPr>
           <p:nvPr>
-            <p:ph idx="1" type="body"/>
+            <p:ph type="body" idx="1"/>
           </p:nvPr>
         </p:nvSpPr>
         <p:spPr>
@@ -10079,12 +10222,12 @@
           </a:prstGeom>
         </p:spPr>
         <p:txBody>
-          <a:bodyPr anchorCtr="0" anchor="t" bIns="91425" lIns="91425" spcFirstLastPara="1" rIns="91425" wrap="square" tIns="91425">
+          <a:bodyPr spcFirstLastPara="1" wrap="square" lIns="91425" tIns="91425" rIns="91425" bIns="91425" anchor="t" anchorCtr="0">
             <a:noAutofit/>
           </a:bodyPr>
           <a:lstStyle/>
           <a:p>
-            <a:pPr indent="-342900" lvl="0" marL="457200" rtl="0" algn="l">
+            <a:pPr marL="457200" lvl="0" indent="-342900" algn="l" rtl="0">
               <a:spcBef>
                 <a:spcPts val="0"/>
               </a:spcBef>
@@ -10101,7 +10244,7 @@
             <a:endParaRPr/>
           </a:p>
           <a:p>
-            <a:pPr indent="0" lvl="0" marL="0" rtl="0" algn="l">
+            <a:pPr marL="0" lvl="0" indent="0" algn="l" rtl="0">
               <a:spcBef>
                 <a:spcPts val="0"/>
               </a:spcBef>
@@ -10110,13 +10253,10 @@
               </a:spcAft>
               <a:buNone/>
             </a:pPr>
-            <a:r>
-              <a:t/>
-            </a:r>
             <a:endParaRPr/>
           </a:p>
           <a:p>
-            <a:pPr indent="-342900" lvl="0" marL="457200" rtl="0" algn="l">
+            <a:pPr marL="457200" lvl="0" indent="-342900" algn="l" rtl="0">
               <a:spcBef>
                 <a:spcPts val="0"/>
               </a:spcBef>
@@ -10133,7 +10273,7 @@
             <a:endParaRPr/>
           </a:p>
           <a:p>
-            <a:pPr indent="0" lvl="0" marL="0" rtl="0" algn="l">
+            <a:pPr marL="0" lvl="0" indent="0" algn="l" rtl="0">
               <a:spcBef>
                 <a:spcPts val="0"/>
               </a:spcBef>
@@ -10142,13 +10282,10 @@
               </a:spcAft>
               <a:buNone/>
             </a:pPr>
-            <a:r>
-              <a:t/>
-            </a:r>
             <a:endParaRPr/>
           </a:p>
           <a:p>
-            <a:pPr indent="-342900" lvl="0" marL="457200" rtl="0" algn="l">
+            <a:pPr marL="457200" lvl="0" indent="-342900" algn="l" rtl="0">
               <a:spcBef>
                 <a:spcPts val="0"/>
               </a:spcBef>
@@ -10175,11 +10312,11 @@
 </file>
 
 <file path=ppt/slides/slide7.xml><?xml version="1.0" encoding="utf-8"?>
-<p:sld xmlns:a="http://schemas.openxmlformats.org/drawingml/2006/main" xmlns:r="http://schemas.openxmlformats.org/officeDocument/2006/relationships" xmlns:mc="http://schemas.openxmlformats.org/markup-compatibility/2006" xmlns:mv="urn:schemas-microsoft-com:mac:vml" xmlns:p="http://schemas.openxmlformats.org/presentationml/2006/main" xmlns:c="http://schemas.openxmlformats.org/drawingml/2006/chart" xmlns:dgm="http://schemas.openxmlformats.org/drawingml/2006/diagram" xmlns:o="urn:schemas-microsoft-com:office:office" xmlns:v="urn:schemas-microsoft-com:vml" xmlns:pvml="urn:schemas-microsoft-com:office:powerpoint" xmlns:com="http://schemas.openxmlformats.org/drawingml/2006/compatibility" xmlns:p14="http://schemas.microsoft.com/office/powerpoint/2010/main" xmlns:p15="http://schemas.microsoft.com/office/powerpoint/2012/main">
+<p:sld xmlns:a="http://schemas.openxmlformats.org/drawingml/2006/main" xmlns:r="http://schemas.openxmlformats.org/officeDocument/2006/relationships" xmlns:p="http://schemas.openxmlformats.org/presentationml/2006/main">
   <p:cSld>
     <p:spTree>
       <p:nvGrpSpPr>
-        <p:cNvPr id="120" name="Shape 120"/>
+        <p:cNvPr id="1" name="Shape 120"/>
         <p:cNvGrpSpPr/>
         <p:nvPr/>
       </p:nvGrpSpPr>
@@ -10194,7 +10331,9 @@
       <p:sp>
         <p:nvSpPr>
           <p:cNvPr id="121" name="Google Shape;121;p19"/>
-          <p:cNvSpPr txBox="1"/>
+          <p:cNvSpPr txBox="1">
+            <a:spLocks noGrp="1"/>
+          </p:cNvSpPr>
           <p:nvPr>
             <p:ph type="title"/>
           </p:nvPr>
@@ -10209,12 +10348,12 @@
           </a:prstGeom>
         </p:spPr>
         <p:txBody>
-          <a:bodyPr anchorCtr="0" anchor="t" bIns="91425" lIns="91425" spcFirstLastPara="1" rIns="91425" wrap="square" tIns="91425">
+          <a:bodyPr spcFirstLastPara="1" wrap="square" lIns="91425" tIns="91425" rIns="91425" bIns="91425" anchor="t" anchorCtr="0">
             <a:noAutofit/>
           </a:bodyPr>
           <a:lstStyle/>
           <a:p>
-            <a:pPr indent="0" lvl="0" marL="0" rtl="0" algn="l">
+            <a:pPr marL="0" lvl="0" indent="0" algn="l" rtl="0">
               <a:spcBef>
                 <a:spcPts val="0"/>
               </a:spcBef>
@@ -10230,7 +10369,7 @@
             <a:endParaRPr/>
           </a:p>
           <a:p>
-            <a:pPr indent="0" lvl="0" marL="0" rtl="0" algn="l">
+            <a:pPr marL="0" lvl="0" indent="0" algn="l" rtl="0">
               <a:spcBef>
                 <a:spcPts val="0"/>
               </a:spcBef>
@@ -10239,9 +10378,6 @@
               </a:spcAft>
               <a:buNone/>
             </a:pPr>
-            <a:r>
-              <a:t/>
-            </a:r>
             <a:endParaRPr/>
           </a:p>
         </p:txBody>
@@ -10249,9 +10385,11 @@
       <p:sp>
         <p:nvSpPr>
           <p:cNvPr id="122" name="Google Shape;122;p19"/>
-          <p:cNvSpPr txBox="1"/>
+          <p:cNvSpPr txBox="1">
+            <a:spLocks noGrp="1"/>
+          </p:cNvSpPr>
           <p:nvPr>
-            <p:ph idx="1" type="body"/>
+            <p:ph type="body" idx="1"/>
           </p:nvPr>
         </p:nvSpPr>
         <p:spPr>
@@ -10264,12 +10402,12 @@
           </a:prstGeom>
         </p:spPr>
         <p:txBody>
-          <a:bodyPr anchorCtr="0" anchor="t" bIns="91425" lIns="91425" spcFirstLastPara="1" rIns="91425" wrap="square" tIns="91425">
+          <a:bodyPr spcFirstLastPara="1" wrap="square" lIns="91425" tIns="91425" rIns="91425" bIns="91425" anchor="t" anchorCtr="0">
             <a:noAutofit/>
           </a:bodyPr>
           <a:lstStyle/>
           <a:p>
-            <a:pPr indent="-342900" lvl="0" marL="457200" rtl="0" algn="l">
+            <a:pPr marL="457200" lvl="0" indent="-342900" algn="l" rtl="0">
               <a:spcBef>
                 <a:spcPts val="0"/>
               </a:spcBef>
@@ -10286,7 +10424,7 @@
             <a:endParaRPr/>
           </a:p>
           <a:p>
-            <a:pPr indent="0" lvl="0" marL="0" rtl="0" algn="l">
+            <a:pPr marL="0" lvl="0" indent="0" algn="l" rtl="0">
               <a:spcBef>
                 <a:spcPts val="0"/>
               </a:spcBef>
@@ -10295,13 +10433,10 @@
               </a:spcAft>
               <a:buNone/>
             </a:pPr>
-            <a:r>
-              <a:t/>
-            </a:r>
             <a:endParaRPr/>
           </a:p>
           <a:p>
-            <a:pPr indent="-342900" lvl="0" marL="457200" rtl="0" algn="l">
+            <a:pPr marL="457200" lvl="0" indent="-342900" algn="l" rtl="0">
               <a:spcBef>
                 <a:spcPts val="0"/>
               </a:spcBef>
@@ -10318,7 +10453,7 @@
             <a:endParaRPr/>
           </a:p>
           <a:p>
-            <a:pPr indent="0" lvl="0" marL="0" rtl="0" algn="l">
+            <a:pPr marL="0" lvl="0" indent="0" algn="l" rtl="0">
               <a:spcBef>
                 <a:spcPts val="0"/>
               </a:spcBef>
@@ -10327,13 +10462,10 @@
               </a:spcAft>
               <a:buNone/>
             </a:pPr>
-            <a:r>
-              <a:t/>
-            </a:r>
             <a:endParaRPr/>
           </a:p>
           <a:p>
-            <a:pPr indent="-342900" lvl="0" marL="457200" rtl="0" algn="l">
+            <a:pPr marL="457200" lvl="0" indent="-342900" algn="l" rtl="0">
               <a:spcBef>
                 <a:spcPts val="0"/>
               </a:spcBef>
@@ -10360,11 +10492,11 @@
 </file>
 
 <file path=ppt/slides/slide8.xml><?xml version="1.0" encoding="utf-8"?>
-<p:sld xmlns:a="http://schemas.openxmlformats.org/drawingml/2006/main" xmlns:r="http://schemas.openxmlformats.org/officeDocument/2006/relationships" xmlns:mc="http://schemas.openxmlformats.org/markup-compatibility/2006" xmlns:mv="urn:schemas-microsoft-com:mac:vml" xmlns:p="http://schemas.openxmlformats.org/presentationml/2006/main" xmlns:c="http://schemas.openxmlformats.org/drawingml/2006/chart" xmlns:dgm="http://schemas.openxmlformats.org/drawingml/2006/diagram" xmlns:o="urn:schemas-microsoft-com:office:office" xmlns:v="urn:schemas-microsoft-com:vml" xmlns:pvml="urn:schemas-microsoft-com:office:powerpoint" xmlns:com="http://schemas.openxmlformats.org/drawingml/2006/compatibility" xmlns:p14="http://schemas.microsoft.com/office/powerpoint/2010/main" xmlns:p15="http://schemas.microsoft.com/office/powerpoint/2012/main">
+<p:sld xmlns:a="http://schemas.openxmlformats.org/drawingml/2006/main" xmlns:r="http://schemas.openxmlformats.org/officeDocument/2006/relationships" xmlns:p="http://schemas.openxmlformats.org/presentationml/2006/main">
   <p:cSld>
     <p:spTree>
       <p:nvGrpSpPr>
-        <p:cNvPr id="126" name="Shape 126"/>
+        <p:cNvPr id="1" name="Shape 126"/>
         <p:cNvGrpSpPr/>
         <p:nvPr/>
       </p:nvGrpSpPr>
@@ -10379,7 +10511,9 @@
       <p:sp>
         <p:nvSpPr>
           <p:cNvPr id="127" name="Google Shape;127;p20"/>
-          <p:cNvSpPr txBox="1"/>
+          <p:cNvSpPr txBox="1">
+            <a:spLocks noGrp="1"/>
+          </p:cNvSpPr>
           <p:nvPr>
             <p:ph type="title"/>
           </p:nvPr>
@@ -10394,12 +10528,12 @@
           </a:prstGeom>
         </p:spPr>
         <p:txBody>
-          <a:bodyPr anchorCtr="0" anchor="t" bIns="91425" lIns="91425" spcFirstLastPara="1" rIns="91425" wrap="square" tIns="91425">
+          <a:bodyPr spcFirstLastPara="1" wrap="square" lIns="91425" tIns="91425" rIns="91425" bIns="91425" anchor="t" anchorCtr="0">
             <a:noAutofit/>
           </a:bodyPr>
           <a:lstStyle/>
           <a:p>
-            <a:pPr indent="0" lvl="0" marL="0" rtl="0" algn="l">
+            <a:pPr marL="0" lvl="0" indent="0" algn="l" rtl="0">
               <a:spcBef>
                 <a:spcPts val="0"/>
               </a:spcBef>
@@ -10419,9 +10553,11 @@
       <p:sp>
         <p:nvSpPr>
           <p:cNvPr id="128" name="Google Shape;128;p20"/>
-          <p:cNvSpPr txBox="1"/>
+          <p:cNvSpPr txBox="1">
+            <a:spLocks noGrp="1"/>
+          </p:cNvSpPr>
           <p:nvPr>
-            <p:ph idx="1" type="body"/>
+            <p:ph type="body" idx="1"/>
           </p:nvPr>
         </p:nvSpPr>
         <p:spPr>
@@ -10434,12 +10570,12 @@
           </a:prstGeom>
         </p:spPr>
         <p:txBody>
-          <a:bodyPr anchorCtr="0" anchor="t" bIns="91425" lIns="91425" spcFirstLastPara="1" rIns="91425" wrap="square" tIns="91425">
+          <a:bodyPr spcFirstLastPara="1" wrap="square" lIns="91425" tIns="91425" rIns="91425" bIns="91425" anchor="t" anchorCtr="0">
             <a:noAutofit/>
           </a:bodyPr>
           <a:lstStyle/>
           <a:p>
-            <a:pPr indent="-342900" lvl="0" marL="457200" rtl="0" algn="l">
+            <a:pPr marL="457200" lvl="0" indent="-342900" algn="l" rtl="0">
               <a:spcBef>
                 <a:spcPts val="0"/>
               </a:spcBef>
@@ -10456,7 +10592,7 @@
             <a:endParaRPr/>
           </a:p>
           <a:p>
-            <a:pPr indent="-342900" lvl="0" marL="457200" rtl="0" algn="l">
+            <a:pPr marL="457200" lvl="0" indent="-342900" algn="l" rtl="0">
               <a:lnSpc>
                 <a:spcPct val="100000"/>
               </a:lnSpc>
@@ -10476,7 +10612,7 @@
             <a:endParaRPr/>
           </a:p>
           <a:p>
-            <a:pPr indent="-342900" lvl="0" marL="457200" rtl="0" algn="l">
+            <a:pPr marL="457200" lvl="0" indent="-342900" algn="l" rtl="0">
               <a:lnSpc>
                 <a:spcPct val="100000"/>
               </a:lnSpc>
@@ -10496,7 +10632,7 @@
             <a:endParaRPr/>
           </a:p>
           <a:p>
-            <a:pPr indent="-342900" lvl="0" marL="457200" rtl="0" algn="l">
+            <a:pPr marL="457200" lvl="0" indent="-342900" algn="l" rtl="0">
               <a:spcBef>
                 <a:spcPts val="0"/>
               </a:spcBef>
@@ -10513,7 +10649,7 @@
             <a:endParaRPr/>
           </a:p>
           <a:p>
-            <a:pPr indent="-342900" lvl="0" marL="457200" rtl="0" algn="l">
+            <a:pPr marL="457200" lvl="0" indent="-342900" algn="l" rtl="0">
               <a:spcBef>
                 <a:spcPts val="0"/>
               </a:spcBef>
@@ -10525,16 +10661,12 @@
             </a:pPr>
             <a:r>
               <a:rPr lang="en-GB"/>
-              <a:t>f</a:t>
-            </a:r>
-            <a:r>
-              <a:rPr lang="en-GB"/>
-              <a:t>ind pupil boundary and iris boundary using Daugman Integro-Differential operator</a:t>
+              <a:t>find pupil boundary and iris boundary using Daugman Integro-Differential operator</a:t>
             </a:r>
             <a:endParaRPr/>
           </a:p>
           <a:p>
-            <a:pPr indent="0" lvl="0" marL="0" rtl="0" algn="l">
+            <a:pPr marL="0" lvl="0" indent="0" algn="l" rtl="0">
               <a:spcBef>
                 <a:spcPts val="1600"/>
               </a:spcBef>
@@ -10543,9 +10675,6 @@
               </a:spcAft>
               <a:buNone/>
             </a:pPr>
-            <a:r>
-              <a:t/>
-            </a:r>
             <a:endParaRPr/>
           </a:p>
         </p:txBody>
@@ -10598,12 +10727,12 @@
           </a:ln>
         </p:spPr>
         <p:txBody>
-          <a:bodyPr anchorCtr="0" anchor="t" bIns="91425" lIns="91425" spcFirstLastPara="1" rIns="91425" wrap="square" tIns="91425">
+          <a:bodyPr spcFirstLastPara="1" wrap="square" lIns="91425" tIns="91425" rIns="91425" bIns="91425" anchor="t" anchorCtr="0">
             <a:noAutofit/>
           </a:bodyPr>
           <a:lstStyle/>
           <a:p>
-            <a:pPr indent="-342900" lvl="0" marL="457200" rtl="0" algn="l">
+            <a:pPr marL="457200" lvl="0" indent="-342900" algn="l" rtl="0">
               <a:lnSpc>
                 <a:spcPct val="115000"/>
               </a:lnSpc>
@@ -10645,11 +10774,11 @@
 </file>
 
 <file path=ppt/slides/slide9.xml><?xml version="1.0" encoding="utf-8"?>
-<p:sld xmlns:a="http://schemas.openxmlformats.org/drawingml/2006/main" xmlns:r="http://schemas.openxmlformats.org/officeDocument/2006/relationships" xmlns:mc="http://schemas.openxmlformats.org/markup-compatibility/2006" xmlns:mv="urn:schemas-microsoft-com:mac:vml" xmlns:p="http://schemas.openxmlformats.org/presentationml/2006/main" xmlns:c="http://schemas.openxmlformats.org/drawingml/2006/chart" xmlns:dgm="http://schemas.openxmlformats.org/drawingml/2006/diagram" xmlns:o="urn:schemas-microsoft-com:office:office" xmlns:v="urn:schemas-microsoft-com:vml" xmlns:pvml="urn:schemas-microsoft-com:office:powerpoint" xmlns:com="http://schemas.openxmlformats.org/drawingml/2006/compatibility" xmlns:p14="http://schemas.microsoft.com/office/powerpoint/2010/main" xmlns:p15="http://schemas.microsoft.com/office/powerpoint/2012/main">
+<p:sld xmlns:a="http://schemas.openxmlformats.org/drawingml/2006/main" xmlns:r="http://schemas.openxmlformats.org/officeDocument/2006/relationships" xmlns:p="http://schemas.openxmlformats.org/presentationml/2006/main">
   <p:cSld>
     <p:spTree>
       <p:nvGrpSpPr>
-        <p:cNvPr id="134" name="Shape 134"/>
+        <p:cNvPr id="1" name="Shape 134"/>
         <p:cNvGrpSpPr/>
         <p:nvPr/>
       </p:nvGrpSpPr>
@@ -10664,7 +10793,9 @@
       <p:sp>
         <p:nvSpPr>
           <p:cNvPr id="135" name="Google Shape;135;p21"/>
-          <p:cNvSpPr txBox="1"/>
+          <p:cNvSpPr txBox="1">
+            <a:spLocks noGrp="1"/>
+          </p:cNvSpPr>
           <p:nvPr>
             <p:ph type="title"/>
           </p:nvPr>
@@ -10679,12 +10810,12 @@
           </a:prstGeom>
         </p:spPr>
         <p:txBody>
-          <a:bodyPr anchorCtr="0" anchor="t" bIns="91425" lIns="91425" spcFirstLastPara="1" rIns="91425" wrap="square" tIns="91425">
+          <a:bodyPr spcFirstLastPara="1" wrap="square" lIns="91425" tIns="91425" rIns="91425" bIns="91425" anchor="t" anchorCtr="0">
             <a:noAutofit/>
           </a:bodyPr>
           <a:lstStyle/>
           <a:p>
-            <a:pPr indent="0" lvl="0" marL="0" rtl="0" algn="l">
+            <a:pPr marL="0" lvl="0" indent="0" algn="l" rtl="0">
               <a:spcBef>
                 <a:spcPts val="0"/>
               </a:spcBef>
@@ -10704,9 +10835,11 @@
       <p:sp>
         <p:nvSpPr>
           <p:cNvPr id="136" name="Google Shape;136;p21"/>
-          <p:cNvSpPr txBox="1"/>
+          <p:cNvSpPr txBox="1">
+            <a:spLocks noGrp="1"/>
+          </p:cNvSpPr>
           <p:nvPr>
-            <p:ph idx="1" type="body"/>
+            <p:ph type="body" idx="1"/>
           </p:nvPr>
         </p:nvSpPr>
         <p:spPr>
@@ -10719,12 +10852,12 @@
           </a:prstGeom>
         </p:spPr>
         <p:txBody>
-          <a:bodyPr anchorCtr="0" anchor="t" bIns="91425" lIns="91425" spcFirstLastPara="1" rIns="91425" wrap="square" tIns="91425">
+          <a:bodyPr spcFirstLastPara="1" wrap="square" lIns="91425" tIns="91425" rIns="91425" bIns="91425" anchor="t" anchorCtr="0">
             <a:noAutofit/>
           </a:bodyPr>
           <a:lstStyle/>
           <a:p>
-            <a:pPr indent="-342900" lvl="0" marL="457200" rtl="0" algn="l">
+            <a:pPr marL="457200" lvl="0" indent="-342900" algn="l" rtl="0">
               <a:spcBef>
                 <a:spcPts val="0"/>
               </a:spcBef>
@@ -10741,7 +10874,7 @@
             <a:endParaRPr/>
           </a:p>
           <a:p>
-            <a:pPr indent="-342900" lvl="0" marL="457200" rtl="0" algn="l">
+            <a:pPr marL="457200" lvl="0" indent="-342900" algn="l" rtl="0">
               <a:spcBef>
                 <a:spcPts val="0"/>
               </a:spcBef>
@@ -10758,7 +10891,7 @@
             <a:endParaRPr/>
           </a:p>
           <a:p>
-            <a:pPr indent="-342900" lvl="0" marL="457200" rtl="0" algn="l">
+            <a:pPr marL="457200" lvl="0" indent="-342900" algn="l" rtl="0">
               <a:spcBef>
                 <a:spcPts val="0"/>
               </a:spcBef>
@@ -10775,7 +10908,7 @@
             <a:endParaRPr/>
           </a:p>
           <a:p>
-            <a:pPr indent="-342900" lvl="0" marL="457200" rtl="0" algn="l">
+            <a:pPr marL="457200" lvl="0" indent="-342900" algn="l" rtl="0">
               <a:spcBef>
                 <a:spcPts val="0"/>
               </a:spcBef>
@@ -10792,7 +10925,7 @@
             <a:endParaRPr/>
           </a:p>
           <a:p>
-            <a:pPr indent="-342900" lvl="0" marL="457200" rtl="0" algn="l">
+            <a:pPr marL="457200" lvl="0" indent="-342900" algn="l" rtl="0">
               <a:spcBef>
                 <a:spcPts val="0"/>
               </a:spcBef>
@@ -10847,7 +10980,288 @@
 </file>
 
 <file path=ppt/theme/theme1.xml><?xml version="1.0" encoding="utf-8"?>
-<a:theme xmlns:a="http://schemas.openxmlformats.org/drawingml/2006/main" xmlns:r="http://schemas.openxmlformats.org/officeDocument/2006/relationships">
+<a:theme xmlns:a="http://schemas.openxmlformats.org/drawingml/2006/main" name="Geometric">
+  <a:themeElements>
+    <a:clrScheme name="Geometric">
+      <a:dk1>
+        <a:srgbClr val="2A3990"/>
+      </a:dk1>
+      <a:lt1>
+        <a:srgbClr val="FFFFFF"/>
+      </a:lt1>
+      <a:dk2>
+        <a:srgbClr val="434343"/>
+      </a:dk2>
+      <a:lt2>
+        <a:srgbClr val="999999"/>
+      </a:lt2>
+      <a:accent1>
+        <a:srgbClr val="212D74"/>
+      </a:accent1>
+      <a:accent2>
+        <a:srgbClr val="3949AB"/>
+      </a:accent2>
+      <a:accent3>
+        <a:srgbClr val="9C254D"/>
+      </a:accent3>
+      <a:accent4>
+        <a:srgbClr val="D23369"/>
+      </a:accent4>
+      <a:accent5>
+        <a:srgbClr val="F06292"/>
+      </a:accent5>
+      <a:accent6>
+        <a:srgbClr val="7890CD"/>
+      </a:accent6>
+      <a:hlink>
+        <a:srgbClr val="F06292"/>
+      </a:hlink>
+      <a:folHlink>
+        <a:srgbClr val="F06292"/>
+      </a:folHlink>
+    </a:clrScheme>
+    <a:fontScheme name="Office">
+      <a:majorFont>
+        <a:latin typeface="Arial"/>
+        <a:ea typeface=""/>
+        <a:cs typeface=""/>
+        <a:font script="Jpan" typeface="ＭＳ Ｐゴシック"/>
+        <a:font script="Hang" typeface="맑은 고딕"/>
+        <a:font script="Hans" typeface="宋体"/>
+        <a:font script="Hant" typeface="新細明體"/>
+        <a:font script="Arab" typeface="Times New Roman"/>
+        <a:font script="Hebr" typeface="Times New Roman"/>
+        <a:font script="Thai" typeface="Angsana New"/>
+        <a:font script="Ethi" typeface="Nyala"/>
+        <a:font script="Beng" typeface="Vrinda"/>
+        <a:font script="Gujr" typeface="Shruti"/>
+        <a:font script="Khmr" typeface="MoolBoran"/>
+        <a:font script="Knda" typeface="Tunga"/>
+        <a:font script="Guru" typeface="Raavi"/>
+        <a:font script="Cans" typeface="Euphemia"/>
+        <a:font script="Cher" typeface="Plantagenet Cherokee"/>
+        <a:font script="Yiii" typeface="Microsoft Yi Baiti"/>
+        <a:font script="Tibt" typeface="Microsoft Himalaya"/>
+        <a:font script="Thaa" typeface="MV Boli"/>
+        <a:font script="Deva" typeface="Mangal"/>
+        <a:font script="Telu" typeface="Gautami"/>
+        <a:font script="Taml" typeface="Latha"/>
+        <a:font script="Syrc" typeface="Estrangelo Edessa"/>
+        <a:font script="Orya" typeface="Kalinga"/>
+        <a:font script="Mlym" typeface="Kartika"/>
+        <a:font script="Laoo" typeface="DokChampa"/>
+        <a:font script="Sinh" typeface="Iskoola Pota"/>
+        <a:font script="Mong" typeface="Mongolian Baiti"/>
+        <a:font script="Viet" typeface="Times New Roman"/>
+        <a:font script="Uigh" typeface="Microsoft Uighur"/>
+        <a:font script="Geor" typeface="Sylfaen"/>
+      </a:majorFont>
+      <a:minorFont>
+        <a:latin typeface="Arial"/>
+        <a:ea typeface=""/>
+        <a:cs typeface=""/>
+        <a:font script="Jpan" typeface="ＭＳ Ｐゴシック"/>
+        <a:font script="Hang" typeface="맑은 고딕"/>
+        <a:font script="Hans" typeface="宋体"/>
+        <a:font script="Hant" typeface="新細明體"/>
+        <a:font script="Arab" typeface="Arial"/>
+        <a:font script="Hebr" typeface="Arial"/>
+        <a:font script="Thai" typeface="Cordia New"/>
+        <a:font script="Ethi" typeface="Nyala"/>
+        <a:font script="Beng" typeface="Vrinda"/>
+        <a:font script="Gujr" typeface="Shruti"/>
+        <a:font script="Khmr" typeface="DaunPenh"/>
+        <a:font script="Knda" typeface="Tunga"/>
+        <a:font script="Guru" typeface="Raavi"/>
+        <a:font script="Cans" typeface="Euphemia"/>
+        <a:font script="Cher" typeface="Plantagenet Cherokee"/>
+        <a:font script="Yiii" typeface="Microsoft Yi Baiti"/>
+        <a:font script="Tibt" typeface="Microsoft Himalaya"/>
+        <a:font script="Thaa" typeface="MV Boli"/>
+        <a:font script="Deva" typeface="Mangal"/>
+        <a:font script="Telu" typeface="Gautami"/>
+        <a:font script="Taml" typeface="Latha"/>
+        <a:font script="Syrc" typeface="Estrangelo Edessa"/>
+        <a:font script="Orya" typeface="Kalinga"/>
+        <a:font script="Mlym" typeface="Kartika"/>
+        <a:font script="Laoo" typeface="DokChampa"/>
+        <a:font script="Sinh" typeface="Iskoola Pota"/>
+        <a:font script="Mong" typeface="Mongolian Baiti"/>
+        <a:font script="Viet" typeface="Arial"/>
+        <a:font script="Uigh" typeface="Microsoft Uighur"/>
+        <a:font script="Geor" typeface="Sylfaen"/>
+      </a:minorFont>
+    </a:fontScheme>
+    <a:fmtScheme name="Office">
+      <a:fillStyleLst>
+        <a:solidFill>
+          <a:schemeClr val="phClr"/>
+        </a:solidFill>
+        <a:gradFill rotWithShape="1">
+          <a:gsLst>
+            <a:gs pos="0">
+              <a:schemeClr val="phClr">
+                <a:tint val="50000"/>
+                <a:satMod val="300000"/>
+              </a:schemeClr>
+            </a:gs>
+            <a:gs pos="35000">
+              <a:schemeClr val="phClr">
+                <a:tint val="37000"/>
+                <a:satMod val="300000"/>
+              </a:schemeClr>
+            </a:gs>
+            <a:gs pos="100000">
+              <a:schemeClr val="phClr">
+                <a:tint val="15000"/>
+                <a:satMod val="350000"/>
+              </a:schemeClr>
+            </a:gs>
+          </a:gsLst>
+          <a:lin ang="16200000" scaled="1"/>
+        </a:gradFill>
+        <a:gradFill rotWithShape="1">
+          <a:gsLst>
+            <a:gs pos="0">
+              <a:schemeClr val="phClr">
+                <a:tint val="100000"/>
+                <a:shade val="100000"/>
+                <a:satMod val="130000"/>
+              </a:schemeClr>
+            </a:gs>
+            <a:gs pos="100000">
+              <a:schemeClr val="phClr">
+                <a:tint val="50000"/>
+                <a:shade val="100000"/>
+                <a:satMod val="350000"/>
+              </a:schemeClr>
+            </a:gs>
+          </a:gsLst>
+          <a:lin ang="16200000" scaled="0"/>
+        </a:gradFill>
+      </a:fillStyleLst>
+      <a:lnStyleLst>
+        <a:ln w="9525" cap="flat" cmpd="sng" algn="ctr">
+          <a:solidFill>
+            <a:schemeClr val="phClr">
+              <a:shade val="95000"/>
+              <a:satMod val="105000"/>
+            </a:schemeClr>
+          </a:solidFill>
+          <a:prstDash val="solid"/>
+        </a:ln>
+        <a:ln w="25400" cap="flat" cmpd="sng" algn="ctr">
+          <a:solidFill>
+            <a:schemeClr val="phClr"/>
+          </a:solidFill>
+          <a:prstDash val="solid"/>
+        </a:ln>
+        <a:ln w="38100" cap="flat" cmpd="sng" algn="ctr">
+          <a:solidFill>
+            <a:schemeClr val="phClr"/>
+          </a:solidFill>
+          <a:prstDash val="solid"/>
+        </a:ln>
+      </a:lnStyleLst>
+      <a:effectStyleLst>
+        <a:effectStyle>
+          <a:effectLst>
+            <a:outerShdw blurRad="40000" dist="20000" dir="5400000" rotWithShape="0">
+              <a:srgbClr val="000000">
+                <a:alpha val="38000"/>
+              </a:srgbClr>
+            </a:outerShdw>
+          </a:effectLst>
+        </a:effectStyle>
+        <a:effectStyle>
+          <a:effectLst>
+            <a:outerShdw blurRad="40000" dist="23000" dir="5400000" rotWithShape="0">
+              <a:srgbClr val="000000">
+                <a:alpha val="35000"/>
+              </a:srgbClr>
+            </a:outerShdw>
+          </a:effectLst>
+        </a:effectStyle>
+        <a:effectStyle>
+          <a:effectLst>
+            <a:outerShdw blurRad="40000" dist="23000" dir="5400000" rotWithShape="0">
+              <a:srgbClr val="000000">
+                <a:alpha val="35000"/>
+              </a:srgbClr>
+            </a:outerShdw>
+          </a:effectLst>
+          <a:scene3d>
+            <a:camera prst="orthographicFront">
+              <a:rot lat="0" lon="0" rev="0"/>
+            </a:camera>
+            <a:lightRig rig="threePt" dir="t">
+              <a:rot lat="0" lon="0" rev="1200000"/>
+            </a:lightRig>
+          </a:scene3d>
+          <a:sp3d>
+            <a:bevelT w="63500" h="25400"/>
+          </a:sp3d>
+        </a:effectStyle>
+      </a:effectStyleLst>
+      <a:bgFillStyleLst>
+        <a:solidFill>
+          <a:schemeClr val="phClr"/>
+        </a:solidFill>
+        <a:gradFill rotWithShape="1">
+          <a:gsLst>
+            <a:gs pos="0">
+              <a:schemeClr val="phClr">
+                <a:tint val="40000"/>
+                <a:satMod val="350000"/>
+              </a:schemeClr>
+            </a:gs>
+            <a:gs pos="40000">
+              <a:schemeClr val="phClr">
+                <a:tint val="45000"/>
+                <a:shade val="99000"/>
+                <a:satMod val="350000"/>
+              </a:schemeClr>
+            </a:gs>
+            <a:gs pos="100000">
+              <a:schemeClr val="phClr">
+                <a:shade val="20000"/>
+                <a:satMod val="255000"/>
+              </a:schemeClr>
+            </a:gs>
+          </a:gsLst>
+          <a:path path="circle">
+            <a:fillToRect l="50000" t="-80000" r="50000" b="180000"/>
+          </a:path>
+        </a:gradFill>
+        <a:gradFill rotWithShape="1">
+          <a:gsLst>
+            <a:gs pos="0">
+              <a:schemeClr val="phClr">
+                <a:tint val="80000"/>
+                <a:satMod val="300000"/>
+              </a:schemeClr>
+            </a:gs>
+            <a:gs pos="100000">
+              <a:schemeClr val="phClr">
+                <a:shade val="30000"/>
+                <a:satMod val="200000"/>
+              </a:schemeClr>
+            </a:gs>
+          </a:gsLst>
+          <a:path path="circle">
+            <a:fillToRect l="50000" t="50000" r="50000" b="50000"/>
+          </a:path>
+        </a:gradFill>
+      </a:bgFillStyleLst>
+    </a:fmtScheme>
+  </a:themeElements>
+  <a:objectDefaults/>
+  <a:extraClrSchemeLst/>
+</a:theme>
+</file>
+
+<file path=ppt/theme/theme2.xml><?xml version="1.0" encoding="utf-8"?>
+<a:theme xmlns:a="http://schemas.openxmlformats.org/drawingml/2006/main">
   <a:themeElements>
     <a:clrScheme name="Default">
       <a:dk1>
@@ -11122,284 +11536,7 @@
       </a:bgFillStyleLst>
     </a:fmtScheme>
   </a:themeElements>
-</a:theme>
-</file>
-
-<file path=ppt/theme/theme2.xml><?xml version="1.0" encoding="utf-8"?>
-<a:theme xmlns:a="http://schemas.openxmlformats.org/drawingml/2006/main" xmlns:r="http://schemas.openxmlformats.org/officeDocument/2006/relationships" name="Geometric">
-  <a:themeElements>
-    <a:clrScheme name="Geometric">
-      <a:dk1>
-        <a:srgbClr val="2A3990"/>
-      </a:dk1>
-      <a:lt1>
-        <a:srgbClr val="FFFFFF"/>
-      </a:lt1>
-      <a:dk2>
-        <a:srgbClr val="434343"/>
-      </a:dk2>
-      <a:lt2>
-        <a:srgbClr val="999999"/>
-      </a:lt2>
-      <a:accent1>
-        <a:srgbClr val="212D74"/>
-      </a:accent1>
-      <a:accent2>
-        <a:srgbClr val="3949AB"/>
-      </a:accent2>
-      <a:accent3>
-        <a:srgbClr val="9C254D"/>
-      </a:accent3>
-      <a:accent4>
-        <a:srgbClr val="D23369"/>
-      </a:accent4>
-      <a:accent5>
-        <a:srgbClr val="F06292"/>
-      </a:accent5>
-      <a:accent6>
-        <a:srgbClr val="7890CD"/>
-      </a:accent6>
-      <a:hlink>
-        <a:srgbClr val="F06292"/>
-      </a:hlink>
-      <a:folHlink>
-        <a:srgbClr val="F06292"/>
-      </a:folHlink>
-    </a:clrScheme>
-    <a:fontScheme name="Office">
-      <a:majorFont>
-        <a:latin typeface="Arial"/>
-        <a:ea typeface=""/>
-        <a:cs typeface=""/>
-        <a:font script="Jpan" typeface="ＭＳ Ｐゴシック"/>
-        <a:font script="Hang" typeface="맑은 고딕"/>
-        <a:font script="Hans" typeface="宋体"/>
-        <a:font script="Hant" typeface="新細明體"/>
-        <a:font script="Arab" typeface="Times New Roman"/>
-        <a:font script="Hebr" typeface="Times New Roman"/>
-        <a:font script="Thai" typeface="Angsana New"/>
-        <a:font script="Ethi" typeface="Nyala"/>
-        <a:font script="Beng" typeface="Vrinda"/>
-        <a:font script="Gujr" typeface="Shruti"/>
-        <a:font script="Khmr" typeface="MoolBoran"/>
-        <a:font script="Knda" typeface="Tunga"/>
-        <a:font script="Guru" typeface="Raavi"/>
-        <a:font script="Cans" typeface="Euphemia"/>
-        <a:font script="Cher" typeface="Plantagenet Cherokee"/>
-        <a:font script="Yiii" typeface="Microsoft Yi Baiti"/>
-        <a:font script="Tibt" typeface="Microsoft Himalaya"/>
-        <a:font script="Thaa" typeface="MV Boli"/>
-        <a:font script="Deva" typeface="Mangal"/>
-        <a:font script="Telu" typeface="Gautami"/>
-        <a:font script="Taml" typeface="Latha"/>
-        <a:font script="Syrc" typeface="Estrangelo Edessa"/>
-        <a:font script="Orya" typeface="Kalinga"/>
-        <a:font script="Mlym" typeface="Kartika"/>
-        <a:font script="Laoo" typeface="DokChampa"/>
-        <a:font script="Sinh" typeface="Iskoola Pota"/>
-        <a:font script="Mong" typeface="Mongolian Baiti"/>
-        <a:font script="Viet" typeface="Times New Roman"/>
-        <a:font script="Uigh" typeface="Microsoft Uighur"/>
-        <a:font script="Geor" typeface="Sylfaen"/>
-      </a:majorFont>
-      <a:minorFont>
-        <a:latin typeface="Arial"/>
-        <a:ea typeface=""/>
-        <a:cs typeface=""/>
-        <a:font script="Jpan" typeface="ＭＳ Ｐゴシック"/>
-        <a:font script="Hang" typeface="맑은 고딕"/>
-        <a:font script="Hans" typeface="宋体"/>
-        <a:font script="Hant" typeface="新細明體"/>
-        <a:font script="Arab" typeface="Arial"/>
-        <a:font script="Hebr" typeface="Arial"/>
-        <a:font script="Thai" typeface="Cordia New"/>
-        <a:font script="Ethi" typeface="Nyala"/>
-        <a:font script="Beng" typeface="Vrinda"/>
-        <a:font script="Gujr" typeface="Shruti"/>
-        <a:font script="Khmr" typeface="DaunPenh"/>
-        <a:font script="Knda" typeface="Tunga"/>
-        <a:font script="Guru" typeface="Raavi"/>
-        <a:font script="Cans" typeface="Euphemia"/>
-        <a:font script="Cher" typeface="Plantagenet Cherokee"/>
-        <a:font script="Yiii" typeface="Microsoft Yi Baiti"/>
-        <a:font script="Tibt" typeface="Microsoft Himalaya"/>
-        <a:font script="Thaa" typeface="MV Boli"/>
-        <a:font script="Deva" typeface="Mangal"/>
-        <a:font script="Telu" typeface="Gautami"/>
-        <a:font script="Taml" typeface="Latha"/>
-        <a:font script="Syrc" typeface="Estrangelo Edessa"/>
-        <a:font script="Orya" typeface="Kalinga"/>
-        <a:font script="Mlym" typeface="Kartika"/>
-        <a:font script="Laoo" typeface="DokChampa"/>
-        <a:font script="Sinh" typeface="Iskoola Pota"/>
-        <a:font script="Mong" typeface="Mongolian Baiti"/>
-        <a:font script="Viet" typeface="Arial"/>
-        <a:font script="Uigh" typeface="Microsoft Uighur"/>
-        <a:font script="Geor" typeface="Sylfaen"/>
-      </a:minorFont>
-    </a:fontScheme>
-    <a:fmtScheme name="Office">
-      <a:fillStyleLst>
-        <a:solidFill>
-          <a:schemeClr val="phClr"/>
-        </a:solidFill>
-        <a:gradFill rotWithShape="1">
-          <a:gsLst>
-            <a:gs pos="0">
-              <a:schemeClr val="phClr">
-                <a:tint val="50000"/>
-                <a:satMod val="300000"/>
-              </a:schemeClr>
-            </a:gs>
-            <a:gs pos="35000">
-              <a:schemeClr val="phClr">
-                <a:tint val="37000"/>
-                <a:satMod val="300000"/>
-              </a:schemeClr>
-            </a:gs>
-            <a:gs pos="100000">
-              <a:schemeClr val="phClr">
-                <a:tint val="15000"/>
-                <a:satMod val="350000"/>
-              </a:schemeClr>
-            </a:gs>
-          </a:gsLst>
-          <a:lin ang="16200000" scaled="1"/>
-        </a:gradFill>
-        <a:gradFill rotWithShape="1">
-          <a:gsLst>
-            <a:gs pos="0">
-              <a:schemeClr val="phClr">
-                <a:tint val="100000"/>
-                <a:shade val="100000"/>
-                <a:satMod val="130000"/>
-              </a:schemeClr>
-            </a:gs>
-            <a:gs pos="100000">
-              <a:schemeClr val="phClr">
-                <a:tint val="50000"/>
-                <a:shade val="100000"/>
-                <a:satMod val="350000"/>
-              </a:schemeClr>
-            </a:gs>
-          </a:gsLst>
-          <a:lin ang="16200000" scaled="0"/>
-        </a:gradFill>
-      </a:fillStyleLst>
-      <a:lnStyleLst>
-        <a:ln w="9525" cap="flat" cmpd="sng" algn="ctr">
-          <a:solidFill>
-            <a:schemeClr val="phClr">
-              <a:shade val="95000"/>
-              <a:satMod val="105000"/>
-            </a:schemeClr>
-          </a:solidFill>
-          <a:prstDash val="solid"/>
-        </a:ln>
-        <a:ln w="25400" cap="flat" cmpd="sng" algn="ctr">
-          <a:solidFill>
-            <a:schemeClr val="phClr"/>
-          </a:solidFill>
-          <a:prstDash val="solid"/>
-        </a:ln>
-        <a:ln w="38100" cap="flat" cmpd="sng" algn="ctr">
-          <a:solidFill>
-            <a:schemeClr val="phClr"/>
-          </a:solidFill>
-          <a:prstDash val="solid"/>
-        </a:ln>
-      </a:lnStyleLst>
-      <a:effectStyleLst>
-        <a:effectStyle>
-          <a:effectLst>
-            <a:outerShdw blurRad="40000" dist="20000" dir="5400000" rotWithShape="0">
-              <a:srgbClr val="000000">
-                <a:alpha val="38000"/>
-              </a:srgbClr>
-            </a:outerShdw>
-          </a:effectLst>
-        </a:effectStyle>
-        <a:effectStyle>
-          <a:effectLst>
-            <a:outerShdw blurRad="40000" dist="23000" dir="5400000" rotWithShape="0">
-              <a:srgbClr val="000000">
-                <a:alpha val="35000"/>
-              </a:srgbClr>
-            </a:outerShdw>
-          </a:effectLst>
-        </a:effectStyle>
-        <a:effectStyle>
-          <a:effectLst>
-            <a:outerShdw blurRad="40000" dist="23000" dir="5400000" rotWithShape="0">
-              <a:srgbClr val="000000">
-                <a:alpha val="35000"/>
-              </a:srgbClr>
-            </a:outerShdw>
-          </a:effectLst>
-          <a:scene3d>
-            <a:camera prst="orthographicFront">
-              <a:rot lat="0" lon="0" rev="0"/>
-            </a:camera>
-            <a:lightRig rig="threePt" dir="t">
-              <a:rot lat="0" lon="0" rev="1200000"/>
-            </a:lightRig>
-          </a:scene3d>
-          <a:sp3d>
-            <a:bevelT w="63500" h="25400"/>
-          </a:sp3d>
-        </a:effectStyle>
-      </a:effectStyleLst>
-      <a:bgFillStyleLst>
-        <a:solidFill>
-          <a:schemeClr val="phClr"/>
-        </a:solidFill>
-        <a:gradFill rotWithShape="1">
-          <a:gsLst>
-            <a:gs pos="0">
-              <a:schemeClr val="phClr">
-                <a:tint val="40000"/>
-                <a:satMod val="350000"/>
-              </a:schemeClr>
-            </a:gs>
-            <a:gs pos="40000">
-              <a:schemeClr val="phClr">
-                <a:tint val="45000"/>
-                <a:shade val="99000"/>
-                <a:satMod val="350000"/>
-              </a:schemeClr>
-            </a:gs>
-            <a:gs pos="100000">
-              <a:schemeClr val="phClr">
-                <a:shade val="20000"/>
-                <a:satMod val="255000"/>
-              </a:schemeClr>
-            </a:gs>
-          </a:gsLst>
-          <a:path path="circle">
-            <a:fillToRect l="50000" t="-80000" r="50000" b="180000"/>
-          </a:path>
-        </a:gradFill>
-        <a:gradFill rotWithShape="1">
-          <a:gsLst>
-            <a:gs pos="0">
-              <a:schemeClr val="phClr">
-                <a:tint val="80000"/>
-                <a:satMod val="300000"/>
-              </a:schemeClr>
-            </a:gs>
-            <a:gs pos="100000">
-              <a:schemeClr val="phClr">
-                <a:shade val="30000"/>
-                <a:satMod val="200000"/>
-              </a:schemeClr>
-            </a:gs>
-          </a:gsLst>
-          <a:path path="circle">
-            <a:fillToRect l="50000" t="50000" r="50000" b="50000"/>
-          </a:path>
-        </a:gradFill>
-      </a:bgFillStyleLst>
-    </a:fmtScheme>
-  </a:themeElements>
+  <a:objectDefaults/>
+  <a:extraClrSchemeLst/>
 </a:theme>
 </file>